--- a/pptx/asterisk.pptx
+++ b/pptx/asterisk.pptx
@@ -114,6 +114,11 @@
       </a:defRPr>
     </a:lvl9pPr>
   </p:defaultTextStyle>
+  <p:extLst>
+    <p:ext uri="{EFAFB233-063F-42B5-8137-9DF3F51BA10A}">
+      <p15:sldGuideLst xmlns:p15="http://schemas.microsoft.com/office/powerpoint/2012/main"/>
+    </p:ext>
+  </p:extLst>
 </p:presentation>
 </file>
 
@@ -264,7 +269,7 @@
           <a:p>
             <a:fld id="{EEBF48B3-30F0-4B7F-AB0B-C07FDD90830C}" type="datetimeFigureOut">
               <a:rPr lang="en-US" smtClean="0"/>
-              <a:t>3/8/2025</a:t>
+              <a:t>3/9/2025</a:t>
             </a:fld>
             <a:endParaRPr lang="en-US"/>
           </a:p>
@@ -462,7 +467,7 @@
           <a:p>
             <a:fld id="{EEBF48B3-30F0-4B7F-AB0B-C07FDD90830C}" type="datetimeFigureOut">
               <a:rPr lang="en-US" smtClean="0"/>
-              <a:t>3/8/2025</a:t>
+              <a:t>3/9/2025</a:t>
             </a:fld>
             <a:endParaRPr lang="en-US"/>
           </a:p>
@@ -670,7 +675,7 @@
           <a:p>
             <a:fld id="{EEBF48B3-30F0-4B7F-AB0B-C07FDD90830C}" type="datetimeFigureOut">
               <a:rPr lang="en-US" smtClean="0"/>
-              <a:t>3/8/2025</a:t>
+              <a:t>3/9/2025</a:t>
             </a:fld>
             <a:endParaRPr lang="en-US"/>
           </a:p>
@@ -868,7 +873,7 @@
           <a:p>
             <a:fld id="{EEBF48B3-30F0-4B7F-AB0B-C07FDD90830C}" type="datetimeFigureOut">
               <a:rPr lang="en-US" smtClean="0"/>
-              <a:t>3/8/2025</a:t>
+              <a:t>3/9/2025</a:t>
             </a:fld>
             <a:endParaRPr lang="en-US"/>
           </a:p>
@@ -1143,7 +1148,7 @@
           <a:p>
             <a:fld id="{EEBF48B3-30F0-4B7F-AB0B-C07FDD90830C}" type="datetimeFigureOut">
               <a:rPr lang="en-US" smtClean="0"/>
-              <a:t>3/8/2025</a:t>
+              <a:t>3/9/2025</a:t>
             </a:fld>
             <a:endParaRPr lang="en-US"/>
           </a:p>
@@ -1408,7 +1413,7 @@
           <a:p>
             <a:fld id="{EEBF48B3-30F0-4B7F-AB0B-C07FDD90830C}" type="datetimeFigureOut">
               <a:rPr lang="en-US" smtClean="0"/>
-              <a:t>3/8/2025</a:t>
+              <a:t>3/9/2025</a:t>
             </a:fld>
             <a:endParaRPr lang="en-US"/>
           </a:p>
@@ -1820,7 +1825,7 @@
           <a:p>
             <a:fld id="{EEBF48B3-30F0-4B7F-AB0B-C07FDD90830C}" type="datetimeFigureOut">
               <a:rPr lang="en-US" smtClean="0"/>
-              <a:t>3/8/2025</a:t>
+              <a:t>3/9/2025</a:t>
             </a:fld>
             <a:endParaRPr lang="en-US"/>
           </a:p>
@@ -1961,7 +1966,7 @@
           <a:p>
             <a:fld id="{EEBF48B3-30F0-4B7F-AB0B-C07FDD90830C}" type="datetimeFigureOut">
               <a:rPr lang="en-US" smtClean="0"/>
-              <a:t>3/8/2025</a:t>
+              <a:t>3/9/2025</a:t>
             </a:fld>
             <a:endParaRPr lang="en-US"/>
           </a:p>
@@ -2074,7 +2079,7 @@
           <a:p>
             <a:fld id="{EEBF48B3-30F0-4B7F-AB0B-C07FDD90830C}" type="datetimeFigureOut">
               <a:rPr lang="en-US" smtClean="0"/>
-              <a:t>3/8/2025</a:t>
+              <a:t>3/9/2025</a:t>
             </a:fld>
             <a:endParaRPr lang="en-US"/>
           </a:p>
@@ -2385,7 +2390,7 @@
           <a:p>
             <a:fld id="{EEBF48B3-30F0-4B7F-AB0B-C07FDD90830C}" type="datetimeFigureOut">
               <a:rPr lang="en-US" smtClean="0"/>
-              <a:t>3/8/2025</a:t>
+              <a:t>3/9/2025</a:t>
             </a:fld>
             <a:endParaRPr lang="en-US"/>
           </a:p>
@@ -2673,7 +2678,7 @@
           <a:p>
             <a:fld id="{EEBF48B3-30F0-4B7F-AB0B-C07FDD90830C}" type="datetimeFigureOut">
               <a:rPr lang="en-US" smtClean="0"/>
-              <a:t>3/8/2025</a:t>
+              <a:t>3/9/2025</a:t>
             </a:fld>
             <a:endParaRPr lang="en-US"/>
           </a:p>
@@ -2914,7 +2919,7 @@
           <a:p>
             <a:fld id="{EEBF48B3-30F0-4B7F-AB0B-C07FDD90830C}" type="datetimeFigureOut">
               <a:rPr lang="en-US" smtClean="0"/>
-              <a:t>3/8/2025</a:t>
+              <a:t>3/9/2025</a:t>
             </a:fld>
             <a:endParaRPr lang="en-US"/>
           </a:p>
@@ -3558,17 +3563,6 @@
               <a:buAutoNum type="arabicPeriod"/>
             </a:pPr>
             <a:r>
-              <a:rPr lang="en-US" b="1" dirty="0" err="1">
-                <a:solidFill>
-                  <a:schemeClr val="tx1"/>
-                </a:solidFill>
-                <a:latin typeface="JetBrains Mono Medium" panose="02000009000000000000" pitchFamily="49" charset="0"/>
-                <a:ea typeface="JetBrains Mono Medium" panose="02000009000000000000" pitchFamily="49" charset="0"/>
-                <a:cs typeface="JetBrains Mono Medium" panose="02000009000000000000" pitchFamily="49" charset="0"/>
-              </a:rPr>
-              <a:t>Inteligența</a:t>
-            </a:r>
-            <a:r>
               <a:rPr lang="en-US" b="1" dirty="0">
                 <a:solidFill>
                   <a:schemeClr val="tx1"/>
@@ -3577,7 +3571,7 @@
                 <a:ea typeface="JetBrains Mono Medium" panose="02000009000000000000" pitchFamily="49" charset="0"/>
                 <a:cs typeface="JetBrains Mono Medium" panose="02000009000000000000" pitchFamily="49" charset="0"/>
               </a:rPr>
-              <a:t> </a:t>
+              <a:t>Inteligența </a:t>
             </a:r>
             <a:r>
               <a:rPr lang="en-US" b="1" dirty="0" err="1">
@@ -3897,17 +3891,6 @@
               <a:buAutoNum type="arabicPeriod"/>
             </a:pPr>
             <a:r>
-              <a:rPr lang="en-US" b="1" dirty="0" err="1">
-                <a:solidFill>
-                  <a:schemeClr val="tx1"/>
-                </a:solidFill>
-                <a:latin typeface="JetBrains Mono Medium" panose="02000009000000000000" pitchFamily="49" charset="0"/>
-                <a:ea typeface="JetBrains Mono Medium" panose="02000009000000000000" pitchFamily="49" charset="0"/>
-                <a:cs typeface="JetBrains Mono Medium" panose="02000009000000000000" pitchFamily="49" charset="0"/>
-              </a:rPr>
-              <a:t>Inteligența</a:t>
-            </a:r>
-            <a:r>
               <a:rPr lang="en-US" b="1" dirty="0">
                 <a:solidFill>
                   <a:schemeClr val="tx1"/>
@@ -3916,7 +3899,7 @@
                 <a:ea typeface="JetBrains Mono Medium" panose="02000009000000000000" pitchFamily="49" charset="0"/>
                 <a:cs typeface="JetBrains Mono Medium" panose="02000009000000000000" pitchFamily="49" charset="0"/>
               </a:rPr>
-              <a:t> logico-</a:t>
+              <a:t>Inteligența logico-</a:t>
             </a:r>
             <a:r>
               <a:rPr lang="en-US" b="1" dirty="0" err="1">
@@ -4236,17 +4219,6 @@
               <a:buAutoNum type="arabicPeriod"/>
             </a:pPr>
             <a:r>
-              <a:rPr lang="en-US" b="1" dirty="0" err="1">
-                <a:solidFill>
-                  <a:schemeClr val="tx1"/>
-                </a:solidFill>
-                <a:latin typeface="JetBrains Mono Medium" panose="02000009000000000000" pitchFamily="49" charset="0"/>
-                <a:ea typeface="JetBrains Mono Medium" panose="02000009000000000000" pitchFamily="49" charset="0"/>
-                <a:cs typeface="JetBrains Mono Medium" panose="02000009000000000000" pitchFamily="49" charset="0"/>
-              </a:rPr>
-              <a:t>Inteligența</a:t>
-            </a:r>
-            <a:r>
               <a:rPr lang="en-US" b="1" dirty="0">
                 <a:solidFill>
                   <a:schemeClr val="tx1"/>
@@ -4255,7 +4227,7 @@
                 <a:ea typeface="JetBrains Mono Medium" panose="02000009000000000000" pitchFamily="49" charset="0"/>
                 <a:cs typeface="JetBrains Mono Medium" panose="02000009000000000000" pitchFamily="49" charset="0"/>
               </a:rPr>
-              <a:t> </a:t>
+              <a:t>Inteligența </a:t>
             </a:r>
             <a:r>
               <a:rPr lang="en-US" b="1" dirty="0" err="1">
@@ -4597,17 +4569,6 @@
               <a:buAutoNum type="arabicPeriod"/>
             </a:pPr>
             <a:r>
-              <a:rPr lang="en-US" b="1" dirty="0" err="1">
-                <a:solidFill>
-                  <a:schemeClr val="tx1"/>
-                </a:solidFill>
-                <a:latin typeface="JetBrains Mono Medium" panose="02000009000000000000" pitchFamily="49" charset="0"/>
-                <a:ea typeface="JetBrains Mono Medium" panose="02000009000000000000" pitchFamily="49" charset="0"/>
-                <a:cs typeface="JetBrains Mono Medium" panose="02000009000000000000" pitchFamily="49" charset="0"/>
-              </a:rPr>
-              <a:t>Inteligența</a:t>
-            </a:r>
-            <a:r>
               <a:rPr lang="en-US" b="1" dirty="0">
                 <a:solidFill>
                   <a:schemeClr val="tx1"/>
@@ -4616,7 +4577,7 @@
                 <a:ea typeface="JetBrains Mono Medium" panose="02000009000000000000" pitchFamily="49" charset="0"/>
                 <a:cs typeface="JetBrains Mono Medium" panose="02000009000000000000" pitchFamily="49" charset="0"/>
               </a:rPr>
-              <a:t> </a:t>
+              <a:t>Inteligența </a:t>
             </a:r>
             <a:r>
               <a:rPr lang="en-US" b="1" dirty="0" err="1">
@@ -5161,13 +5122,13 @@
   <p:clrMapOvr>
     <a:masterClrMapping/>
   </p:clrMapOvr>
-  <mc:AlternateContent xmlns:mc="http://schemas.openxmlformats.org/markup-compatibility/2006">
-    <mc:Choice xmlns:p14="http://schemas.microsoft.com/office/powerpoint/2010/main" Requires="p14">
+  <mc:AlternateContent xmlns:mc="http://schemas.openxmlformats.org/markup-compatibility/2006" xmlns:p14="http://schemas.microsoft.com/office/powerpoint/2010/main">
+    <mc:Choice Requires="p14">
       <p:transition spd="slow" p14:dur="1500">
         <p14:window dir="vert"/>
       </p:transition>
     </mc:Choice>
-    <mc:Fallback>
+    <mc:Fallback xmlns="">
       <p:transition spd="slow">
         <p:fade/>
       </p:transition>
@@ -5648,10 +5609,7 @@
             </a:r>
           </a:p>
           <a:p>
-            <a:pPr marL="742950" lvl="1" indent="-285750">
-              <a:buFont typeface="+mj-lt"/>
-              <a:buAutoNum type="arabicPeriod"/>
-            </a:pPr>
+            <a:pPr lvl="1"/>
             <a:r>
               <a:rPr lang="en-US" b="1" dirty="0" err="1">
                 <a:solidFill>
@@ -5819,10 +5777,7 @@
             </a:r>
           </a:p>
           <a:p>
-            <a:pPr marL="742950" lvl="1" indent="-285750">
-              <a:buFont typeface="+mj-lt"/>
-              <a:buAutoNum type="arabicPeriod"/>
-            </a:pPr>
+            <a:pPr lvl="1"/>
             <a:r>
               <a:rPr lang="en-US" b="1" dirty="0" err="1">
                 <a:solidFill>
@@ -6059,10 +6014,7 @@
             </a:endParaRPr>
           </a:p>
           <a:p>
-            <a:pPr marL="742950" lvl="1" indent="-285750">
-              <a:buFont typeface="+mj-lt"/>
-              <a:buAutoNum type="arabicPeriod"/>
-            </a:pPr>
+            <a:pPr lvl="1"/>
             <a:r>
               <a:rPr lang="en-US" b="1" dirty="0" err="1">
                 <a:solidFill>
@@ -6252,10 +6204,7 @@
             </a:r>
           </a:p>
           <a:p>
-            <a:pPr marL="742950" lvl="1" indent="-285750">
-              <a:buFont typeface="+mj-lt"/>
-              <a:buAutoNum type="arabicPeriod"/>
-            </a:pPr>
+            <a:pPr lvl="1"/>
             <a:r>
               <a:rPr lang="en-US" b="1" dirty="0" err="1">
                 <a:solidFill>
@@ -6641,13 +6590,13 @@
   <p:clrMapOvr>
     <a:masterClrMapping/>
   </p:clrMapOvr>
-  <mc:AlternateContent xmlns:mc="http://schemas.openxmlformats.org/markup-compatibility/2006">
-    <mc:Choice xmlns:p159="http://schemas.microsoft.com/office/powerpoint/2015/09/main" Requires="p159">
+  <mc:AlternateContent xmlns:mc="http://schemas.openxmlformats.org/markup-compatibility/2006" xmlns:p159="http://schemas.microsoft.com/office/powerpoint/2015/09/main">
+    <mc:Choice Requires="p159">
       <p:transition xmlns:p14="http://schemas.microsoft.com/office/powerpoint/2010/main" spd="slow" p14:dur="2000">
         <p159:morph option="byChar"/>
       </p:transition>
     </mc:Choice>
-    <mc:Fallback>
+    <mc:Fallback xmlns="">
       <p:transition spd="slow">
         <p:fade/>
       </p:transition>
@@ -8227,13 +8176,13 @@
   <p:clrMapOvr>
     <a:masterClrMapping/>
   </p:clrMapOvr>
-  <mc:AlternateContent xmlns:mc="http://schemas.openxmlformats.org/markup-compatibility/2006">
-    <mc:Choice xmlns:p159="http://schemas.microsoft.com/office/powerpoint/2015/09/main" Requires="p159">
+  <mc:AlternateContent xmlns:mc="http://schemas.openxmlformats.org/markup-compatibility/2006" xmlns:p159="http://schemas.microsoft.com/office/powerpoint/2015/09/main">
+    <mc:Choice Requires="p159">
       <p:transition xmlns:p14="http://schemas.microsoft.com/office/powerpoint/2010/main" spd="slow" p14:dur="2000">
         <p159:morph option="byChar"/>
       </p:transition>
     </mc:Choice>
-    <mc:Fallback>
+    <mc:Fallback xmlns="">
       <p:transition spd="slow">
         <p:fade/>
       </p:transition>
@@ -8556,7 +8505,7 @@
           <a:lstStyle/>
           <a:p>
             <a:r>
-              <a:rPr lang="en-US" dirty="0">
+              <a:rPr lang="en-US" sz="2200" dirty="0">
                 <a:solidFill>
                   <a:schemeClr val="tx1"/>
                 </a:solidFill>
@@ -8567,7 +8516,7 @@
               <a:t>Teoria </a:t>
             </a:r>
             <a:r>
-              <a:rPr lang="en-US" dirty="0" err="1">
+              <a:rPr lang="en-US" sz="2200" dirty="0" err="1">
                 <a:solidFill>
                   <a:schemeClr val="tx1"/>
                 </a:solidFill>
@@ -8578,7 +8527,7 @@
               <a:t>inteligențelor</a:t>
             </a:r>
             <a:r>
-              <a:rPr lang="en-US" dirty="0">
+              <a:rPr lang="en-US" sz="2200" dirty="0">
                 <a:solidFill>
                   <a:schemeClr val="tx1"/>
                 </a:solidFill>
@@ -8589,7 +8538,7 @@
               <a:t> multiple, </a:t>
             </a:r>
             <a:r>
-              <a:rPr lang="en-US" dirty="0" err="1">
+              <a:rPr lang="en-US" sz="2200" dirty="0" err="1">
                 <a:solidFill>
                   <a:schemeClr val="tx1"/>
                 </a:solidFill>
@@ -8600,7 +8549,7 @@
               <a:t>propusă</a:t>
             </a:r>
             <a:r>
-              <a:rPr lang="en-US" dirty="0">
+              <a:rPr lang="en-US" sz="2200" dirty="0">
                 <a:solidFill>
                   <a:schemeClr val="tx1"/>
                 </a:solidFill>
@@ -8611,7 +8560,7 @@
               <a:t> de Howard Gardner, </a:t>
             </a:r>
             <a:r>
-              <a:rPr lang="en-US" dirty="0" err="1">
+              <a:rPr lang="en-US" sz="2200" dirty="0" err="1">
                 <a:solidFill>
                   <a:schemeClr val="tx1"/>
                 </a:solidFill>
@@ -8622,18 +8571,18 @@
               <a:t>sugerează</a:t>
             </a:r>
             <a:r>
-              <a:rPr lang="en-US" dirty="0">
-                <a:solidFill>
-                  <a:schemeClr val="tx1"/>
-                </a:solidFill>
-                <a:latin typeface="JetBrains Mono Medium" panose="02000009000000000000" pitchFamily="49" charset="0"/>
-                <a:ea typeface="JetBrains Mono Medium" panose="02000009000000000000" pitchFamily="49" charset="0"/>
-                <a:cs typeface="JetBrains Mono Medium" panose="02000009000000000000" pitchFamily="49" charset="0"/>
-              </a:rPr>
-              <a:t> </a:t>
-            </a:r>
-            <a:r>
-              <a:rPr lang="en-US" dirty="0" err="1">
+              <a:rPr lang="en-US" sz="2200" dirty="0">
+                <a:solidFill>
+                  <a:schemeClr val="tx1"/>
+                </a:solidFill>
+                <a:latin typeface="JetBrains Mono Medium" panose="02000009000000000000" pitchFamily="49" charset="0"/>
+                <a:ea typeface="JetBrains Mono Medium" panose="02000009000000000000" pitchFamily="49" charset="0"/>
+                <a:cs typeface="JetBrains Mono Medium" panose="02000009000000000000" pitchFamily="49" charset="0"/>
+              </a:rPr>
+              <a:t> </a:t>
+            </a:r>
+            <a:r>
+              <a:rPr lang="en-US" sz="2200" dirty="0" err="1">
                 <a:solidFill>
                   <a:schemeClr val="tx1"/>
                 </a:solidFill>
@@ -8644,7 +8593,7 @@
               <a:t>existența</a:t>
             </a:r>
             <a:r>
-              <a:rPr lang="en-US" dirty="0">
+              <a:rPr lang="en-US" sz="2200" dirty="0">
                 <a:solidFill>
                   <a:schemeClr val="tx1"/>
                 </a:solidFill>
@@ -8655,7 +8604,7 @@
               <a:t> a 8 </a:t>
             </a:r>
             <a:r>
-              <a:rPr lang="en-US" dirty="0" err="1">
+              <a:rPr lang="en-US" sz="2200" dirty="0" err="1">
                 <a:solidFill>
                   <a:schemeClr val="tx1"/>
                 </a:solidFill>
@@ -8666,18 +8615,18 @@
               <a:t>tipuri</a:t>
             </a:r>
             <a:r>
-              <a:rPr lang="en-US" dirty="0">
-                <a:solidFill>
-                  <a:schemeClr val="tx1"/>
-                </a:solidFill>
-                <a:latin typeface="JetBrains Mono Medium" panose="02000009000000000000" pitchFamily="49" charset="0"/>
-                <a:ea typeface="JetBrains Mono Medium" panose="02000009000000000000" pitchFamily="49" charset="0"/>
-                <a:cs typeface="JetBrains Mono Medium" panose="02000009000000000000" pitchFamily="49" charset="0"/>
-              </a:rPr>
-              <a:t> </a:t>
-            </a:r>
-            <a:r>
-              <a:rPr lang="en-US" dirty="0" err="1">
+              <a:rPr lang="en-US" sz="2200" dirty="0">
+                <a:solidFill>
+                  <a:schemeClr val="tx1"/>
+                </a:solidFill>
+                <a:latin typeface="JetBrains Mono Medium" panose="02000009000000000000" pitchFamily="49" charset="0"/>
+                <a:ea typeface="JetBrains Mono Medium" panose="02000009000000000000" pitchFamily="49" charset="0"/>
+                <a:cs typeface="JetBrains Mono Medium" panose="02000009000000000000" pitchFamily="49" charset="0"/>
+              </a:rPr>
+              <a:t> </a:t>
+            </a:r>
+            <a:r>
+              <a:rPr lang="en-US" sz="2200" dirty="0" err="1">
                 <a:solidFill>
                   <a:schemeClr val="tx1"/>
                 </a:solidFill>
@@ -8688,7 +8637,7 @@
               <a:t>principale</a:t>
             </a:r>
             <a:r>
-              <a:rPr lang="en-US" dirty="0">
+              <a:rPr lang="en-US" sz="2200" dirty="0">
                 <a:solidFill>
                   <a:schemeClr val="tx1"/>
                 </a:solidFill>
@@ -8699,7 +8648,7 @@
               <a:t> de </a:t>
             </a:r>
             <a:r>
-              <a:rPr lang="en-US" dirty="0" err="1">
+              <a:rPr lang="en-US" sz="2200" dirty="0" err="1">
                 <a:solidFill>
                   <a:schemeClr val="tx1"/>
                 </a:solidFill>
@@ -8710,7 +8659,7 @@
               <a:t>inteligență</a:t>
             </a:r>
             <a:r>
-              <a:rPr lang="en-US" dirty="0">
+              <a:rPr lang="en-US" sz="2200" dirty="0">
                 <a:solidFill>
                   <a:schemeClr val="tx1"/>
                 </a:solidFill>
@@ -8727,46 +8676,35 @@
               <a:buAutoNum type="arabicPeriod"/>
             </a:pPr>
             <a:r>
-              <a:rPr lang="en-US" b="1" dirty="0" err="1">
-                <a:solidFill>
-                  <a:schemeClr val="tx1"/>
-                </a:solidFill>
-                <a:latin typeface="JetBrains Mono Medium" panose="02000009000000000000" pitchFamily="49" charset="0"/>
-                <a:ea typeface="JetBrains Mono Medium" panose="02000009000000000000" pitchFamily="49" charset="0"/>
-                <a:cs typeface="JetBrains Mono Medium" panose="02000009000000000000" pitchFamily="49" charset="0"/>
-              </a:rPr>
-              <a:t>Inteligența</a:t>
-            </a:r>
-            <a:r>
-              <a:rPr lang="en-US" b="1" dirty="0">
-                <a:solidFill>
-                  <a:schemeClr val="tx1"/>
-                </a:solidFill>
-                <a:latin typeface="JetBrains Mono Medium" panose="02000009000000000000" pitchFamily="49" charset="0"/>
-                <a:ea typeface="JetBrains Mono Medium" panose="02000009000000000000" pitchFamily="49" charset="0"/>
-                <a:cs typeface="JetBrains Mono Medium" panose="02000009000000000000" pitchFamily="49" charset="0"/>
-              </a:rPr>
-              <a:t> </a:t>
-            </a:r>
-            <a:r>
-              <a:rPr lang="en-US" b="1" dirty="0" err="1">
-                <a:solidFill>
-                  <a:schemeClr val="tx1"/>
-                </a:solidFill>
-                <a:latin typeface="JetBrains Mono Medium" panose="02000009000000000000" pitchFamily="49" charset="0"/>
-                <a:ea typeface="JetBrains Mono Medium" panose="02000009000000000000" pitchFamily="49" charset="0"/>
-                <a:cs typeface="JetBrains Mono Medium" panose="02000009000000000000" pitchFamily="49" charset="0"/>
+              <a:rPr lang="en-US" sz="2000" b="1" dirty="0">
+                <a:solidFill>
+                  <a:schemeClr val="tx1"/>
+                </a:solidFill>
+                <a:latin typeface="JetBrains Mono NL ExtraBold" panose="02000009000000000000" pitchFamily="49" charset="0"/>
+                <a:ea typeface="JetBrains Mono NL ExtraBold" panose="02000009000000000000" pitchFamily="49" charset="0"/>
+                <a:cs typeface="JetBrains Mono NL ExtraBold" panose="02000009000000000000" pitchFamily="49" charset="0"/>
+              </a:rPr>
+              <a:t>Inteligența </a:t>
+            </a:r>
+            <a:r>
+              <a:rPr lang="en-US" sz="2000" b="1" dirty="0" err="1">
+                <a:solidFill>
+                  <a:schemeClr val="tx1"/>
+                </a:solidFill>
+                <a:latin typeface="JetBrains Mono NL ExtraBold" panose="02000009000000000000" pitchFamily="49" charset="0"/>
+                <a:ea typeface="JetBrains Mono NL ExtraBold" panose="02000009000000000000" pitchFamily="49" charset="0"/>
+                <a:cs typeface="JetBrains Mono NL ExtraBold" panose="02000009000000000000" pitchFamily="49" charset="0"/>
               </a:rPr>
               <a:t>lingvistică</a:t>
             </a:r>
             <a:r>
-              <a:rPr lang="en-US" b="1" dirty="0">
-                <a:solidFill>
-                  <a:schemeClr val="tx1"/>
-                </a:solidFill>
-                <a:latin typeface="JetBrains Mono Medium" panose="02000009000000000000" pitchFamily="49" charset="0"/>
-                <a:ea typeface="JetBrains Mono Medium" panose="02000009000000000000" pitchFamily="49" charset="0"/>
-                <a:cs typeface="JetBrains Mono Medium" panose="02000009000000000000" pitchFamily="49" charset="0"/>
+              <a:rPr lang="en-US" sz="2000" b="1" dirty="0">
+                <a:solidFill>
+                  <a:schemeClr val="tx1"/>
+                </a:solidFill>
+                <a:latin typeface="JetBrains Mono NL ExtraBold" panose="02000009000000000000" pitchFamily="49" charset="0"/>
+                <a:ea typeface="JetBrains Mono NL ExtraBold" panose="02000009000000000000" pitchFamily="49" charset="0"/>
+                <a:cs typeface="JetBrains Mono NL ExtraBold" panose="02000009000000000000" pitchFamily="49" charset="0"/>
               </a:rPr>
               <a:t>:</a:t>
             </a:r>
@@ -9066,46 +9004,35 @@
               <a:buAutoNum type="arabicPeriod"/>
             </a:pPr>
             <a:r>
-              <a:rPr lang="en-US" b="1" dirty="0" err="1">
-                <a:solidFill>
-                  <a:schemeClr val="tx1"/>
-                </a:solidFill>
-                <a:latin typeface="JetBrains Mono Medium" panose="02000009000000000000" pitchFamily="49" charset="0"/>
-                <a:ea typeface="JetBrains Mono Medium" panose="02000009000000000000" pitchFamily="49" charset="0"/>
-                <a:cs typeface="JetBrains Mono Medium" panose="02000009000000000000" pitchFamily="49" charset="0"/>
-              </a:rPr>
-              <a:t>Inteligența</a:t>
-            </a:r>
-            <a:r>
-              <a:rPr lang="en-US" b="1" dirty="0">
-                <a:solidFill>
-                  <a:schemeClr val="tx1"/>
-                </a:solidFill>
-                <a:latin typeface="JetBrains Mono Medium" panose="02000009000000000000" pitchFamily="49" charset="0"/>
-                <a:ea typeface="JetBrains Mono Medium" panose="02000009000000000000" pitchFamily="49" charset="0"/>
-                <a:cs typeface="JetBrains Mono Medium" panose="02000009000000000000" pitchFamily="49" charset="0"/>
-              </a:rPr>
-              <a:t> logico-</a:t>
-            </a:r>
-            <a:r>
-              <a:rPr lang="en-US" b="1" dirty="0" err="1">
-                <a:solidFill>
-                  <a:schemeClr val="tx1"/>
-                </a:solidFill>
-                <a:latin typeface="JetBrains Mono Medium" panose="02000009000000000000" pitchFamily="49" charset="0"/>
-                <a:ea typeface="JetBrains Mono Medium" panose="02000009000000000000" pitchFamily="49" charset="0"/>
-                <a:cs typeface="JetBrains Mono Medium" panose="02000009000000000000" pitchFamily="49" charset="0"/>
+              <a:rPr lang="en-US" sz="2000" b="1" dirty="0">
+                <a:solidFill>
+                  <a:schemeClr val="tx1"/>
+                </a:solidFill>
+                <a:latin typeface="JetBrains Mono NL ExtraBold" panose="02000009000000000000" pitchFamily="49" charset="0"/>
+                <a:ea typeface="JetBrains Mono NL ExtraBold" panose="02000009000000000000" pitchFamily="49" charset="0"/>
+                <a:cs typeface="JetBrains Mono NL ExtraBold" panose="02000009000000000000" pitchFamily="49" charset="0"/>
+              </a:rPr>
+              <a:t>Inteligența logico-</a:t>
+            </a:r>
+            <a:r>
+              <a:rPr lang="en-US" sz="2000" b="1" dirty="0" err="1">
+                <a:solidFill>
+                  <a:schemeClr val="tx1"/>
+                </a:solidFill>
+                <a:latin typeface="JetBrains Mono NL ExtraBold" panose="02000009000000000000" pitchFamily="49" charset="0"/>
+                <a:ea typeface="JetBrains Mono NL ExtraBold" panose="02000009000000000000" pitchFamily="49" charset="0"/>
+                <a:cs typeface="JetBrains Mono NL ExtraBold" panose="02000009000000000000" pitchFamily="49" charset="0"/>
               </a:rPr>
               <a:t>matematică</a:t>
             </a:r>
             <a:r>
-              <a:rPr lang="en-US" b="1" dirty="0">
-                <a:solidFill>
-                  <a:schemeClr val="tx1"/>
-                </a:solidFill>
-                <a:latin typeface="JetBrains Mono Medium" panose="02000009000000000000" pitchFamily="49" charset="0"/>
-                <a:ea typeface="JetBrains Mono Medium" panose="02000009000000000000" pitchFamily="49" charset="0"/>
-                <a:cs typeface="JetBrains Mono Medium" panose="02000009000000000000" pitchFamily="49" charset="0"/>
+              <a:rPr lang="en-US" sz="2000" b="1" dirty="0">
+                <a:solidFill>
+                  <a:schemeClr val="tx1"/>
+                </a:solidFill>
+                <a:latin typeface="JetBrains Mono NL ExtraBold" panose="02000009000000000000" pitchFamily="49" charset="0"/>
+                <a:ea typeface="JetBrains Mono NL ExtraBold" panose="02000009000000000000" pitchFamily="49" charset="0"/>
+                <a:cs typeface="JetBrains Mono NL ExtraBold" panose="02000009000000000000" pitchFamily="49" charset="0"/>
               </a:rPr>
               <a:t>:</a:t>
             </a:r>
@@ -9405,57 +9332,46 @@
               <a:buAutoNum type="arabicPeriod"/>
             </a:pPr>
             <a:r>
-              <a:rPr lang="en-US" b="1" dirty="0" err="1">
-                <a:solidFill>
-                  <a:schemeClr val="tx1"/>
-                </a:solidFill>
-                <a:latin typeface="JetBrains Mono Medium" panose="02000009000000000000" pitchFamily="49" charset="0"/>
-                <a:ea typeface="JetBrains Mono Medium" panose="02000009000000000000" pitchFamily="49" charset="0"/>
-                <a:cs typeface="JetBrains Mono Medium" panose="02000009000000000000" pitchFamily="49" charset="0"/>
-              </a:rPr>
-              <a:t>Inteligența</a:t>
-            </a:r>
-            <a:r>
-              <a:rPr lang="en-US" b="1" dirty="0">
-                <a:solidFill>
-                  <a:schemeClr val="tx1"/>
-                </a:solidFill>
-                <a:latin typeface="JetBrains Mono Medium" panose="02000009000000000000" pitchFamily="49" charset="0"/>
-                <a:ea typeface="JetBrains Mono Medium" panose="02000009000000000000" pitchFamily="49" charset="0"/>
-                <a:cs typeface="JetBrains Mono Medium" panose="02000009000000000000" pitchFamily="49" charset="0"/>
-              </a:rPr>
-              <a:t> </a:t>
-            </a:r>
-            <a:r>
-              <a:rPr lang="en-US" b="1" dirty="0" err="1">
-                <a:solidFill>
-                  <a:schemeClr val="tx1"/>
-                </a:solidFill>
-                <a:latin typeface="JetBrains Mono Medium" panose="02000009000000000000" pitchFamily="49" charset="0"/>
-                <a:ea typeface="JetBrains Mono Medium" panose="02000009000000000000" pitchFamily="49" charset="0"/>
-                <a:cs typeface="JetBrains Mono Medium" panose="02000009000000000000" pitchFamily="49" charset="0"/>
+              <a:rPr lang="en-US" sz="2000" b="1" dirty="0">
+                <a:solidFill>
+                  <a:schemeClr val="tx1"/>
+                </a:solidFill>
+                <a:latin typeface="JetBrains Mono NL ExtraBold" panose="02000009000000000000" pitchFamily="49" charset="0"/>
+                <a:ea typeface="JetBrains Mono NL ExtraBold" panose="02000009000000000000" pitchFamily="49" charset="0"/>
+                <a:cs typeface="JetBrains Mono NL ExtraBold" panose="02000009000000000000" pitchFamily="49" charset="0"/>
+              </a:rPr>
+              <a:t>Inteligența </a:t>
+            </a:r>
+            <a:r>
+              <a:rPr lang="en-US" sz="2000" b="1" dirty="0" err="1">
+                <a:solidFill>
+                  <a:schemeClr val="tx1"/>
+                </a:solidFill>
+                <a:latin typeface="JetBrains Mono NL ExtraBold" panose="02000009000000000000" pitchFamily="49" charset="0"/>
+                <a:ea typeface="JetBrains Mono NL ExtraBold" panose="02000009000000000000" pitchFamily="49" charset="0"/>
+                <a:cs typeface="JetBrains Mono NL ExtraBold" panose="02000009000000000000" pitchFamily="49" charset="0"/>
               </a:rPr>
               <a:t>vizual-spațială</a:t>
             </a:r>
             <a:r>
-              <a:rPr lang="en-US" b="1" dirty="0">
-                <a:solidFill>
-                  <a:schemeClr val="tx1"/>
-                </a:solidFill>
-                <a:latin typeface="JetBrains Mono Medium" panose="02000009000000000000" pitchFamily="49" charset="0"/>
-                <a:ea typeface="JetBrains Mono Medium" panose="02000009000000000000" pitchFamily="49" charset="0"/>
-                <a:cs typeface="JetBrains Mono Medium" panose="02000009000000000000" pitchFamily="49" charset="0"/>
+              <a:rPr lang="en-US" sz="2000" b="1" dirty="0">
+                <a:solidFill>
+                  <a:schemeClr val="tx1"/>
+                </a:solidFill>
+                <a:latin typeface="JetBrains Mono NL ExtraBold" panose="02000009000000000000" pitchFamily="49" charset="0"/>
+                <a:ea typeface="JetBrains Mono NL ExtraBold" panose="02000009000000000000" pitchFamily="49" charset="0"/>
+                <a:cs typeface="JetBrains Mono NL ExtraBold" panose="02000009000000000000" pitchFamily="49" charset="0"/>
               </a:rPr>
               <a:t>:</a:t>
             </a:r>
             <a:r>
-              <a:rPr lang="en-US" dirty="0">
-                <a:solidFill>
-                  <a:schemeClr val="tx1"/>
-                </a:solidFill>
-                <a:latin typeface="JetBrains Mono Medium" panose="02000009000000000000" pitchFamily="49" charset="0"/>
-                <a:ea typeface="JetBrains Mono Medium" panose="02000009000000000000" pitchFamily="49" charset="0"/>
-                <a:cs typeface="JetBrains Mono Medium" panose="02000009000000000000" pitchFamily="49" charset="0"/>
+              <a:rPr lang="en-US" sz="2000" dirty="0">
+                <a:solidFill>
+                  <a:schemeClr val="tx1"/>
+                </a:solidFill>
+                <a:latin typeface="JetBrains Mono NL ExtraBold" panose="02000009000000000000" pitchFamily="49" charset="0"/>
+                <a:ea typeface="JetBrains Mono NL ExtraBold" panose="02000009000000000000" pitchFamily="49" charset="0"/>
+                <a:cs typeface="JetBrains Mono NL ExtraBold" panose="02000009000000000000" pitchFamily="49" charset="0"/>
               </a:rPr>
               <a:t> </a:t>
             </a:r>
@@ -9766,57 +9682,46 @@
               <a:buAutoNum type="arabicPeriod"/>
             </a:pPr>
             <a:r>
-              <a:rPr lang="en-US" b="1" dirty="0" err="1">
-                <a:solidFill>
-                  <a:schemeClr val="tx1"/>
-                </a:solidFill>
-                <a:latin typeface="JetBrains Mono Medium" panose="02000009000000000000" pitchFamily="49" charset="0"/>
-                <a:ea typeface="JetBrains Mono Medium" panose="02000009000000000000" pitchFamily="49" charset="0"/>
-                <a:cs typeface="JetBrains Mono Medium" panose="02000009000000000000" pitchFamily="49" charset="0"/>
-              </a:rPr>
-              <a:t>Inteligența</a:t>
-            </a:r>
-            <a:r>
-              <a:rPr lang="en-US" b="1" dirty="0">
-                <a:solidFill>
-                  <a:schemeClr val="tx1"/>
-                </a:solidFill>
-                <a:latin typeface="JetBrains Mono Medium" panose="02000009000000000000" pitchFamily="49" charset="0"/>
-                <a:ea typeface="JetBrains Mono Medium" panose="02000009000000000000" pitchFamily="49" charset="0"/>
-                <a:cs typeface="JetBrains Mono Medium" panose="02000009000000000000" pitchFamily="49" charset="0"/>
-              </a:rPr>
-              <a:t> </a:t>
-            </a:r>
-            <a:r>
-              <a:rPr lang="en-US" b="1" dirty="0" err="1">
-                <a:solidFill>
-                  <a:schemeClr val="tx1"/>
-                </a:solidFill>
-                <a:latin typeface="JetBrains Mono Medium" panose="02000009000000000000" pitchFamily="49" charset="0"/>
-                <a:ea typeface="JetBrains Mono Medium" panose="02000009000000000000" pitchFamily="49" charset="0"/>
-                <a:cs typeface="JetBrains Mono Medium" panose="02000009000000000000" pitchFamily="49" charset="0"/>
+              <a:rPr lang="en-US" sz="2000" b="1" dirty="0">
+                <a:solidFill>
+                  <a:schemeClr val="tx1"/>
+                </a:solidFill>
+                <a:latin typeface="JetBrains Mono NL ExtraBold" panose="02000009000000000000" pitchFamily="49" charset="0"/>
+                <a:ea typeface="JetBrains Mono NL ExtraBold" panose="02000009000000000000" pitchFamily="49" charset="0"/>
+                <a:cs typeface="JetBrains Mono NL ExtraBold" panose="02000009000000000000" pitchFamily="49" charset="0"/>
+              </a:rPr>
+              <a:t>Inteligența </a:t>
+            </a:r>
+            <a:r>
+              <a:rPr lang="en-US" sz="2000" b="1" dirty="0" err="1">
+                <a:solidFill>
+                  <a:schemeClr val="tx1"/>
+                </a:solidFill>
+                <a:latin typeface="JetBrains Mono NL ExtraBold" panose="02000009000000000000" pitchFamily="49" charset="0"/>
+                <a:ea typeface="JetBrains Mono NL ExtraBold" panose="02000009000000000000" pitchFamily="49" charset="0"/>
+                <a:cs typeface="JetBrains Mono NL ExtraBold" panose="02000009000000000000" pitchFamily="49" charset="0"/>
               </a:rPr>
               <a:t>muzicală</a:t>
             </a:r>
             <a:r>
-              <a:rPr lang="en-US" b="1" dirty="0">
-                <a:solidFill>
-                  <a:schemeClr val="tx1"/>
-                </a:solidFill>
-                <a:latin typeface="JetBrains Mono Medium" panose="02000009000000000000" pitchFamily="49" charset="0"/>
-                <a:ea typeface="JetBrains Mono Medium" panose="02000009000000000000" pitchFamily="49" charset="0"/>
-                <a:cs typeface="JetBrains Mono Medium" panose="02000009000000000000" pitchFamily="49" charset="0"/>
+              <a:rPr lang="en-US" sz="2000" b="1" dirty="0">
+                <a:solidFill>
+                  <a:schemeClr val="tx1"/>
+                </a:solidFill>
+                <a:latin typeface="JetBrains Mono NL ExtraBold" panose="02000009000000000000" pitchFamily="49" charset="0"/>
+                <a:ea typeface="JetBrains Mono NL ExtraBold" panose="02000009000000000000" pitchFamily="49" charset="0"/>
+                <a:cs typeface="JetBrains Mono NL ExtraBold" panose="02000009000000000000" pitchFamily="49" charset="0"/>
               </a:rPr>
               <a:t>:</a:t>
             </a:r>
             <a:r>
-              <a:rPr lang="en-US" dirty="0">
-                <a:solidFill>
-                  <a:schemeClr val="tx1"/>
-                </a:solidFill>
-                <a:latin typeface="JetBrains Mono Medium" panose="02000009000000000000" pitchFamily="49" charset="0"/>
-                <a:ea typeface="JetBrains Mono Medium" panose="02000009000000000000" pitchFamily="49" charset="0"/>
-                <a:cs typeface="JetBrains Mono Medium" panose="02000009000000000000" pitchFamily="49" charset="0"/>
+              <a:rPr lang="en-US" sz="2000" dirty="0">
+                <a:solidFill>
+                  <a:schemeClr val="tx1"/>
+                </a:solidFill>
+                <a:latin typeface="JetBrains Mono NL ExtraBold" panose="02000009000000000000" pitchFamily="49" charset="0"/>
+                <a:ea typeface="JetBrains Mono NL ExtraBold" panose="02000009000000000000" pitchFamily="49" charset="0"/>
+                <a:cs typeface="JetBrains Mono NL ExtraBold" panose="02000009000000000000" pitchFamily="49" charset="0"/>
               </a:rPr>
               <a:t> </a:t>
             </a:r>
@@ -10089,13 +9994,13 @@
   <p:clrMapOvr>
     <a:masterClrMapping/>
   </p:clrMapOvr>
-  <mc:AlternateContent xmlns:mc="http://schemas.openxmlformats.org/markup-compatibility/2006">
-    <mc:Choice xmlns:p159="http://schemas.microsoft.com/office/powerpoint/2015/09/main" Requires="p159">
+  <mc:AlternateContent xmlns:mc="http://schemas.openxmlformats.org/markup-compatibility/2006" xmlns:p159="http://schemas.microsoft.com/office/powerpoint/2015/09/main">
+    <mc:Choice Requires="p159">
       <p:transition xmlns:p14="http://schemas.microsoft.com/office/powerpoint/2010/main" spd="slow" p14:dur="2000">
         <p159:morph option="byObject"/>
       </p:transition>
     </mc:Choice>
-    <mc:Fallback>
+    <mc:Fallback xmlns="">
       <p:transition spd="slow">
         <p:fade/>
       </p:transition>
@@ -10417,11 +10322,496 @@
           <a:bodyPr rtlCol="0" anchor="ctr"/>
           <a:lstStyle/>
           <a:p>
+            <a:pPr marL="457200" indent="-457200">
+              <a:buFont typeface="+mj-lt"/>
+              <a:buAutoNum type="arabicPeriod" startAt="5"/>
+            </a:pPr>
+            <a:r>
+              <a:rPr lang="en-US" sz="2000" b="1" dirty="0">
+                <a:solidFill>
+                  <a:schemeClr val="tx1"/>
+                </a:solidFill>
+                <a:latin typeface="JetBrains Mono NL ExtraBold" panose="02000009000000000000" pitchFamily="49" charset="0"/>
+                <a:ea typeface="JetBrains Mono NL ExtraBold" panose="02000009000000000000" pitchFamily="49" charset="0"/>
+                <a:cs typeface="JetBrains Mono NL ExtraBold" panose="02000009000000000000" pitchFamily="49" charset="0"/>
+              </a:rPr>
+              <a:t>Inteligența </a:t>
+            </a:r>
+            <a:r>
+              <a:rPr lang="en-US" sz="2000" b="1" dirty="0" err="1">
+                <a:solidFill>
+                  <a:schemeClr val="tx1"/>
+                </a:solidFill>
+                <a:latin typeface="JetBrains Mono NL ExtraBold" panose="02000009000000000000" pitchFamily="49" charset="0"/>
+                <a:ea typeface="JetBrains Mono NL ExtraBold" panose="02000009000000000000" pitchFamily="49" charset="0"/>
+                <a:cs typeface="JetBrains Mono NL ExtraBold" panose="02000009000000000000" pitchFamily="49" charset="0"/>
+              </a:rPr>
+              <a:t>kinestezică</a:t>
+            </a:r>
+            <a:r>
+              <a:rPr lang="en-US" sz="2000" b="1" dirty="0">
+                <a:solidFill>
+                  <a:schemeClr val="tx1"/>
+                </a:solidFill>
+                <a:latin typeface="JetBrains Mono NL ExtraBold" panose="02000009000000000000" pitchFamily="49" charset="0"/>
+                <a:ea typeface="JetBrains Mono NL ExtraBold" panose="02000009000000000000" pitchFamily="49" charset="0"/>
+                <a:cs typeface="JetBrains Mono NL ExtraBold" panose="02000009000000000000" pitchFamily="49" charset="0"/>
+              </a:rPr>
+              <a:t>:</a:t>
+            </a:r>
+            <a:r>
+              <a:rPr lang="en-US" sz="2000" dirty="0">
+                <a:solidFill>
+                  <a:schemeClr val="tx1"/>
+                </a:solidFill>
+                <a:latin typeface="JetBrains Mono NL ExtraBold" panose="02000009000000000000" pitchFamily="49" charset="0"/>
+                <a:ea typeface="JetBrains Mono NL ExtraBold" panose="02000009000000000000" pitchFamily="49" charset="0"/>
+                <a:cs typeface="JetBrains Mono NL ExtraBold" panose="02000009000000000000" pitchFamily="49" charset="0"/>
+              </a:rPr>
+              <a:t> </a:t>
+            </a:r>
+            <a:r>
+              <a:rPr lang="en-US" dirty="0" err="1">
+                <a:solidFill>
+                  <a:schemeClr val="tx1"/>
+                </a:solidFill>
+                <a:latin typeface="JetBrains Mono Medium" panose="02000009000000000000" pitchFamily="49" charset="0"/>
+                <a:ea typeface="JetBrains Mono Medium" panose="02000009000000000000" pitchFamily="49" charset="0"/>
+                <a:cs typeface="JetBrains Mono Medium" panose="02000009000000000000" pitchFamily="49" charset="0"/>
+              </a:rPr>
+              <a:t>Controlul</a:t>
+            </a:r>
+            <a:r>
+              <a:rPr lang="en-US" dirty="0">
+                <a:solidFill>
+                  <a:schemeClr val="tx1"/>
+                </a:solidFill>
+                <a:latin typeface="JetBrains Mono Medium" panose="02000009000000000000" pitchFamily="49" charset="0"/>
+                <a:ea typeface="JetBrains Mono Medium" panose="02000009000000000000" pitchFamily="49" charset="0"/>
+                <a:cs typeface="JetBrains Mono Medium" panose="02000009000000000000" pitchFamily="49" charset="0"/>
+              </a:rPr>
+              <a:t> </a:t>
+            </a:r>
+            <a:r>
+              <a:rPr lang="en-US" dirty="0" err="1">
+                <a:solidFill>
+                  <a:schemeClr val="tx1"/>
+                </a:solidFill>
+                <a:latin typeface="JetBrains Mono Medium" panose="02000009000000000000" pitchFamily="49" charset="0"/>
+                <a:ea typeface="JetBrains Mono Medium" panose="02000009000000000000" pitchFamily="49" charset="0"/>
+                <a:cs typeface="JetBrains Mono Medium" panose="02000009000000000000" pitchFamily="49" charset="0"/>
+              </a:rPr>
+              <a:t>mișcărilor</a:t>
+            </a:r>
+            <a:r>
+              <a:rPr lang="en-US" dirty="0">
+                <a:solidFill>
+                  <a:schemeClr val="tx1"/>
+                </a:solidFill>
+                <a:latin typeface="JetBrains Mono Medium" panose="02000009000000000000" pitchFamily="49" charset="0"/>
+                <a:ea typeface="JetBrains Mono Medium" panose="02000009000000000000" pitchFamily="49" charset="0"/>
+                <a:cs typeface="JetBrains Mono Medium" panose="02000009000000000000" pitchFamily="49" charset="0"/>
+              </a:rPr>
+              <a:t> </a:t>
+            </a:r>
+            <a:r>
+              <a:rPr lang="en-US" dirty="0" err="1">
+                <a:solidFill>
+                  <a:schemeClr val="tx1"/>
+                </a:solidFill>
+                <a:latin typeface="JetBrains Mono Medium" panose="02000009000000000000" pitchFamily="49" charset="0"/>
+                <a:ea typeface="JetBrains Mono Medium" panose="02000009000000000000" pitchFamily="49" charset="0"/>
+                <a:cs typeface="JetBrains Mono Medium" panose="02000009000000000000" pitchFamily="49" charset="0"/>
+              </a:rPr>
+              <a:t>corporale</a:t>
+            </a:r>
+            <a:r>
+              <a:rPr lang="en-US" dirty="0">
+                <a:solidFill>
+                  <a:schemeClr val="tx1"/>
+                </a:solidFill>
+                <a:latin typeface="JetBrains Mono Medium" panose="02000009000000000000" pitchFamily="49" charset="0"/>
+                <a:ea typeface="JetBrains Mono Medium" panose="02000009000000000000" pitchFamily="49" charset="0"/>
+                <a:cs typeface="JetBrains Mono Medium" panose="02000009000000000000" pitchFamily="49" charset="0"/>
+              </a:rPr>
+              <a:t> </a:t>
+            </a:r>
+            <a:r>
+              <a:rPr lang="en-US" dirty="0" err="1">
+                <a:solidFill>
+                  <a:schemeClr val="tx1"/>
+                </a:solidFill>
+                <a:latin typeface="JetBrains Mono Medium" panose="02000009000000000000" pitchFamily="49" charset="0"/>
+                <a:ea typeface="JetBrains Mono Medium" panose="02000009000000000000" pitchFamily="49" charset="0"/>
+                <a:cs typeface="JetBrains Mono Medium" panose="02000009000000000000" pitchFamily="49" charset="0"/>
+              </a:rPr>
+              <a:t>și</a:t>
+            </a:r>
+            <a:r>
+              <a:rPr lang="en-US" dirty="0">
+                <a:solidFill>
+                  <a:schemeClr val="tx1"/>
+                </a:solidFill>
+                <a:latin typeface="JetBrains Mono Medium" panose="02000009000000000000" pitchFamily="49" charset="0"/>
+                <a:ea typeface="JetBrains Mono Medium" panose="02000009000000000000" pitchFamily="49" charset="0"/>
+                <a:cs typeface="JetBrains Mono Medium" panose="02000009000000000000" pitchFamily="49" charset="0"/>
+              </a:rPr>
+              <a:t> </a:t>
+            </a:r>
+            <a:r>
+              <a:rPr lang="en-US" dirty="0" err="1">
+                <a:solidFill>
+                  <a:schemeClr val="tx1"/>
+                </a:solidFill>
+                <a:latin typeface="JetBrains Mono Medium" panose="02000009000000000000" pitchFamily="49" charset="0"/>
+                <a:ea typeface="JetBrains Mono Medium" panose="02000009000000000000" pitchFamily="49" charset="0"/>
+                <a:cs typeface="JetBrains Mono Medium" panose="02000009000000000000" pitchFamily="49" charset="0"/>
+              </a:rPr>
+              <a:t>coordonare</a:t>
+            </a:r>
+            <a:r>
+              <a:rPr lang="en-US" dirty="0">
+                <a:solidFill>
+                  <a:schemeClr val="tx1"/>
+                </a:solidFill>
+                <a:latin typeface="JetBrains Mono Medium" panose="02000009000000000000" pitchFamily="49" charset="0"/>
+                <a:ea typeface="JetBrains Mono Medium" panose="02000009000000000000" pitchFamily="49" charset="0"/>
+                <a:cs typeface="JetBrains Mono Medium" panose="02000009000000000000" pitchFamily="49" charset="0"/>
+              </a:rPr>
+              <a:t>.</a:t>
+            </a:r>
+          </a:p>
+          <a:p>
+            <a:pPr lvl="1"/>
+            <a:r>
+              <a:rPr lang="en-US" b="1" dirty="0" err="1">
+                <a:solidFill>
+                  <a:schemeClr val="tx1"/>
+                </a:solidFill>
+                <a:latin typeface="JetBrains Mono Medium" panose="02000009000000000000" pitchFamily="49" charset="0"/>
+                <a:ea typeface="JetBrains Mono Medium" panose="02000009000000000000" pitchFamily="49" charset="0"/>
+                <a:cs typeface="JetBrains Mono Medium" panose="02000009000000000000" pitchFamily="49" charset="0"/>
+              </a:rPr>
+              <a:t>Cariere</a:t>
+            </a:r>
+            <a:r>
+              <a:rPr lang="en-US" b="1" dirty="0">
+                <a:solidFill>
+                  <a:schemeClr val="tx1"/>
+                </a:solidFill>
+                <a:latin typeface="JetBrains Mono Medium" panose="02000009000000000000" pitchFamily="49" charset="0"/>
+                <a:ea typeface="JetBrains Mono Medium" panose="02000009000000000000" pitchFamily="49" charset="0"/>
+                <a:cs typeface="JetBrains Mono Medium" panose="02000009000000000000" pitchFamily="49" charset="0"/>
+              </a:rPr>
+              <a:t> </a:t>
+            </a:r>
+            <a:r>
+              <a:rPr lang="en-US" b="1" dirty="0" err="1">
+                <a:solidFill>
+                  <a:schemeClr val="tx1"/>
+                </a:solidFill>
+                <a:latin typeface="JetBrains Mono Medium" panose="02000009000000000000" pitchFamily="49" charset="0"/>
+                <a:ea typeface="JetBrains Mono Medium" panose="02000009000000000000" pitchFamily="49" charset="0"/>
+                <a:cs typeface="JetBrains Mono Medium" panose="02000009000000000000" pitchFamily="49" charset="0"/>
+              </a:rPr>
+              <a:t>potrivite</a:t>
+            </a:r>
+            <a:r>
+              <a:rPr lang="en-US" b="1" dirty="0">
+                <a:solidFill>
+                  <a:schemeClr val="tx1"/>
+                </a:solidFill>
+                <a:latin typeface="JetBrains Mono Medium" panose="02000009000000000000" pitchFamily="49" charset="0"/>
+                <a:ea typeface="JetBrains Mono Medium" panose="02000009000000000000" pitchFamily="49" charset="0"/>
+                <a:cs typeface="JetBrains Mono Medium" panose="02000009000000000000" pitchFamily="49" charset="0"/>
+              </a:rPr>
+              <a:t>:</a:t>
+            </a:r>
+            <a:r>
+              <a:rPr lang="en-US" dirty="0">
+                <a:solidFill>
+                  <a:schemeClr val="tx1"/>
+                </a:solidFill>
+                <a:latin typeface="JetBrains Mono Medium" panose="02000009000000000000" pitchFamily="49" charset="0"/>
+                <a:ea typeface="JetBrains Mono Medium" panose="02000009000000000000" pitchFamily="49" charset="0"/>
+                <a:cs typeface="JetBrains Mono Medium" panose="02000009000000000000" pitchFamily="49" charset="0"/>
+              </a:rPr>
+              <a:t> </a:t>
+            </a:r>
+            <a:r>
+              <a:rPr lang="en-US" dirty="0" err="1">
+                <a:solidFill>
+                  <a:schemeClr val="tx1"/>
+                </a:solidFill>
+                <a:latin typeface="JetBrains Mono Medium" panose="02000009000000000000" pitchFamily="49" charset="0"/>
+                <a:ea typeface="JetBrains Mono Medium" panose="02000009000000000000" pitchFamily="49" charset="0"/>
+                <a:cs typeface="JetBrains Mono Medium" panose="02000009000000000000" pitchFamily="49" charset="0"/>
+              </a:rPr>
+              <a:t>Sportiv</a:t>
+            </a:r>
+            <a:r>
+              <a:rPr lang="en-US" dirty="0">
+                <a:solidFill>
+                  <a:schemeClr val="tx1"/>
+                </a:solidFill>
+                <a:latin typeface="JetBrains Mono Medium" panose="02000009000000000000" pitchFamily="49" charset="0"/>
+                <a:ea typeface="JetBrains Mono Medium" panose="02000009000000000000" pitchFamily="49" charset="0"/>
+                <a:cs typeface="JetBrains Mono Medium" panose="02000009000000000000" pitchFamily="49" charset="0"/>
+              </a:rPr>
+              <a:t>, </a:t>
+            </a:r>
+            <a:r>
+              <a:rPr lang="en-US" dirty="0" err="1">
+                <a:solidFill>
+                  <a:schemeClr val="tx1"/>
+                </a:solidFill>
+                <a:latin typeface="JetBrains Mono Medium" panose="02000009000000000000" pitchFamily="49" charset="0"/>
+                <a:ea typeface="JetBrains Mono Medium" panose="02000009000000000000" pitchFamily="49" charset="0"/>
+                <a:cs typeface="JetBrains Mono Medium" panose="02000009000000000000" pitchFamily="49" charset="0"/>
+              </a:rPr>
+              <a:t>dansator</a:t>
+            </a:r>
+            <a:r>
+              <a:rPr lang="en-US" dirty="0">
+                <a:solidFill>
+                  <a:schemeClr val="tx1"/>
+                </a:solidFill>
+                <a:latin typeface="JetBrains Mono Medium" panose="02000009000000000000" pitchFamily="49" charset="0"/>
+                <a:ea typeface="JetBrains Mono Medium" panose="02000009000000000000" pitchFamily="49" charset="0"/>
+                <a:cs typeface="JetBrains Mono Medium" panose="02000009000000000000" pitchFamily="49" charset="0"/>
+              </a:rPr>
+              <a:t>, </a:t>
+            </a:r>
+            <a:r>
+              <a:rPr lang="en-US" dirty="0" err="1">
+                <a:solidFill>
+                  <a:schemeClr val="tx1"/>
+                </a:solidFill>
+                <a:latin typeface="JetBrains Mono Medium" panose="02000009000000000000" pitchFamily="49" charset="0"/>
+                <a:ea typeface="JetBrains Mono Medium" panose="02000009000000000000" pitchFamily="49" charset="0"/>
+                <a:cs typeface="JetBrains Mono Medium" panose="02000009000000000000" pitchFamily="49" charset="0"/>
+              </a:rPr>
+              <a:t>kinetoterapeut</a:t>
+            </a:r>
+            <a:r>
+              <a:rPr lang="en-US" dirty="0">
+                <a:solidFill>
+                  <a:schemeClr val="tx1"/>
+                </a:solidFill>
+                <a:latin typeface="JetBrains Mono Medium" panose="02000009000000000000" pitchFamily="49" charset="0"/>
+                <a:ea typeface="JetBrains Mono Medium" panose="02000009000000000000" pitchFamily="49" charset="0"/>
+                <a:cs typeface="JetBrains Mono Medium" panose="02000009000000000000" pitchFamily="49" charset="0"/>
+              </a:rPr>
+              <a:t>, </a:t>
+            </a:r>
+            <a:r>
+              <a:rPr lang="en-US" dirty="0" err="1">
+                <a:solidFill>
+                  <a:schemeClr val="tx1"/>
+                </a:solidFill>
+                <a:latin typeface="JetBrains Mono Medium" panose="02000009000000000000" pitchFamily="49" charset="0"/>
+                <a:ea typeface="JetBrains Mono Medium" panose="02000009000000000000" pitchFamily="49" charset="0"/>
+                <a:cs typeface="JetBrains Mono Medium" panose="02000009000000000000" pitchFamily="49" charset="0"/>
+              </a:rPr>
+              <a:t>chirurg</a:t>
+            </a:r>
+            <a:r>
+              <a:rPr lang="en-US" dirty="0">
+                <a:solidFill>
+                  <a:schemeClr val="tx1"/>
+                </a:solidFill>
+                <a:latin typeface="JetBrains Mono Medium" panose="02000009000000000000" pitchFamily="49" charset="0"/>
+                <a:ea typeface="JetBrains Mono Medium" panose="02000009000000000000" pitchFamily="49" charset="0"/>
+                <a:cs typeface="JetBrains Mono Medium" panose="02000009000000000000" pitchFamily="49" charset="0"/>
+              </a:rPr>
+              <a:t>.</a:t>
+            </a:r>
+          </a:p>
+          <a:p>
             <a:pPr>
               <a:buFont typeface="+mj-lt"/>
-              <a:buAutoNum type="arabicPeriod"/>
+              <a:buAutoNum type="arabicPeriod" startAt="5"/>
             </a:pPr>
             <a:r>
+              <a:rPr lang="en-US" sz="2000" b="1" dirty="0">
+                <a:solidFill>
+                  <a:schemeClr val="tx1"/>
+                </a:solidFill>
+                <a:latin typeface="JetBrains Mono NL ExtraBold" panose="02000009000000000000" pitchFamily="49" charset="0"/>
+                <a:ea typeface="JetBrains Mono NL ExtraBold" panose="02000009000000000000" pitchFamily="49" charset="0"/>
+                <a:cs typeface="JetBrains Mono NL ExtraBold" panose="02000009000000000000" pitchFamily="49" charset="0"/>
+              </a:rPr>
+              <a:t>Inteligența </a:t>
+            </a:r>
+            <a:r>
+              <a:rPr lang="en-US" sz="2000" b="1" dirty="0" err="1">
+                <a:solidFill>
+                  <a:schemeClr val="tx1"/>
+                </a:solidFill>
+                <a:latin typeface="JetBrains Mono NL ExtraBold" panose="02000009000000000000" pitchFamily="49" charset="0"/>
+                <a:ea typeface="JetBrains Mono NL ExtraBold" panose="02000009000000000000" pitchFamily="49" charset="0"/>
+                <a:cs typeface="JetBrains Mono NL ExtraBold" panose="02000009000000000000" pitchFamily="49" charset="0"/>
+              </a:rPr>
+              <a:t>interpersonală</a:t>
+            </a:r>
+            <a:r>
+              <a:rPr lang="en-US" sz="2000" b="1" dirty="0">
+                <a:solidFill>
+                  <a:schemeClr val="tx1"/>
+                </a:solidFill>
+                <a:latin typeface="JetBrains Mono NL ExtraBold" panose="02000009000000000000" pitchFamily="49" charset="0"/>
+                <a:ea typeface="JetBrains Mono NL ExtraBold" panose="02000009000000000000" pitchFamily="49" charset="0"/>
+                <a:cs typeface="JetBrains Mono NL ExtraBold" panose="02000009000000000000" pitchFamily="49" charset="0"/>
+              </a:rPr>
+              <a:t>:</a:t>
+            </a:r>
+            <a:r>
+              <a:rPr lang="en-US" dirty="0">
+                <a:solidFill>
+                  <a:schemeClr val="tx1"/>
+                </a:solidFill>
+                <a:latin typeface="JetBrains Mono Medium" panose="02000009000000000000" pitchFamily="49" charset="0"/>
+                <a:ea typeface="JetBrains Mono Medium" panose="02000009000000000000" pitchFamily="49" charset="0"/>
+                <a:cs typeface="JetBrains Mono Medium" panose="02000009000000000000" pitchFamily="49" charset="0"/>
+              </a:rPr>
+              <a:t> </a:t>
+            </a:r>
+            <a:r>
+              <a:rPr lang="en-US" dirty="0" err="1">
+                <a:solidFill>
+                  <a:schemeClr val="tx1"/>
+                </a:solidFill>
+                <a:latin typeface="JetBrains Mono Medium" panose="02000009000000000000" pitchFamily="49" charset="0"/>
+                <a:ea typeface="JetBrains Mono Medium" panose="02000009000000000000" pitchFamily="49" charset="0"/>
+                <a:cs typeface="JetBrains Mono Medium" panose="02000009000000000000" pitchFamily="49" charset="0"/>
+              </a:rPr>
+              <a:t>Abilitatea</a:t>
+            </a:r>
+            <a:r>
+              <a:rPr lang="en-US" dirty="0">
+                <a:solidFill>
+                  <a:schemeClr val="tx1"/>
+                </a:solidFill>
+                <a:latin typeface="JetBrains Mono Medium" panose="02000009000000000000" pitchFamily="49" charset="0"/>
+                <a:ea typeface="JetBrains Mono Medium" panose="02000009000000000000" pitchFamily="49" charset="0"/>
+                <a:cs typeface="JetBrains Mono Medium" panose="02000009000000000000" pitchFamily="49" charset="0"/>
+              </a:rPr>
+              <a:t> de a </a:t>
+            </a:r>
+            <a:r>
+              <a:rPr lang="en-US" dirty="0" err="1">
+                <a:solidFill>
+                  <a:schemeClr val="tx1"/>
+                </a:solidFill>
+                <a:latin typeface="JetBrains Mono Medium" panose="02000009000000000000" pitchFamily="49" charset="0"/>
+                <a:ea typeface="JetBrains Mono Medium" panose="02000009000000000000" pitchFamily="49" charset="0"/>
+                <a:cs typeface="JetBrains Mono Medium" panose="02000009000000000000" pitchFamily="49" charset="0"/>
+              </a:rPr>
+              <a:t>înțelege</a:t>
+            </a:r>
+            <a:r>
+              <a:rPr lang="en-US" dirty="0">
+                <a:solidFill>
+                  <a:schemeClr val="tx1"/>
+                </a:solidFill>
+                <a:latin typeface="JetBrains Mono Medium" panose="02000009000000000000" pitchFamily="49" charset="0"/>
+                <a:ea typeface="JetBrains Mono Medium" panose="02000009000000000000" pitchFamily="49" charset="0"/>
+                <a:cs typeface="JetBrains Mono Medium" panose="02000009000000000000" pitchFamily="49" charset="0"/>
+              </a:rPr>
+              <a:t> </a:t>
+            </a:r>
+            <a:r>
+              <a:rPr lang="en-US" dirty="0" err="1">
+                <a:solidFill>
+                  <a:schemeClr val="tx1"/>
+                </a:solidFill>
+                <a:latin typeface="JetBrains Mono Medium" panose="02000009000000000000" pitchFamily="49" charset="0"/>
+                <a:ea typeface="JetBrains Mono Medium" panose="02000009000000000000" pitchFamily="49" charset="0"/>
+                <a:cs typeface="JetBrains Mono Medium" panose="02000009000000000000" pitchFamily="49" charset="0"/>
+              </a:rPr>
+              <a:t>și</a:t>
+            </a:r>
+            <a:r>
+              <a:rPr lang="en-US" dirty="0">
+                <a:solidFill>
+                  <a:schemeClr val="tx1"/>
+                </a:solidFill>
+                <a:latin typeface="JetBrains Mono Medium" panose="02000009000000000000" pitchFamily="49" charset="0"/>
+                <a:ea typeface="JetBrains Mono Medium" panose="02000009000000000000" pitchFamily="49" charset="0"/>
+                <a:cs typeface="JetBrains Mono Medium" panose="02000009000000000000" pitchFamily="49" charset="0"/>
+              </a:rPr>
+              <a:t> </a:t>
+            </a:r>
+            <a:r>
+              <a:rPr lang="en-US" dirty="0" err="1">
+                <a:solidFill>
+                  <a:schemeClr val="tx1"/>
+                </a:solidFill>
+                <a:latin typeface="JetBrains Mono Medium" panose="02000009000000000000" pitchFamily="49" charset="0"/>
+                <a:ea typeface="JetBrains Mono Medium" panose="02000009000000000000" pitchFamily="49" charset="0"/>
+                <a:cs typeface="JetBrains Mono Medium" panose="02000009000000000000" pitchFamily="49" charset="0"/>
+              </a:rPr>
+              <a:t>comunica</a:t>
+            </a:r>
+            <a:r>
+              <a:rPr lang="en-US" dirty="0">
+                <a:solidFill>
+                  <a:schemeClr val="tx1"/>
+                </a:solidFill>
+                <a:latin typeface="JetBrains Mono Medium" panose="02000009000000000000" pitchFamily="49" charset="0"/>
+                <a:ea typeface="JetBrains Mono Medium" panose="02000009000000000000" pitchFamily="49" charset="0"/>
+                <a:cs typeface="JetBrains Mono Medium" panose="02000009000000000000" pitchFamily="49" charset="0"/>
+              </a:rPr>
+              <a:t> </a:t>
+            </a:r>
+            <a:r>
+              <a:rPr lang="en-US" dirty="0" err="1">
+                <a:solidFill>
+                  <a:schemeClr val="tx1"/>
+                </a:solidFill>
+                <a:latin typeface="JetBrains Mono Medium" panose="02000009000000000000" pitchFamily="49" charset="0"/>
+                <a:ea typeface="JetBrains Mono Medium" panose="02000009000000000000" pitchFamily="49" charset="0"/>
+                <a:cs typeface="JetBrains Mono Medium" panose="02000009000000000000" pitchFamily="49" charset="0"/>
+              </a:rPr>
+              <a:t>eficient</a:t>
+            </a:r>
+            <a:r>
+              <a:rPr lang="en-US" dirty="0">
+                <a:solidFill>
+                  <a:schemeClr val="tx1"/>
+                </a:solidFill>
+                <a:latin typeface="JetBrains Mono Medium" panose="02000009000000000000" pitchFamily="49" charset="0"/>
+                <a:ea typeface="JetBrains Mono Medium" panose="02000009000000000000" pitchFamily="49" charset="0"/>
+                <a:cs typeface="JetBrains Mono Medium" panose="02000009000000000000" pitchFamily="49" charset="0"/>
+              </a:rPr>
+              <a:t> cu </a:t>
+            </a:r>
+            <a:r>
+              <a:rPr lang="en-US" dirty="0" err="1">
+                <a:solidFill>
+                  <a:schemeClr val="tx1"/>
+                </a:solidFill>
+                <a:latin typeface="JetBrains Mono Medium" panose="02000009000000000000" pitchFamily="49" charset="0"/>
+                <a:ea typeface="JetBrains Mono Medium" panose="02000009000000000000" pitchFamily="49" charset="0"/>
+                <a:cs typeface="JetBrains Mono Medium" panose="02000009000000000000" pitchFamily="49" charset="0"/>
+              </a:rPr>
+              <a:t>ceilalți</a:t>
+            </a:r>
+            <a:r>
+              <a:rPr lang="en-US" dirty="0">
+                <a:solidFill>
+                  <a:schemeClr val="tx1"/>
+                </a:solidFill>
+                <a:latin typeface="JetBrains Mono Medium" panose="02000009000000000000" pitchFamily="49" charset="0"/>
+                <a:ea typeface="JetBrains Mono Medium" panose="02000009000000000000" pitchFamily="49" charset="0"/>
+                <a:cs typeface="JetBrains Mono Medium" panose="02000009000000000000" pitchFamily="49" charset="0"/>
+              </a:rPr>
+              <a:t>.</a:t>
+            </a:r>
+          </a:p>
+          <a:p>
+            <a:pPr lvl="1"/>
+            <a:r>
               <a:rPr lang="en-US" b="1" dirty="0" err="1">
                 <a:solidFill>
                   <a:schemeClr val="tx1"/>
@@ -10430,7 +10820,7 @@
                 <a:ea typeface="JetBrains Mono Medium" panose="02000009000000000000" pitchFamily="49" charset="0"/>
                 <a:cs typeface="JetBrains Mono Medium" panose="02000009000000000000" pitchFamily="49" charset="0"/>
               </a:rPr>
-              <a:t>Inteligența</a:t>
+              <a:t>Cariere</a:t>
             </a:r>
             <a:r>
               <a:rPr lang="en-US" b="1" dirty="0">
@@ -10452,7 +10842,7 @@
                 <a:ea typeface="JetBrains Mono Medium" panose="02000009000000000000" pitchFamily="49" charset="0"/>
                 <a:cs typeface="JetBrains Mono Medium" panose="02000009000000000000" pitchFamily="49" charset="0"/>
               </a:rPr>
-              <a:t>kinestezică</a:t>
+              <a:t>potrivite</a:t>
             </a:r>
             <a:r>
               <a:rPr lang="en-US" b="1" dirty="0">
@@ -10485,260 +10875,161 @@
                 <a:ea typeface="JetBrains Mono Medium" panose="02000009000000000000" pitchFamily="49" charset="0"/>
                 <a:cs typeface="JetBrains Mono Medium" panose="02000009000000000000" pitchFamily="49" charset="0"/>
               </a:rPr>
-              <a:t>Controlul</a:t>
-            </a:r>
-            <a:r>
-              <a:rPr lang="en-US" dirty="0">
-                <a:solidFill>
-                  <a:schemeClr val="tx1"/>
-                </a:solidFill>
-                <a:latin typeface="JetBrains Mono Medium" panose="02000009000000000000" pitchFamily="49" charset="0"/>
-                <a:ea typeface="JetBrains Mono Medium" panose="02000009000000000000" pitchFamily="49" charset="0"/>
-                <a:cs typeface="JetBrains Mono Medium" panose="02000009000000000000" pitchFamily="49" charset="0"/>
-              </a:rPr>
-              <a:t> </a:t>
-            </a:r>
-            <a:r>
-              <a:rPr lang="en-US" dirty="0" err="1">
-                <a:solidFill>
-                  <a:schemeClr val="tx1"/>
-                </a:solidFill>
-                <a:latin typeface="JetBrains Mono Medium" panose="02000009000000000000" pitchFamily="49" charset="0"/>
-                <a:ea typeface="JetBrains Mono Medium" panose="02000009000000000000" pitchFamily="49" charset="0"/>
-                <a:cs typeface="JetBrains Mono Medium" panose="02000009000000000000" pitchFamily="49" charset="0"/>
-              </a:rPr>
-              <a:t>mișcărilor</a:t>
-            </a:r>
-            <a:r>
-              <a:rPr lang="en-US" dirty="0">
-                <a:solidFill>
-                  <a:schemeClr val="tx1"/>
-                </a:solidFill>
-                <a:latin typeface="JetBrains Mono Medium" panose="02000009000000000000" pitchFamily="49" charset="0"/>
-                <a:ea typeface="JetBrains Mono Medium" panose="02000009000000000000" pitchFamily="49" charset="0"/>
-                <a:cs typeface="JetBrains Mono Medium" panose="02000009000000000000" pitchFamily="49" charset="0"/>
-              </a:rPr>
-              <a:t> </a:t>
-            </a:r>
-            <a:r>
-              <a:rPr lang="en-US" dirty="0" err="1">
-                <a:solidFill>
-                  <a:schemeClr val="tx1"/>
-                </a:solidFill>
-                <a:latin typeface="JetBrains Mono Medium" panose="02000009000000000000" pitchFamily="49" charset="0"/>
-                <a:ea typeface="JetBrains Mono Medium" panose="02000009000000000000" pitchFamily="49" charset="0"/>
-                <a:cs typeface="JetBrains Mono Medium" panose="02000009000000000000" pitchFamily="49" charset="0"/>
-              </a:rPr>
-              <a:t>corporale</a:t>
-            </a:r>
-            <a:r>
-              <a:rPr lang="en-US" dirty="0">
-                <a:solidFill>
-                  <a:schemeClr val="tx1"/>
-                </a:solidFill>
-                <a:latin typeface="JetBrains Mono Medium" panose="02000009000000000000" pitchFamily="49" charset="0"/>
-                <a:ea typeface="JetBrains Mono Medium" panose="02000009000000000000" pitchFamily="49" charset="0"/>
-                <a:cs typeface="JetBrains Mono Medium" panose="02000009000000000000" pitchFamily="49" charset="0"/>
-              </a:rPr>
-              <a:t> </a:t>
-            </a:r>
-            <a:r>
-              <a:rPr lang="en-US" dirty="0" err="1">
-                <a:solidFill>
-                  <a:schemeClr val="tx1"/>
-                </a:solidFill>
-                <a:latin typeface="JetBrains Mono Medium" panose="02000009000000000000" pitchFamily="49" charset="0"/>
-                <a:ea typeface="JetBrains Mono Medium" panose="02000009000000000000" pitchFamily="49" charset="0"/>
-                <a:cs typeface="JetBrains Mono Medium" panose="02000009000000000000" pitchFamily="49" charset="0"/>
-              </a:rPr>
-              <a:t>și</a:t>
-            </a:r>
-            <a:r>
-              <a:rPr lang="en-US" dirty="0">
-                <a:solidFill>
-                  <a:schemeClr val="tx1"/>
-                </a:solidFill>
-                <a:latin typeface="JetBrains Mono Medium" panose="02000009000000000000" pitchFamily="49" charset="0"/>
-                <a:ea typeface="JetBrains Mono Medium" panose="02000009000000000000" pitchFamily="49" charset="0"/>
-                <a:cs typeface="JetBrains Mono Medium" panose="02000009000000000000" pitchFamily="49" charset="0"/>
-              </a:rPr>
-              <a:t> </a:t>
-            </a:r>
-            <a:r>
-              <a:rPr lang="en-US" dirty="0" err="1">
-                <a:solidFill>
-                  <a:schemeClr val="tx1"/>
-                </a:solidFill>
-                <a:latin typeface="JetBrains Mono Medium" panose="02000009000000000000" pitchFamily="49" charset="0"/>
-                <a:ea typeface="JetBrains Mono Medium" panose="02000009000000000000" pitchFamily="49" charset="0"/>
-                <a:cs typeface="JetBrains Mono Medium" panose="02000009000000000000" pitchFamily="49" charset="0"/>
-              </a:rPr>
-              <a:t>coordonare</a:t>
-            </a:r>
-            <a:r>
-              <a:rPr lang="en-US" dirty="0">
-                <a:solidFill>
-                  <a:schemeClr val="tx1"/>
-                </a:solidFill>
-                <a:latin typeface="JetBrains Mono Medium" panose="02000009000000000000" pitchFamily="49" charset="0"/>
-                <a:ea typeface="JetBrains Mono Medium" panose="02000009000000000000" pitchFamily="49" charset="0"/>
-                <a:cs typeface="JetBrains Mono Medium" panose="02000009000000000000" pitchFamily="49" charset="0"/>
-              </a:rPr>
-              <a:t>.</a:t>
-            </a:r>
-          </a:p>
-          <a:p>
-            <a:pPr lvl="1"/>
-            <a:r>
-              <a:rPr lang="en-US" b="1" dirty="0" err="1">
-                <a:solidFill>
-                  <a:schemeClr val="tx1"/>
-                </a:solidFill>
-                <a:latin typeface="JetBrains Mono Medium" panose="02000009000000000000" pitchFamily="49" charset="0"/>
-                <a:ea typeface="JetBrains Mono Medium" panose="02000009000000000000" pitchFamily="49" charset="0"/>
-                <a:cs typeface="JetBrains Mono Medium" panose="02000009000000000000" pitchFamily="49" charset="0"/>
-              </a:rPr>
-              <a:t>Cariere</a:t>
-            </a:r>
-            <a:r>
-              <a:rPr lang="en-US" b="1" dirty="0">
-                <a:solidFill>
-                  <a:schemeClr val="tx1"/>
-                </a:solidFill>
-                <a:latin typeface="JetBrains Mono Medium" panose="02000009000000000000" pitchFamily="49" charset="0"/>
-                <a:ea typeface="JetBrains Mono Medium" panose="02000009000000000000" pitchFamily="49" charset="0"/>
-                <a:cs typeface="JetBrains Mono Medium" panose="02000009000000000000" pitchFamily="49" charset="0"/>
-              </a:rPr>
-              <a:t> </a:t>
-            </a:r>
-            <a:r>
-              <a:rPr lang="en-US" b="1" dirty="0" err="1">
-                <a:solidFill>
-                  <a:schemeClr val="tx1"/>
-                </a:solidFill>
-                <a:latin typeface="JetBrains Mono Medium" panose="02000009000000000000" pitchFamily="49" charset="0"/>
-                <a:ea typeface="JetBrains Mono Medium" panose="02000009000000000000" pitchFamily="49" charset="0"/>
-                <a:cs typeface="JetBrains Mono Medium" panose="02000009000000000000" pitchFamily="49" charset="0"/>
-              </a:rPr>
-              <a:t>potrivite</a:t>
-            </a:r>
-            <a:r>
-              <a:rPr lang="en-US" b="1" dirty="0">
-                <a:solidFill>
-                  <a:schemeClr val="tx1"/>
-                </a:solidFill>
-                <a:latin typeface="JetBrains Mono Medium" panose="02000009000000000000" pitchFamily="49" charset="0"/>
-                <a:ea typeface="JetBrains Mono Medium" panose="02000009000000000000" pitchFamily="49" charset="0"/>
-                <a:cs typeface="JetBrains Mono Medium" panose="02000009000000000000" pitchFamily="49" charset="0"/>
-              </a:rPr>
-              <a:t>:</a:t>
-            </a:r>
-            <a:r>
-              <a:rPr lang="en-US" dirty="0">
-                <a:solidFill>
-                  <a:schemeClr val="tx1"/>
-                </a:solidFill>
-                <a:latin typeface="JetBrains Mono Medium" panose="02000009000000000000" pitchFamily="49" charset="0"/>
-                <a:ea typeface="JetBrains Mono Medium" panose="02000009000000000000" pitchFamily="49" charset="0"/>
-                <a:cs typeface="JetBrains Mono Medium" panose="02000009000000000000" pitchFamily="49" charset="0"/>
-              </a:rPr>
-              <a:t> </a:t>
-            </a:r>
-            <a:r>
-              <a:rPr lang="en-US" dirty="0" err="1">
-                <a:solidFill>
-                  <a:schemeClr val="tx1"/>
-                </a:solidFill>
-                <a:latin typeface="JetBrains Mono Medium" panose="02000009000000000000" pitchFamily="49" charset="0"/>
-                <a:ea typeface="JetBrains Mono Medium" panose="02000009000000000000" pitchFamily="49" charset="0"/>
-                <a:cs typeface="JetBrains Mono Medium" panose="02000009000000000000" pitchFamily="49" charset="0"/>
-              </a:rPr>
-              <a:t>Sportiv</a:t>
-            </a:r>
-            <a:r>
-              <a:rPr lang="en-US" dirty="0">
-                <a:solidFill>
-                  <a:schemeClr val="tx1"/>
-                </a:solidFill>
-                <a:latin typeface="JetBrains Mono Medium" panose="02000009000000000000" pitchFamily="49" charset="0"/>
-                <a:ea typeface="JetBrains Mono Medium" panose="02000009000000000000" pitchFamily="49" charset="0"/>
-                <a:cs typeface="JetBrains Mono Medium" panose="02000009000000000000" pitchFamily="49" charset="0"/>
-              </a:rPr>
-              <a:t>, </a:t>
-            </a:r>
-            <a:r>
-              <a:rPr lang="en-US" dirty="0" err="1">
-                <a:solidFill>
-                  <a:schemeClr val="tx1"/>
-                </a:solidFill>
-                <a:latin typeface="JetBrains Mono Medium" panose="02000009000000000000" pitchFamily="49" charset="0"/>
-                <a:ea typeface="JetBrains Mono Medium" panose="02000009000000000000" pitchFamily="49" charset="0"/>
-                <a:cs typeface="JetBrains Mono Medium" panose="02000009000000000000" pitchFamily="49" charset="0"/>
-              </a:rPr>
-              <a:t>dansator</a:t>
-            </a:r>
-            <a:r>
-              <a:rPr lang="en-US" dirty="0">
-                <a:solidFill>
-                  <a:schemeClr val="tx1"/>
-                </a:solidFill>
-                <a:latin typeface="JetBrains Mono Medium" panose="02000009000000000000" pitchFamily="49" charset="0"/>
-                <a:ea typeface="JetBrains Mono Medium" panose="02000009000000000000" pitchFamily="49" charset="0"/>
-                <a:cs typeface="JetBrains Mono Medium" panose="02000009000000000000" pitchFamily="49" charset="0"/>
-              </a:rPr>
-              <a:t>, </a:t>
-            </a:r>
-            <a:r>
-              <a:rPr lang="en-US" dirty="0" err="1">
-                <a:solidFill>
-                  <a:schemeClr val="tx1"/>
-                </a:solidFill>
-                <a:latin typeface="JetBrains Mono Medium" panose="02000009000000000000" pitchFamily="49" charset="0"/>
-                <a:ea typeface="JetBrains Mono Medium" panose="02000009000000000000" pitchFamily="49" charset="0"/>
-                <a:cs typeface="JetBrains Mono Medium" panose="02000009000000000000" pitchFamily="49" charset="0"/>
-              </a:rPr>
-              <a:t>kinetoterapeut</a:t>
-            </a:r>
-            <a:r>
-              <a:rPr lang="en-US" dirty="0">
-                <a:solidFill>
-                  <a:schemeClr val="tx1"/>
-                </a:solidFill>
-                <a:latin typeface="JetBrains Mono Medium" panose="02000009000000000000" pitchFamily="49" charset="0"/>
-                <a:ea typeface="JetBrains Mono Medium" panose="02000009000000000000" pitchFamily="49" charset="0"/>
-                <a:cs typeface="JetBrains Mono Medium" panose="02000009000000000000" pitchFamily="49" charset="0"/>
-              </a:rPr>
-              <a:t>, </a:t>
-            </a:r>
-            <a:r>
-              <a:rPr lang="en-US" dirty="0" err="1">
-                <a:solidFill>
-                  <a:schemeClr val="tx1"/>
-                </a:solidFill>
-                <a:latin typeface="JetBrains Mono Medium" panose="02000009000000000000" pitchFamily="49" charset="0"/>
-                <a:ea typeface="JetBrains Mono Medium" panose="02000009000000000000" pitchFamily="49" charset="0"/>
-                <a:cs typeface="JetBrains Mono Medium" panose="02000009000000000000" pitchFamily="49" charset="0"/>
-              </a:rPr>
-              <a:t>chirurg</a:t>
-            </a:r>
-            <a:r>
-              <a:rPr lang="en-US" dirty="0">
-                <a:solidFill>
-                  <a:schemeClr val="tx1"/>
-                </a:solidFill>
-                <a:latin typeface="JetBrains Mono Medium" panose="02000009000000000000" pitchFamily="49" charset="0"/>
-                <a:ea typeface="JetBrains Mono Medium" panose="02000009000000000000" pitchFamily="49" charset="0"/>
-                <a:cs typeface="JetBrains Mono Medium" panose="02000009000000000000" pitchFamily="49" charset="0"/>
-              </a:rPr>
-              <a:t>.</a:t>
+              <a:t>Psiholog</a:t>
+            </a:r>
+            <a:r>
+              <a:rPr lang="en-US" dirty="0">
+                <a:solidFill>
+                  <a:schemeClr val="tx1"/>
+                </a:solidFill>
+                <a:latin typeface="JetBrains Mono Medium" panose="02000009000000000000" pitchFamily="49" charset="0"/>
+                <a:ea typeface="JetBrains Mono Medium" panose="02000009000000000000" pitchFamily="49" charset="0"/>
+                <a:cs typeface="JetBrains Mono Medium" panose="02000009000000000000" pitchFamily="49" charset="0"/>
+              </a:rPr>
+              <a:t>, manager, consultant, educator.</a:t>
             </a:r>
           </a:p>
           <a:p>
             <a:pPr>
               <a:buFont typeface="+mj-lt"/>
-              <a:buAutoNum type="arabicPeriod"/>
+              <a:buAutoNum type="arabicPeriod" startAt="5"/>
             </a:pPr>
             <a:r>
+              <a:rPr lang="en-US" sz="2000" b="1" dirty="0">
+                <a:solidFill>
+                  <a:schemeClr val="tx1"/>
+                </a:solidFill>
+                <a:latin typeface="JetBrains Mono NL ExtraBold" panose="02000009000000000000" pitchFamily="49" charset="0"/>
+                <a:ea typeface="JetBrains Mono NL ExtraBold" panose="02000009000000000000" pitchFamily="49" charset="0"/>
+                <a:cs typeface="JetBrains Mono NL ExtraBold" panose="02000009000000000000" pitchFamily="49" charset="0"/>
+              </a:rPr>
+              <a:t>Inteligența </a:t>
+            </a:r>
+            <a:r>
+              <a:rPr lang="en-US" sz="2000" b="1" dirty="0" err="1">
+                <a:solidFill>
+                  <a:schemeClr val="tx1"/>
+                </a:solidFill>
+                <a:latin typeface="JetBrains Mono NL ExtraBold" panose="02000009000000000000" pitchFamily="49" charset="0"/>
+                <a:ea typeface="JetBrains Mono NL ExtraBold" panose="02000009000000000000" pitchFamily="49" charset="0"/>
+                <a:cs typeface="JetBrains Mono NL ExtraBold" panose="02000009000000000000" pitchFamily="49" charset="0"/>
+              </a:rPr>
+              <a:t>intrapersonală</a:t>
+            </a:r>
+            <a:r>
+              <a:rPr lang="en-US" sz="2000" b="1" dirty="0">
+                <a:solidFill>
+                  <a:schemeClr val="tx1"/>
+                </a:solidFill>
+                <a:latin typeface="JetBrains Mono NL ExtraBold" panose="02000009000000000000" pitchFamily="49" charset="0"/>
+                <a:ea typeface="JetBrains Mono NL ExtraBold" panose="02000009000000000000" pitchFamily="49" charset="0"/>
+                <a:cs typeface="JetBrains Mono NL ExtraBold" panose="02000009000000000000" pitchFamily="49" charset="0"/>
+              </a:rPr>
+              <a:t>:</a:t>
+            </a:r>
+            <a:r>
+              <a:rPr lang="en-US" dirty="0">
+                <a:solidFill>
+                  <a:schemeClr val="tx1"/>
+                </a:solidFill>
+                <a:latin typeface="JetBrains Mono Medium" panose="02000009000000000000" pitchFamily="49" charset="0"/>
+                <a:ea typeface="JetBrains Mono Medium" panose="02000009000000000000" pitchFamily="49" charset="0"/>
+                <a:cs typeface="JetBrains Mono Medium" panose="02000009000000000000" pitchFamily="49" charset="0"/>
+              </a:rPr>
+              <a:t> </a:t>
+            </a:r>
+            <a:r>
+              <a:rPr lang="en-US" dirty="0" err="1">
+                <a:solidFill>
+                  <a:schemeClr val="tx1"/>
+                </a:solidFill>
+                <a:latin typeface="JetBrains Mono Medium" panose="02000009000000000000" pitchFamily="49" charset="0"/>
+                <a:ea typeface="JetBrains Mono Medium" panose="02000009000000000000" pitchFamily="49" charset="0"/>
+                <a:cs typeface="JetBrains Mono Medium" panose="02000009000000000000" pitchFamily="49" charset="0"/>
+              </a:rPr>
+              <a:t>Capacitatea</a:t>
+            </a:r>
+            <a:r>
+              <a:rPr lang="en-US" dirty="0">
+                <a:solidFill>
+                  <a:schemeClr val="tx1"/>
+                </a:solidFill>
+                <a:latin typeface="JetBrains Mono Medium" panose="02000009000000000000" pitchFamily="49" charset="0"/>
+                <a:ea typeface="JetBrains Mono Medium" panose="02000009000000000000" pitchFamily="49" charset="0"/>
+                <a:cs typeface="JetBrains Mono Medium" panose="02000009000000000000" pitchFamily="49" charset="0"/>
+              </a:rPr>
+              <a:t> de auto-</a:t>
+            </a:r>
+            <a:r>
+              <a:rPr lang="en-US" dirty="0" err="1">
+                <a:solidFill>
+                  <a:schemeClr val="tx1"/>
+                </a:solidFill>
+                <a:latin typeface="JetBrains Mono Medium" panose="02000009000000000000" pitchFamily="49" charset="0"/>
+                <a:ea typeface="JetBrains Mono Medium" panose="02000009000000000000" pitchFamily="49" charset="0"/>
+                <a:cs typeface="JetBrains Mono Medium" panose="02000009000000000000" pitchFamily="49" charset="0"/>
+              </a:rPr>
+              <a:t>reflecție</a:t>
+            </a:r>
+            <a:r>
+              <a:rPr lang="en-US" dirty="0">
+                <a:solidFill>
+                  <a:schemeClr val="tx1"/>
+                </a:solidFill>
+                <a:latin typeface="JetBrains Mono Medium" panose="02000009000000000000" pitchFamily="49" charset="0"/>
+                <a:ea typeface="JetBrains Mono Medium" panose="02000009000000000000" pitchFamily="49" charset="0"/>
+                <a:cs typeface="JetBrains Mono Medium" panose="02000009000000000000" pitchFamily="49" charset="0"/>
+              </a:rPr>
+              <a:t> </a:t>
+            </a:r>
+            <a:r>
+              <a:rPr lang="en-US" dirty="0" err="1">
+                <a:solidFill>
+                  <a:schemeClr val="tx1"/>
+                </a:solidFill>
+                <a:latin typeface="JetBrains Mono Medium" panose="02000009000000000000" pitchFamily="49" charset="0"/>
+                <a:ea typeface="JetBrains Mono Medium" panose="02000009000000000000" pitchFamily="49" charset="0"/>
+                <a:cs typeface="JetBrains Mono Medium" panose="02000009000000000000" pitchFamily="49" charset="0"/>
+              </a:rPr>
+              <a:t>și</a:t>
+            </a:r>
+            <a:r>
+              <a:rPr lang="en-US" dirty="0">
+                <a:solidFill>
+                  <a:schemeClr val="tx1"/>
+                </a:solidFill>
+                <a:latin typeface="JetBrains Mono Medium" panose="02000009000000000000" pitchFamily="49" charset="0"/>
+                <a:ea typeface="JetBrains Mono Medium" panose="02000009000000000000" pitchFamily="49" charset="0"/>
+                <a:cs typeface="JetBrains Mono Medium" panose="02000009000000000000" pitchFamily="49" charset="0"/>
+              </a:rPr>
+              <a:t> auto-</a:t>
+            </a:r>
+            <a:r>
+              <a:rPr lang="en-US" dirty="0" err="1">
+                <a:solidFill>
+                  <a:schemeClr val="tx1"/>
+                </a:solidFill>
+                <a:latin typeface="JetBrains Mono Medium" panose="02000009000000000000" pitchFamily="49" charset="0"/>
+                <a:ea typeface="JetBrains Mono Medium" panose="02000009000000000000" pitchFamily="49" charset="0"/>
+                <a:cs typeface="JetBrains Mono Medium" panose="02000009000000000000" pitchFamily="49" charset="0"/>
+              </a:rPr>
+              <a:t>cunoaștere</a:t>
+            </a:r>
+            <a:r>
+              <a:rPr lang="en-US" dirty="0">
+                <a:solidFill>
+                  <a:schemeClr val="tx1"/>
+                </a:solidFill>
+                <a:latin typeface="JetBrains Mono Medium" panose="02000009000000000000" pitchFamily="49" charset="0"/>
+                <a:ea typeface="JetBrains Mono Medium" panose="02000009000000000000" pitchFamily="49" charset="0"/>
+                <a:cs typeface="JetBrains Mono Medium" panose="02000009000000000000" pitchFamily="49" charset="0"/>
+              </a:rPr>
+              <a:t>.</a:t>
+            </a:r>
+          </a:p>
+          <a:p>
+            <a:pPr lvl="1"/>
+            <a:r>
               <a:rPr lang="en-US" b="1" dirty="0" err="1">
                 <a:solidFill>
                   <a:schemeClr val="tx1"/>
@@ -10747,7 +11038,7 @@
                 <a:ea typeface="JetBrains Mono Medium" panose="02000009000000000000" pitchFamily="49" charset="0"/>
                 <a:cs typeface="JetBrains Mono Medium" panose="02000009000000000000" pitchFamily="49" charset="0"/>
               </a:rPr>
-              <a:t>Inteligența</a:t>
+              <a:t>Cariere</a:t>
             </a:r>
             <a:r>
               <a:rPr lang="en-US" b="1" dirty="0">
@@ -10769,7 +11060,7 @@
                 <a:ea typeface="JetBrains Mono Medium" panose="02000009000000000000" pitchFamily="49" charset="0"/>
                 <a:cs typeface="JetBrains Mono Medium" panose="02000009000000000000" pitchFamily="49" charset="0"/>
               </a:rPr>
-              <a:t>interpersonală</a:t>
+              <a:t>potrivite</a:t>
             </a:r>
             <a:r>
               <a:rPr lang="en-US" b="1" dirty="0">
@@ -10802,540 +11093,110 @@
                 <a:ea typeface="JetBrains Mono Medium" panose="02000009000000000000" pitchFamily="49" charset="0"/>
                 <a:cs typeface="JetBrains Mono Medium" panose="02000009000000000000" pitchFamily="49" charset="0"/>
               </a:rPr>
-              <a:t>Abilitatea</a:t>
-            </a:r>
-            <a:r>
-              <a:rPr lang="en-US" dirty="0">
-                <a:solidFill>
-                  <a:schemeClr val="tx1"/>
-                </a:solidFill>
-                <a:latin typeface="JetBrains Mono Medium" panose="02000009000000000000" pitchFamily="49" charset="0"/>
-                <a:ea typeface="JetBrains Mono Medium" panose="02000009000000000000" pitchFamily="49" charset="0"/>
-                <a:cs typeface="JetBrains Mono Medium" panose="02000009000000000000" pitchFamily="49" charset="0"/>
-              </a:rPr>
-              <a:t> de a </a:t>
-            </a:r>
-            <a:r>
-              <a:rPr lang="en-US" dirty="0" err="1">
-                <a:solidFill>
-                  <a:schemeClr val="tx1"/>
-                </a:solidFill>
-                <a:latin typeface="JetBrains Mono Medium" panose="02000009000000000000" pitchFamily="49" charset="0"/>
-                <a:ea typeface="JetBrains Mono Medium" panose="02000009000000000000" pitchFamily="49" charset="0"/>
-                <a:cs typeface="JetBrains Mono Medium" panose="02000009000000000000" pitchFamily="49" charset="0"/>
-              </a:rPr>
-              <a:t>înțelege</a:t>
-            </a:r>
-            <a:r>
-              <a:rPr lang="en-US" dirty="0">
-                <a:solidFill>
-                  <a:schemeClr val="tx1"/>
-                </a:solidFill>
-                <a:latin typeface="JetBrains Mono Medium" panose="02000009000000000000" pitchFamily="49" charset="0"/>
-                <a:ea typeface="JetBrains Mono Medium" panose="02000009000000000000" pitchFamily="49" charset="0"/>
-                <a:cs typeface="JetBrains Mono Medium" panose="02000009000000000000" pitchFamily="49" charset="0"/>
-              </a:rPr>
-              <a:t> </a:t>
-            </a:r>
-            <a:r>
-              <a:rPr lang="en-US" dirty="0" err="1">
-                <a:solidFill>
-                  <a:schemeClr val="tx1"/>
-                </a:solidFill>
-                <a:latin typeface="JetBrains Mono Medium" panose="02000009000000000000" pitchFamily="49" charset="0"/>
-                <a:ea typeface="JetBrains Mono Medium" panose="02000009000000000000" pitchFamily="49" charset="0"/>
-                <a:cs typeface="JetBrains Mono Medium" panose="02000009000000000000" pitchFamily="49" charset="0"/>
-              </a:rPr>
-              <a:t>și</a:t>
-            </a:r>
-            <a:r>
-              <a:rPr lang="en-US" dirty="0">
-                <a:solidFill>
-                  <a:schemeClr val="tx1"/>
-                </a:solidFill>
-                <a:latin typeface="JetBrains Mono Medium" panose="02000009000000000000" pitchFamily="49" charset="0"/>
-                <a:ea typeface="JetBrains Mono Medium" panose="02000009000000000000" pitchFamily="49" charset="0"/>
-                <a:cs typeface="JetBrains Mono Medium" panose="02000009000000000000" pitchFamily="49" charset="0"/>
-              </a:rPr>
-              <a:t> </a:t>
-            </a:r>
-            <a:r>
-              <a:rPr lang="en-US" dirty="0" err="1">
-                <a:solidFill>
-                  <a:schemeClr val="tx1"/>
-                </a:solidFill>
-                <a:latin typeface="JetBrains Mono Medium" panose="02000009000000000000" pitchFamily="49" charset="0"/>
-                <a:ea typeface="JetBrains Mono Medium" panose="02000009000000000000" pitchFamily="49" charset="0"/>
-                <a:cs typeface="JetBrains Mono Medium" panose="02000009000000000000" pitchFamily="49" charset="0"/>
-              </a:rPr>
-              <a:t>comunica</a:t>
-            </a:r>
-            <a:r>
-              <a:rPr lang="en-US" dirty="0">
-                <a:solidFill>
-                  <a:schemeClr val="tx1"/>
-                </a:solidFill>
-                <a:latin typeface="JetBrains Mono Medium" panose="02000009000000000000" pitchFamily="49" charset="0"/>
-                <a:ea typeface="JetBrains Mono Medium" panose="02000009000000000000" pitchFamily="49" charset="0"/>
-                <a:cs typeface="JetBrains Mono Medium" panose="02000009000000000000" pitchFamily="49" charset="0"/>
-              </a:rPr>
-              <a:t> </a:t>
-            </a:r>
-            <a:r>
-              <a:rPr lang="en-US" dirty="0" err="1">
-                <a:solidFill>
-                  <a:schemeClr val="tx1"/>
-                </a:solidFill>
-                <a:latin typeface="JetBrains Mono Medium" panose="02000009000000000000" pitchFamily="49" charset="0"/>
-                <a:ea typeface="JetBrains Mono Medium" panose="02000009000000000000" pitchFamily="49" charset="0"/>
-                <a:cs typeface="JetBrains Mono Medium" panose="02000009000000000000" pitchFamily="49" charset="0"/>
-              </a:rPr>
-              <a:t>eficient</a:t>
-            </a:r>
-            <a:r>
-              <a:rPr lang="en-US" dirty="0">
-                <a:solidFill>
-                  <a:schemeClr val="tx1"/>
-                </a:solidFill>
-                <a:latin typeface="JetBrains Mono Medium" panose="02000009000000000000" pitchFamily="49" charset="0"/>
-                <a:ea typeface="JetBrains Mono Medium" panose="02000009000000000000" pitchFamily="49" charset="0"/>
-                <a:cs typeface="JetBrains Mono Medium" panose="02000009000000000000" pitchFamily="49" charset="0"/>
-              </a:rPr>
-              <a:t> cu </a:t>
-            </a:r>
-            <a:r>
-              <a:rPr lang="en-US" dirty="0" err="1">
-                <a:solidFill>
-                  <a:schemeClr val="tx1"/>
-                </a:solidFill>
-                <a:latin typeface="JetBrains Mono Medium" panose="02000009000000000000" pitchFamily="49" charset="0"/>
-                <a:ea typeface="JetBrains Mono Medium" panose="02000009000000000000" pitchFamily="49" charset="0"/>
-                <a:cs typeface="JetBrains Mono Medium" panose="02000009000000000000" pitchFamily="49" charset="0"/>
-              </a:rPr>
-              <a:t>ceilalți</a:t>
-            </a:r>
-            <a:r>
-              <a:rPr lang="en-US" dirty="0">
-                <a:solidFill>
-                  <a:schemeClr val="tx1"/>
-                </a:solidFill>
-                <a:latin typeface="JetBrains Mono Medium" panose="02000009000000000000" pitchFamily="49" charset="0"/>
-                <a:ea typeface="JetBrains Mono Medium" panose="02000009000000000000" pitchFamily="49" charset="0"/>
-                <a:cs typeface="JetBrains Mono Medium" panose="02000009000000000000" pitchFamily="49" charset="0"/>
-              </a:rPr>
-              <a:t>.</a:t>
-            </a:r>
-          </a:p>
-          <a:p>
-            <a:pPr lvl="1"/>
-            <a:r>
-              <a:rPr lang="en-US" b="1" dirty="0" err="1">
-                <a:solidFill>
-                  <a:schemeClr val="tx1"/>
-                </a:solidFill>
-                <a:latin typeface="JetBrains Mono Medium" panose="02000009000000000000" pitchFamily="49" charset="0"/>
-                <a:ea typeface="JetBrains Mono Medium" panose="02000009000000000000" pitchFamily="49" charset="0"/>
-                <a:cs typeface="JetBrains Mono Medium" panose="02000009000000000000" pitchFamily="49" charset="0"/>
-              </a:rPr>
-              <a:t>Cariere</a:t>
-            </a:r>
-            <a:r>
-              <a:rPr lang="en-US" b="1" dirty="0">
-                <a:solidFill>
-                  <a:schemeClr val="tx1"/>
-                </a:solidFill>
-                <a:latin typeface="JetBrains Mono Medium" panose="02000009000000000000" pitchFamily="49" charset="0"/>
-                <a:ea typeface="JetBrains Mono Medium" panose="02000009000000000000" pitchFamily="49" charset="0"/>
-                <a:cs typeface="JetBrains Mono Medium" panose="02000009000000000000" pitchFamily="49" charset="0"/>
-              </a:rPr>
-              <a:t> </a:t>
-            </a:r>
-            <a:r>
-              <a:rPr lang="en-US" b="1" dirty="0" err="1">
-                <a:solidFill>
-                  <a:schemeClr val="tx1"/>
-                </a:solidFill>
-                <a:latin typeface="JetBrains Mono Medium" panose="02000009000000000000" pitchFamily="49" charset="0"/>
-                <a:ea typeface="JetBrains Mono Medium" panose="02000009000000000000" pitchFamily="49" charset="0"/>
-                <a:cs typeface="JetBrains Mono Medium" panose="02000009000000000000" pitchFamily="49" charset="0"/>
-              </a:rPr>
-              <a:t>potrivite</a:t>
-            </a:r>
-            <a:r>
-              <a:rPr lang="en-US" b="1" dirty="0">
-                <a:solidFill>
-                  <a:schemeClr val="tx1"/>
-                </a:solidFill>
-                <a:latin typeface="JetBrains Mono Medium" panose="02000009000000000000" pitchFamily="49" charset="0"/>
-                <a:ea typeface="JetBrains Mono Medium" panose="02000009000000000000" pitchFamily="49" charset="0"/>
-                <a:cs typeface="JetBrains Mono Medium" panose="02000009000000000000" pitchFamily="49" charset="0"/>
-              </a:rPr>
-              <a:t>:</a:t>
-            </a:r>
-            <a:r>
-              <a:rPr lang="en-US" dirty="0">
-                <a:solidFill>
-                  <a:schemeClr val="tx1"/>
-                </a:solidFill>
-                <a:latin typeface="JetBrains Mono Medium" panose="02000009000000000000" pitchFamily="49" charset="0"/>
-                <a:ea typeface="JetBrains Mono Medium" panose="02000009000000000000" pitchFamily="49" charset="0"/>
-                <a:cs typeface="JetBrains Mono Medium" panose="02000009000000000000" pitchFamily="49" charset="0"/>
-              </a:rPr>
-              <a:t> </a:t>
-            </a:r>
-            <a:r>
-              <a:rPr lang="en-US" dirty="0" err="1">
-                <a:solidFill>
-                  <a:schemeClr val="tx1"/>
-                </a:solidFill>
-                <a:latin typeface="JetBrains Mono Medium" panose="02000009000000000000" pitchFamily="49" charset="0"/>
-                <a:ea typeface="JetBrains Mono Medium" panose="02000009000000000000" pitchFamily="49" charset="0"/>
-                <a:cs typeface="JetBrains Mono Medium" panose="02000009000000000000" pitchFamily="49" charset="0"/>
-              </a:rPr>
-              <a:t>Psiholog</a:t>
-            </a:r>
-            <a:r>
-              <a:rPr lang="en-US" dirty="0">
-                <a:solidFill>
-                  <a:schemeClr val="tx1"/>
-                </a:solidFill>
-                <a:latin typeface="JetBrains Mono Medium" panose="02000009000000000000" pitchFamily="49" charset="0"/>
-                <a:ea typeface="JetBrains Mono Medium" panose="02000009000000000000" pitchFamily="49" charset="0"/>
-                <a:cs typeface="JetBrains Mono Medium" panose="02000009000000000000" pitchFamily="49" charset="0"/>
-              </a:rPr>
-              <a:t>, manager, consultant, educator.</a:t>
+              <a:t>Scriitor</a:t>
+            </a:r>
+            <a:r>
+              <a:rPr lang="en-US" dirty="0">
+                <a:solidFill>
+                  <a:schemeClr val="tx1"/>
+                </a:solidFill>
+                <a:latin typeface="JetBrains Mono Medium" panose="02000009000000000000" pitchFamily="49" charset="0"/>
+                <a:ea typeface="JetBrains Mono Medium" panose="02000009000000000000" pitchFamily="49" charset="0"/>
+                <a:cs typeface="JetBrains Mono Medium" panose="02000009000000000000" pitchFamily="49" charset="0"/>
+              </a:rPr>
+              <a:t>, </a:t>
+            </a:r>
+            <a:r>
+              <a:rPr lang="en-US" dirty="0" err="1">
+                <a:solidFill>
+                  <a:schemeClr val="tx1"/>
+                </a:solidFill>
+                <a:latin typeface="JetBrains Mono Medium" panose="02000009000000000000" pitchFamily="49" charset="0"/>
+                <a:ea typeface="JetBrains Mono Medium" panose="02000009000000000000" pitchFamily="49" charset="0"/>
+                <a:cs typeface="JetBrains Mono Medium" panose="02000009000000000000" pitchFamily="49" charset="0"/>
+              </a:rPr>
+              <a:t>filosof</a:t>
+            </a:r>
+            <a:r>
+              <a:rPr lang="en-US" dirty="0">
+                <a:solidFill>
+                  <a:schemeClr val="tx1"/>
+                </a:solidFill>
+                <a:latin typeface="JetBrains Mono Medium" panose="02000009000000000000" pitchFamily="49" charset="0"/>
+                <a:ea typeface="JetBrains Mono Medium" panose="02000009000000000000" pitchFamily="49" charset="0"/>
+                <a:cs typeface="JetBrains Mono Medium" panose="02000009000000000000" pitchFamily="49" charset="0"/>
+              </a:rPr>
+              <a:t>, </a:t>
+            </a:r>
+            <a:r>
+              <a:rPr lang="en-US" dirty="0" err="1">
+                <a:solidFill>
+                  <a:schemeClr val="tx1"/>
+                </a:solidFill>
+                <a:latin typeface="JetBrains Mono Medium" panose="02000009000000000000" pitchFamily="49" charset="0"/>
+                <a:ea typeface="JetBrains Mono Medium" panose="02000009000000000000" pitchFamily="49" charset="0"/>
+                <a:cs typeface="JetBrains Mono Medium" panose="02000009000000000000" pitchFamily="49" charset="0"/>
+              </a:rPr>
+              <a:t>antreprenor</a:t>
+            </a:r>
+            <a:r>
+              <a:rPr lang="en-US" dirty="0">
+                <a:solidFill>
+                  <a:schemeClr val="tx1"/>
+                </a:solidFill>
+                <a:latin typeface="JetBrains Mono Medium" panose="02000009000000000000" pitchFamily="49" charset="0"/>
+                <a:ea typeface="JetBrains Mono Medium" panose="02000009000000000000" pitchFamily="49" charset="0"/>
+                <a:cs typeface="JetBrains Mono Medium" panose="02000009000000000000" pitchFamily="49" charset="0"/>
+              </a:rPr>
+              <a:t>, coach.</a:t>
             </a:r>
           </a:p>
           <a:p>
             <a:pPr>
               <a:buFont typeface="+mj-lt"/>
-              <a:buAutoNum type="arabicPeriod"/>
+              <a:buAutoNum type="arabicPeriod" startAt="5"/>
             </a:pPr>
             <a:r>
-              <a:rPr lang="en-US" b="1" dirty="0" err="1">
-                <a:solidFill>
-                  <a:schemeClr val="tx1"/>
-                </a:solidFill>
-                <a:latin typeface="JetBrains Mono Medium" panose="02000009000000000000" pitchFamily="49" charset="0"/>
-                <a:ea typeface="JetBrains Mono Medium" panose="02000009000000000000" pitchFamily="49" charset="0"/>
-                <a:cs typeface="JetBrains Mono Medium" panose="02000009000000000000" pitchFamily="49" charset="0"/>
-              </a:rPr>
-              <a:t>Inteligența</a:t>
-            </a:r>
-            <a:r>
-              <a:rPr lang="en-US" b="1" dirty="0">
-                <a:solidFill>
-                  <a:schemeClr val="tx1"/>
-                </a:solidFill>
-                <a:latin typeface="JetBrains Mono Medium" panose="02000009000000000000" pitchFamily="49" charset="0"/>
-                <a:ea typeface="JetBrains Mono Medium" panose="02000009000000000000" pitchFamily="49" charset="0"/>
-                <a:cs typeface="JetBrains Mono Medium" panose="02000009000000000000" pitchFamily="49" charset="0"/>
-              </a:rPr>
-              <a:t> </a:t>
-            </a:r>
-            <a:r>
-              <a:rPr lang="en-US" b="1" dirty="0" err="1">
-                <a:solidFill>
-                  <a:schemeClr val="tx1"/>
-                </a:solidFill>
-                <a:latin typeface="JetBrains Mono Medium" panose="02000009000000000000" pitchFamily="49" charset="0"/>
-                <a:ea typeface="JetBrains Mono Medium" panose="02000009000000000000" pitchFamily="49" charset="0"/>
-                <a:cs typeface="JetBrains Mono Medium" panose="02000009000000000000" pitchFamily="49" charset="0"/>
-              </a:rPr>
-              <a:t>intrapersonală</a:t>
-            </a:r>
-            <a:r>
-              <a:rPr lang="en-US" b="1" dirty="0">
-                <a:solidFill>
-                  <a:schemeClr val="tx1"/>
-                </a:solidFill>
-                <a:latin typeface="JetBrains Mono Medium" panose="02000009000000000000" pitchFamily="49" charset="0"/>
-                <a:ea typeface="JetBrains Mono Medium" panose="02000009000000000000" pitchFamily="49" charset="0"/>
-                <a:cs typeface="JetBrains Mono Medium" panose="02000009000000000000" pitchFamily="49" charset="0"/>
+              <a:rPr lang="en-US" sz="2000" b="1" dirty="0">
+                <a:solidFill>
+                  <a:schemeClr val="tx1"/>
+                </a:solidFill>
+                <a:latin typeface="JetBrains Mono NL ExtraBold" panose="02000009000000000000" pitchFamily="49" charset="0"/>
+                <a:ea typeface="JetBrains Mono NL ExtraBold" panose="02000009000000000000" pitchFamily="49" charset="0"/>
+                <a:cs typeface="JetBrains Mono NL ExtraBold" panose="02000009000000000000" pitchFamily="49" charset="0"/>
+              </a:rPr>
+              <a:t>Inteligența </a:t>
+            </a:r>
+            <a:r>
+              <a:rPr lang="en-US" sz="2000" b="1" dirty="0" err="1">
+                <a:solidFill>
+                  <a:schemeClr val="tx1"/>
+                </a:solidFill>
+                <a:latin typeface="JetBrains Mono NL ExtraBold" panose="02000009000000000000" pitchFamily="49" charset="0"/>
+                <a:ea typeface="JetBrains Mono NL ExtraBold" panose="02000009000000000000" pitchFamily="49" charset="0"/>
+                <a:cs typeface="JetBrains Mono NL ExtraBold" panose="02000009000000000000" pitchFamily="49" charset="0"/>
+              </a:rPr>
+              <a:t>naturalistă</a:t>
+            </a:r>
+            <a:r>
+              <a:rPr lang="en-US" sz="2000" b="1" dirty="0">
+                <a:solidFill>
+                  <a:schemeClr val="tx1"/>
+                </a:solidFill>
+                <a:latin typeface="JetBrains Mono NL ExtraBold" panose="02000009000000000000" pitchFamily="49" charset="0"/>
+                <a:ea typeface="JetBrains Mono NL ExtraBold" panose="02000009000000000000" pitchFamily="49" charset="0"/>
+                <a:cs typeface="JetBrains Mono NL ExtraBold" panose="02000009000000000000" pitchFamily="49" charset="0"/>
               </a:rPr>
               <a:t>:</a:t>
             </a:r>
             <a:r>
-              <a:rPr lang="en-US" dirty="0">
-                <a:solidFill>
-                  <a:schemeClr val="tx1"/>
-                </a:solidFill>
-                <a:latin typeface="JetBrains Mono Medium" panose="02000009000000000000" pitchFamily="49" charset="0"/>
-                <a:ea typeface="JetBrains Mono Medium" panose="02000009000000000000" pitchFamily="49" charset="0"/>
-                <a:cs typeface="JetBrains Mono Medium" panose="02000009000000000000" pitchFamily="49" charset="0"/>
-              </a:rPr>
-              <a:t> </a:t>
-            </a:r>
-            <a:r>
-              <a:rPr lang="en-US" dirty="0" err="1">
-                <a:solidFill>
-                  <a:schemeClr val="tx1"/>
-                </a:solidFill>
-                <a:latin typeface="JetBrains Mono Medium" panose="02000009000000000000" pitchFamily="49" charset="0"/>
-                <a:ea typeface="JetBrains Mono Medium" panose="02000009000000000000" pitchFamily="49" charset="0"/>
-                <a:cs typeface="JetBrains Mono Medium" panose="02000009000000000000" pitchFamily="49" charset="0"/>
-              </a:rPr>
-              <a:t>Capacitatea</a:t>
-            </a:r>
-            <a:r>
-              <a:rPr lang="en-US" dirty="0">
-                <a:solidFill>
-                  <a:schemeClr val="tx1"/>
-                </a:solidFill>
-                <a:latin typeface="JetBrains Mono Medium" panose="02000009000000000000" pitchFamily="49" charset="0"/>
-                <a:ea typeface="JetBrains Mono Medium" panose="02000009000000000000" pitchFamily="49" charset="0"/>
-                <a:cs typeface="JetBrains Mono Medium" panose="02000009000000000000" pitchFamily="49" charset="0"/>
-              </a:rPr>
-              <a:t> de auto-</a:t>
-            </a:r>
-            <a:r>
-              <a:rPr lang="en-US" dirty="0" err="1">
-                <a:solidFill>
-                  <a:schemeClr val="tx1"/>
-                </a:solidFill>
-                <a:latin typeface="JetBrains Mono Medium" panose="02000009000000000000" pitchFamily="49" charset="0"/>
-                <a:ea typeface="JetBrains Mono Medium" panose="02000009000000000000" pitchFamily="49" charset="0"/>
-                <a:cs typeface="JetBrains Mono Medium" panose="02000009000000000000" pitchFamily="49" charset="0"/>
-              </a:rPr>
-              <a:t>reflecție</a:t>
-            </a:r>
-            <a:r>
-              <a:rPr lang="en-US" dirty="0">
-                <a:solidFill>
-                  <a:schemeClr val="tx1"/>
-                </a:solidFill>
-                <a:latin typeface="JetBrains Mono Medium" panose="02000009000000000000" pitchFamily="49" charset="0"/>
-                <a:ea typeface="JetBrains Mono Medium" panose="02000009000000000000" pitchFamily="49" charset="0"/>
-                <a:cs typeface="JetBrains Mono Medium" panose="02000009000000000000" pitchFamily="49" charset="0"/>
-              </a:rPr>
-              <a:t> </a:t>
-            </a:r>
-            <a:r>
-              <a:rPr lang="en-US" dirty="0" err="1">
-                <a:solidFill>
-                  <a:schemeClr val="tx1"/>
-                </a:solidFill>
-                <a:latin typeface="JetBrains Mono Medium" panose="02000009000000000000" pitchFamily="49" charset="0"/>
-                <a:ea typeface="JetBrains Mono Medium" panose="02000009000000000000" pitchFamily="49" charset="0"/>
-                <a:cs typeface="JetBrains Mono Medium" panose="02000009000000000000" pitchFamily="49" charset="0"/>
-              </a:rPr>
-              <a:t>și</a:t>
-            </a:r>
-            <a:r>
-              <a:rPr lang="en-US" dirty="0">
-                <a:solidFill>
-                  <a:schemeClr val="tx1"/>
-                </a:solidFill>
-                <a:latin typeface="JetBrains Mono Medium" panose="02000009000000000000" pitchFamily="49" charset="0"/>
-                <a:ea typeface="JetBrains Mono Medium" panose="02000009000000000000" pitchFamily="49" charset="0"/>
-                <a:cs typeface="JetBrains Mono Medium" panose="02000009000000000000" pitchFamily="49" charset="0"/>
-              </a:rPr>
-              <a:t> auto-</a:t>
-            </a:r>
-            <a:r>
-              <a:rPr lang="en-US" dirty="0" err="1">
-                <a:solidFill>
-                  <a:schemeClr val="tx1"/>
-                </a:solidFill>
-                <a:latin typeface="JetBrains Mono Medium" panose="02000009000000000000" pitchFamily="49" charset="0"/>
-                <a:ea typeface="JetBrains Mono Medium" panose="02000009000000000000" pitchFamily="49" charset="0"/>
-                <a:cs typeface="JetBrains Mono Medium" panose="02000009000000000000" pitchFamily="49" charset="0"/>
-              </a:rPr>
-              <a:t>cunoaștere</a:t>
-            </a:r>
-            <a:r>
-              <a:rPr lang="en-US" dirty="0">
-                <a:solidFill>
-                  <a:schemeClr val="tx1"/>
-                </a:solidFill>
-                <a:latin typeface="JetBrains Mono Medium" panose="02000009000000000000" pitchFamily="49" charset="0"/>
-                <a:ea typeface="JetBrains Mono Medium" panose="02000009000000000000" pitchFamily="49" charset="0"/>
-                <a:cs typeface="JetBrains Mono Medium" panose="02000009000000000000" pitchFamily="49" charset="0"/>
-              </a:rPr>
-              <a:t>.</a:t>
-            </a:r>
-          </a:p>
-          <a:p>
-            <a:pPr lvl="1"/>
-            <a:r>
-              <a:rPr lang="en-US" b="1" dirty="0" err="1">
-                <a:solidFill>
-                  <a:schemeClr val="tx1"/>
-                </a:solidFill>
-                <a:latin typeface="JetBrains Mono Medium" panose="02000009000000000000" pitchFamily="49" charset="0"/>
-                <a:ea typeface="JetBrains Mono Medium" panose="02000009000000000000" pitchFamily="49" charset="0"/>
-                <a:cs typeface="JetBrains Mono Medium" panose="02000009000000000000" pitchFamily="49" charset="0"/>
-              </a:rPr>
-              <a:t>Cariere</a:t>
-            </a:r>
-            <a:r>
-              <a:rPr lang="en-US" b="1" dirty="0">
-                <a:solidFill>
-                  <a:schemeClr val="tx1"/>
-                </a:solidFill>
-                <a:latin typeface="JetBrains Mono Medium" panose="02000009000000000000" pitchFamily="49" charset="0"/>
-                <a:ea typeface="JetBrains Mono Medium" panose="02000009000000000000" pitchFamily="49" charset="0"/>
-                <a:cs typeface="JetBrains Mono Medium" panose="02000009000000000000" pitchFamily="49" charset="0"/>
-              </a:rPr>
-              <a:t> </a:t>
-            </a:r>
-            <a:r>
-              <a:rPr lang="en-US" b="1" dirty="0" err="1">
-                <a:solidFill>
-                  <a:schemeClr val="tx1"/>
-                </a:solidFill>
-                <a:latin typeface="JetBrains Mono Medium" panose="02000009000000000000" pitchFamily="49" charset="0"/>
-                <a:ea typeface="JetBrains Mono Medium" panose="02000009000000000000" pitchFamily="49" charset="0"/>
-                <a:cs typeface="JetBrains Mono Medium" panose="02000009000000000000" pitchFamily="49" charset="0"/>
-              </a:rPr>
-              <a:t>potrivite</a:t>
-            </a:r>
-            <a:r>
-              <a:rPr lang="en-US" b="1" dirty="0">
-                <a:solidFill>
-                  <a:schemeClr val="tx1"/>
-                </a:solidFill>
-                <a:latin typeface="JetBrains Mono Medium" panose="02000009000000000000" pitchFamily="49" charset="0"/>
-                <a:ea typeface="JetBrains Mono Medium" panose="02000009000000000000" pitchFamily="49" charset="0"/>
-                <a:cs typeface="JetBrains Mono Medium" panose="02000009000000000000" pitchFamily="49" charset="0"/>
-              </a:rPr>
-              <a:t>:</a:t>
-            </a:r>
-            <a:r>
-              <a:rPr lang="en-US" dirty="0">
-                <a:solidFill>
-                  <a:schemeClr val="tx1"/>
-                </a:solidFill>
-                <a:latin typeface="JetBrains Mono Medium" panose="02000009000000000000" pitchFamily="49" charset="0"/>
-                <a:ea typeface="JetBrains Mono Medium" panose="02000009000000000000" pitchFamily="49" charset="0"/>
-                <a:cs typeface="JetBrains Mono Medium" panose="02000009000000000000" pitchFamily="49" charset="0"/>
-              </a:rPr>
-              <a:t> </a:t>
-            </a:r>
-            <a:r>
-              <a:rPr lang="en-US" dirty="0" err="1">
-                <a:solidFill>
-                  <a:schemeClr val="tx1"/>
-                </a:solidFill>
-                <a:latin typeface="JetBrains Mono Medium" panose="02000009000000000000" pitchFamily="49" charset="0"/>
-                <a:ea typeface="JetBrains Mono Medium" panose="02000009000000000000" pitchFamily="49" charset="0"/>
-                <a:cs typeface="JetBrains Mono Medium" panose="02000009000000000000" pitchFamily="49" charset="0"/>
-              </a:rPr>
-              <a:t>Scriitor</a:t>
-            </a:r>
-            <a:r>
-              <a:rPr lang="en-US" dirty="0">
-                <a:solidFill>
-                  <a:schemeClr val="tx1"/>
-                </a:solidFill>
-                <a:latin typeface="JetBrains Mono Medium" panose="02000009000000000000" pitchFamily="49" charset="0"/>
-                <a:ea typeface="JetBrains Mono Medium" panose="02000009000000000000" pitchFamily="49" charset="0"/>
-                <a:cs typeface="JetBrains Mono Medium" panose="02000009000000000000" pitchFamily="49" charset="0"/>
-              </a:rPr>
-              <a:t>, </a:t>
-            </a:r>
-            <a:r>
-              <a:rPr lang="en-US" dirty="0" err="1">
-                <a:solidFill>
-                  <a:schemeClr val="tx1"/>
-                </a:solidFill>
-                <a:latin typeface="JetBrains Mono Medium" panose="02000009000000000000" pitchFamily="49" charset="0"/>
-                <a:ea typeface="JetBrains Mono Medium" panose="02000009000000000000" pitchFamily="49" charset="0"/>
-                <a:cs typeface="JetBrains Mono Medium" panose="02000009000000000000" pitchFamily="49" charset="0"/>
-              </a:rPr>
-              <a:t>filosof</a:t>
-            </a:r>
-            <a:r>
-              <a:rPr lang="en-US" dirty="0">
-                <a:solidFill>
-                  <a:schemeClr val="tx1"/>
-                </a:solidFill>
-                <a:latin typeface="JetBrains Mono Medium" panose="02000009000000000000" pitchFamily="49" charset="0"/>
-                <a:ea typeface="JetBrains Mono Medium" panose="02000009000000000000" pitchFamily="49" charset="0"/>
-                <a:cs typeface="JetBrains Mono Medium" panose="02000009000000000000" pitchFamily="49" charset="0"/>
-              </a:rPr>
-              <a:t>, </a:t>
-            </a:r>
-            <a:r>
-              <a:rPr lang="en-US" dirty="0" err="1">
-                <a:solidFill>
-                  <a:schemeClr val="tx1"/>
-                </a:solidFill>
-                <a:latin typeface="JetBrains Mono Medium" panose="02000009000000000000" pitchFamily="49" charset="0"/>
-                <a:ea typeface="JetBrains Mono Medium" panose="02000009000000000000" pitchFamily="49" charset="0"/>
-                <a:cs typeface="JetBrains Mono Medium" panose="02000009000000000000" pitchFamily="49" charset="0"/>
-              </a:rPr>
-              <a:t>antreprenor</a:t>
-            </a:r>
-            <a:r>
-              <a:rPr lang="en-US" dirty="0">
-                <a:solidFill>
-                  <a:schemeClr val="tx1"/>
-                </a:solidFill>
-                <a:latin typeface="JetBrains Mono Medium" panose="02000009000000000000" pitchFamily="49" charset="0"/>
-                <a:ea typeface="JetBrains Mono Medium" panose="02000009000000000000" pitchFamily="49" charset="0"/>
-                <a:cs typeface="JetBrains Mono Medium" panose="02000009000000000000" pitchFamily="49" charset="0"/>
-              </a:rPr>
-              <a:t>, coach.</a:t>
-            </a:r>
-          </a:p>
-          <a:p>
-            <a:pPr>
-              <a:buFont typeface="+mj-lt"/>
-              <a:buAutoNum type="arabicPeriod"/>
-            </a:pPr>
-            <a:r>
-              <a:rPr lang="en-US" b="1" dirty="0" err="1">
-                <a:solidFill>
-                  <a:schemeClr val="tx1"/>
-                </a:solidFill>
-                <a:latin typeface="JetBrains Mono Medium" panose="02000009000000000000" pitchFamily="49" charset="0"/>
-                <a:ea typeface="JetBrains Mono Medium" panose="02000009000000000000" pitchFamily="49" charset="0"/>
-                <a:cs typeface="JetBrains Mono Medium" panose="02000009000000000000" pitchFamily="49" charset="0"/>
-              </a:rPr>
-              <a:t>Inteligența</a:t>
-            </a:r>
-            <a:r>
-              <a:rPr lang="en-US" b="1" dirty="0">
-                <a:solidFill>
-                  <a:schemeClr val="tx1"/>
-                </a:solidFill>
-                <a:latin typeface="JetBrains Mono Medium" panose="02000009000000000000" pitchFamily="49" charset="0"/>
-                <a:ea typeface="JetBrains Mono Medium" panose="02000009000000000000" pitchFamily="49" charset="0"/>
-                <a:cs typeface="JetBrains Mono Medium" panose="02000009000000000000" pitchFamily="49" charset="0"/>
-              </a:rPr>
-              <a:t> </a:t>
-            </a:r>
-            <a:r>
-              <a:rPr lang="en-US" b="1" dirty="0" err="1">
-                <a:solidFill>
-                  <a:schemeClr val="tx1"/>
-                </a:solidFill>
-                <a:latin typeface="JetBrains Mono Medium" panose="02000009000000000000" pitchFamily="49" charset="0"/>
-                <a:ea typeface="JetBrains Mono Medium" panose="02000009000000000000" pitchFamily="49" charset="0"/>
-                <a:cs typeface="JetBrains Mono Medium" panose="02000009000000000000" pitchFamily="49" charset="0"/>
-              </a:rPr>
-              <a:t>naturalistă</a:t>
-            </a:r>
-            <a:r>
-              <a:rPr lang="en-US" b="1" dirty="0">
-                <a:solidFill>
-                  <a:schemeClr val="tx1"/>
-                </a:solidFill>
-                <a:latin typeface="JetBrains Mono Medium" panose="02000009000000000000" pitchFamily="49" charset="0"/>
-                <a:ea typeface="JetBrains Mono Medium" panose="02000009000000000000" pitchFamily="49" charset="0"/>
-                <a:cs typeface="JetBrains Mono Medium" panose="02000009000000000000" pitchFamily="49" charset="0"/>
-              </a:rPr>
-              <a:t>:</a:t>
-            </a:r>
-            <a:r>
-              <a:rPr lang="en-US" dirty="0">
-                <a:solidFill>
-                  <a:schemeClr val="tx1"/>
-                </a:solidFill>
-                <a:latin typeface="JetBrains Mono Medium" panose="02000009000000000000" pitchFamily="49" charset="0"/>
-                <a:ea typeface="JetBrains Mono Medium" panose="02000009000000000000" pitchFamily="49" charset="0"/>
-                <a:cs typeface="JetBrains Mono Medium" panose="02000009000000000000" pitchFamily="49" charset="0"/>
+              <a:rPr lang="en-US" sz="2000" dirty="0">
+                <a:solidFill>
+                  <a:schemeClr val="tx1"/>
+                </a:solidFill>
+                <a:latin typeface="JetBrains Mono NL ExtraBold" panose="02000009000000000000" pitchFamily="49" charset="0"/>
+                <a:ea typeface="JetBrains Mono NL ExtraBold" panose="02000009000000000000" pitchFamily="49" charset="0"/>
+                <a:cs typeface="JetBrains Mono NL ExtraBold" panose="02000009000000000000" pitchFamily="49" charset="0"/>
               </a:rPr>
               <a:t> </a:t>
             </a:r>
@@ -11649,13 +11510,13 @@
   <p:clrMapOvr>
     <a:masterClrMapping/>
   </p:clrMapOvr>
-  <mc:AlternateContent xmlns:mc="http://schemas.openxmlformats.org/markup-compatibility/2006">
-    <mc:Choice xmlns:p159="http://schemas.microsoft.com/office/powerpoint/2015/09/main" Requires="p159">
+  <mc:AlternateContent xmlns:mc="http://schemas.openxmlformats.org/markup-compatibility/2006" xmlns:p159="http://schemas.microsoft.com/office/powerpoint/2015/09/main">
+    <mc:Choice Requires="p159">
       <p:transition xmlns:p14="http://schemas.microsoft.com/office/powerpoint/2010/main" spd="slow" p14:dur="2000">
         <p159:morph option="byChar"/>
       </p:transition>
     </mc:Choice>
-    <mc:Fallback>
+    <mc:Fallback xmlns="">
       <p:transition spd="slow">
         <p:fade/>
       </p:transition>
@@ -11978,7 +11839,7 @@
           <a:lstStyle/>
           <a:p>
             <a:r>
-              <a:rPr lang="en-US" b="1" dirty="0" err="1">
+              <a:rPr lang="en-US" sz="2200" b="1" dirty="0" err="1">
                 <a:solidFill>
                   <a:schemeClr val="tx1"/>
                 </a:solidFill>
@@ -11988,7 +11849,7 @@
               </a:rPr>
               <a:t>Autoevaluare</a:t>
             </a:r>
-            <a:endParaRPr lang="en-US" b="1" dirty="0">
+            <a:endParaRPr lang="en-US" sz="2200" b="1" dirty="0">
               <a:solidFill>
                 <a:schemeClr val="tx1"/>
               </a:solidFill>
@@ -11998,7 +11859,7 @@
             </a:endParaRPr>
           </a:p>
           <a:p>
-            <a:pPr>
+            <a:pPr lvl="1">
               <a:buFont typeface="Arial" panose="020B0604020202020204" pitchFamily="34" charset="0"/>
               <a:buChar char="•"/>
             </a:pPr>
@@ -12158,7 +12019,7 @@
             </a:r>
           </a:p>
           <a:p>
-            <a:pPr>
+            <a:pPr lvl="1">
               <a:buFont typeface="Arial" panose="020B0604020202020204" pitchFamily="34" charset="0"/>
               <a:buChar char="•"/>
             </a:pPr>
@@ -12417,7 +12278,7 @@
             </a:r>
           </a:p>
           <a:p>
-            <a:pPr>
+            <a:pPr lvl="1">
               <a:buFont typeface="Arial" panose="020B0604020202020204" pitchFamily="34" charset="0"/>
               <a:buChar char="•"/>
             </a:pPr>
@@ -12699,7 +12560,7 @@
           </a:p>
           <a:p>
             <a:r>
-              <a:rPr lang="en-US" b="1" dirty="0" err="1">
+              <a:rPr lang="en-US" sz="2200" b="1" dirty="0" err="1">
                 <a:solidFill>
                   <a:schemeClr val="tx1"/>
                 </a:solidFill>
@@ -12710,18 +12571,18 @@
               <a:t>Explorarea</a:t>
             </a:r>
             <a:r>
-              <a:rPr lang="en-US" b="1" dirty="0">
-                <a:solidFill>
-                  <a:schemeClr val="tx1"/>
-                </a:solidFill>
-                <a:latin typeface="JetBrains Mono Medium" panose="02000009000000000000" pitchFamily="49" charset="0"/>
-                <a:ea typeface="JetBrains Mono Medium" panose="02000009000000000000" pitchFamily="49" charset="0"/>
-                <a:cs typeface="JetBrains Mono Medium" panose="02000009000000000000" pitchFamily="49" charset="0"/>
-              </a:rPr>
-              <a:t> </a:t>
-            </a:r>
-            <a:r>
-              <a:rPr lang="en-US" b="1" dirty="0" err="1">
+              <a:rPr lang="en-US" sz="2200" b="1" dirty="0">
+                <a:solidFill>
+                  <a:schemeClr val="tx1"/>
+                </a:solidFill>
+                <a:latin typeface="JetBrains Mono Medium" panose="02000009000000000000" pitchFamily="49" charset="0"/>
+                <a:ea typeface="JetBrains Mono Medium" panose="02000009000000000000" pitchFamily="49" charset="0"/>
+                <a:cs typeface="JetBrains Mono Medium" panose="02000009000000000000" pitchFamily="49" charset="0"/>
+              </a:rPr>
+              <a:t> </a:t>
+            </a:r>
+            <a:r>
+              <a:rPr lang="en-US" sz="2200" b="1" dirty="0" err="1">
                 <a:solidFill>
                   <a:schemeClr val="tx1"/>
                 </a:solidFill>
@@ -12732,7 +12593,7 @@
               <a:t>opțiunilor</a:t>
             </a:r>
             <a:r>
-              <a:rPr lang="en-US" b="1" dirty="0">
+              <a:rPr lang="en-US" sz="2200" b="1" dirty="0">
                 <a:solidFill>
                   <a:schemeClr val="tx1"/>
                 </a:solidFill>
@@ -12743,7 +12604,7 @@
               <a:t> de </a:t>
             </a:r>
             <a:r>
-              <a:rPr lang="en-US" b="1" dirty="0" err="1">
+              <a:rPr lang="en-US" sz="2200" b="1" dirty="0" err="1">
                 <a:solidFill>
                   <a:schemeClr val="tx1"/>
                 </a:solidFill>
@@ -12753,7 +12614,7 @@
               </a:rPr>
               <a:t>carieră</a:t>
             </a:r>
-            <a:endParaRPr lang="en-US" b="1" dirty="0">
+            <a:endParaRPr lang="en-US" sz="2200" b="1" dirty="0">
               <a:solidFill>
                 <a:schemeClr val="tx1"/>
               </a:solidFill>
@@ -12763,7 +12624,7 @@
             </a:endParaRPr>
           </a:p>
           <a:p>
-            <a:pPr>
+            <a:pPr lvl="1">
               <a:buFont typeface="Arial" panose="020B0604020202020204" pitchFamily="34" charset="0"/>
               <a:buChar char="•"/>
             </a:pPr>
@@ -12956,7 +12817,7 @@
             </a:r>
           </a:p>
           <a:p>
-            <a:pPr>
+            <a:pPr lvl="1">
               <a:buFont typeface="Arial" panose="020B0604020202020204" pitchFamily="34" charset="0"/>
               <a:buChar char="•"/>
             </a:pPr>
@@ -13180,13 +13041,13 @@
   <p:clrMapOvr>
     <a:masterClrMapping/>
   </p:clrMapOvr>
-  <mc:AlternateContent xmlns:mc="http://schemas.openxmlformats.org/markup-compatibility/2006">
-    <mc:Choice xmlns:p159="http://schemas.microsoft.com/office/powerpoint/2015/09/main" Requires="p159">
+  <mc:AlternateContent xmlns:mc="http://schemas.openxmlformats.org/markup-compatibility/2006" xmlns:p159="http://schemas.microsoft.com/office/powerpoint/2015/09/main">
+    <mc:Choice Requires="p159">
       <p:transition xmlns:p14="http://schemas.microsoft.com/office/powerpoint/2010/main" spd="slow" p14:dur="2000">
         <p159:morph option="byChar"/>
       </p:transition>
     </mc:Choice>
-    <mc:Fallback>
+    <mc:Fallback xmlns="">
       <p:transition spd="slow">
         <p:fade/>
       </p:transition>
@@ -13508,7 +13369,7 @@
           <a:bodyPr rtlCol="0" anchor="ctr"/>
           <a:lstStyle/>
           <a:p>
-            <a:pPr>
+            <a:pPr lvl="1">
               <a:buFont typeface="Arial" panose="020B0604020202020204" pitchFamily="34" charset="0"/>
               <a:buChar char="•"/>
             </a:pPr>
@@ -13724,7 +13585,7 @@
           </a:p>
           <a:p>
             <a:r>
-              <a:rPr lang="en-US" b="1" dirty="0" err="1">
+              <a:rPr lang="en-US" sz="2200" b="1" dirty="0" err="1">
                 <a:solidFill>
                   <a:schemeClr val="tx1"/>
                 </a:solidFill>
@@ -13735,18 +13596,18 @@
               <a:t>Stabilirea</a:t>
             </a:r>
             <a:r>
-              <a:rPr lang="en-US" b="1" dirty="0">
-                <a:solidFill>
-                  <a:schemeClr val="tx1"/>
-                </a:solidFill>
-                <a:latin typeface="JetBrains Mono Medium" panose="02000009000000000000" pitchFamily="49" charset="0"/>
-                <a:ea typeface="JetBrains Mono Medium" panose="02000009000000000000" pitchFamily="49" charset="0"/>
-                <a:cs typeface="JetBrains Mono Medium" panose="02000009000000000000" pitchFamily="49" charset="0"/>
-              </a:rPr>
-              <a:t> </a:t>
-            </a:r>
-            <a:r>
-              <a:rPr lang="en-US" b="1" dirty="0" err="1">
+              <a:rPr lang="en-US" sz="2200" b="1" dirty="0">
+                <a:solidFill>
+                  <a:schemeClr val="tx1"/>
+                </a:solidFill>
+                <a:latin typeface="JetBrains Mono Medium" panose="02000009000000000000" pitchFamily="49" charset="0"/>
+                <a:ea typeface="JetBrains Mono Medium" panose="02000009000000000000" pitchFamily="49" charset="0"/>
+                <a:cs typeface="JetBrains Mono Medium" panose="02000009000000000000" pitchFamily="49" charset="0"/>
+              </a:rPr>
+              <a:t> </a:t>
+            </a:r>
+            <a:r>
+              <a:rPr lang="en-US" sz="2200" b="1" dirty="0" err="1">
                 <a:solidFill>
                   <a:schemeClr val="tx1"/>
                 </a:solidFill>
@@ -13757,18 +13618,18 @@
               <a:t>obiectivelor</a:t>
             </a:r>
             <a:r>
-              <a:rPr lang="en-US" b="1" dirty="0">
-                <a:solidFill>
-                  <a:schemeClr val="tx1"/>
-                </a:solidFill>
-                <a:latin typeface="JetBrains Mono Medium" panose="02000009000000000000" pitchFamily="49" charset="0"/>
-                <a:ea typeface="JetBrains Mono Medium" panose="02000009000000000000" pitchFamily="49" charset="0"/>
-                <a:cs typeface="JetBrains Mono Medium" panose="02000009000000000000" pitchFamily="49" charset="0"/>
-              </a:rPr>
-              <a:t> </a:t>
-            </a:r>
-            <a:r>
-              <a:rPr lang="en-US" b="1" dirty="0" err="1">
+              <a:rPr lang="en-US" sz="2200" b="1" dirty="0">
+                <a:solidFill>
+                  <a:schemeClr val="tx1"/>
+                </a:solidFill>
+                <a:latin typeface="JetBrains Mono Medium" panose="02000009000000000000" pitchFamily="49" charset="0"/>
+                <a:ea typeface="JetBrains Mono Medium" panose="02000009000000000000" pitchFamily="49" charset="0"/>
+                <a:cs typeface="JetBrains Mono Medium" panose="02000009000000000000" pitchFamily="49" charset="0"/>
+              </a:rPr>
+              <a:t> </a:t>
+            </a:r>
+            <a:r>
+              <a:rPr lang="en-US" sz="2200" b="1" dirty="0" err="1">
                 <a:solidFill>
                   <a:schemeClr val="tx1"/>
                 </a:solidFill>
@@ -13778,7 +13639,7 @@
               </a:rPr>
               <a:t>profesionale</a:t>
             </a:r>
-            <a:endParaRPr lang="en-US" b="1" dirty="0">
+            <a:endParaRPr lang="en-US" sz="2200" b="1" dirty="0">
               <a:solidFill>
                 <a:schemeClr val="tx1"/>
               </a:solidFill>
@@ -13788,7 +13649,7 @@
             </a:endParaRPr>
           </a:p>
           <a:p>
-            <a:pPr>
+            <a:pPr lvl="1">
               <a:buFont typeface="Arial" panose="020B0604020202020204" pitchFamily="34" charset="0"/>
               <a:buChar char="•"/>
             </a:pPr>
@@ -14000,7 +13861,7 @@
             </a:endParaRPr>
           </a:p>
           <a:p>
-            <a:pPr>
+            <a:pPr lvl="1">
               <a:buFont typeface="Arial" panose="020B0604020202020204" pitchFamily="34" charset="0"/>
               <a:buChar char="•"/>
             </a:pPr>
@@ -14337,7 +14198,7 @@
           </a:p>
           <a:p>
             <a:r>
-              <a:rPr lang="en-US" b="1" dirty="0" err="1">
+              <a:rPr lang="en-US" sz="2200" b="1" dirty="0" err="1">
                 <a:solidFill>
                   <a:schemeClr val="tx1"/>
                 </a:solidFill>
@@ -14348,18 +14209,18 @@
               <a:t>Dezvoltarea</a:t>
             </a:r>
             <a:r>
-              <a:rPr lang="en-US" b="1" dirty="0">
-                <a:solidFill>
-                  <a:schemeClr val="tx1"/>
-                </a:solidFill>
-                <a:latin typeface="JetBrains Mono Medium" panose="02000009000000000000" pitchFamily="49" charset="0"/>
-                <a:ea typeface="JetBrains Mono Medium" panose="02000009000000000000" pitchFamily="49" charset="0"/>
-                <a:cs typeface="JetBrains Mono Medium" panose="02000009000000000000" pitchFamily="49" charset="0"/>
-              </a:rPr>
-              <a:t> </a:t>
-            </a:r>
-            <a:r>
-              <a:rPr lang="en-US" b="1" dirty="0" err="1">
+              <a:rPr lang="en-US" sz="2200" b="1" dirty="0">
+                <a:solidFill>
+                  <a:schemeClr val="tx1"/>
+                </a:solidFill>
+                <a:latin typeface="JetBrains Mono Medium" panose="02000009000000000000" pitchFamily="49" charset="0"/>
+                <a:ea typeface="JetBrains Mono Medium" panose="02000009000000000000" pitchFamily="49" charset="0"/>
+                <a:cs typeface="JetBrains Mono Medium" panose="02000009000000000000" pitchFamily="49" charset="0"/>
+              </a:rPr>
+              <a:t> </a:t>
+            </a:r>
+            <a:r>
+              <a:rPr lang="en-US" sz="2200" b="1" dirty="0" err="1">
                 <a:solidFill>
                   <a:schemeClr val="tx1"/>
                 </a:solidFill>
@@ -14370,18 +14231,18 @@
               <a:t>profesională</a:t>
             </a:r>
             <a:r>
-              <a:rPr lang="en-US" b="1" dirty="0">
-                <a:solidFill>
-                  <a:schemeClr val="tx1"/>
-                </a:solidFill>
-                <a:latin typeface="JetBrains Mono Medium" panose="02000009000000000000" pitchFamily="49" charset="0"/>
-                <a:ea typeface="JetBrains Mono Medium" panose="02000009000000000000" pitchFamily="49" charset="0"/>
-                <a:cs typeface="JetBrains Mono Medium" panose="02000009000000000000" pitchFamily="49" charset="0"/>
-              </a:rPr>
-              <a:t> </a:t>
-            </a:r>
-            <a:r>
-              <a:rPr lang="en-US" b="1" dirty="0" err="1">
+              <a:rPr lang="en-US" sz="2200" b="1" dirty="0">
+                <a:solidFill>
+                  <a:schemeClr val="tx1"/>
+                </a:solidFill>
+                <a:latin typeface="JetBrains Mono Medium" panose="02000009000000000000" pitchFamily="49" charset="0"/>
+                <a:ea typeface="JetBrains Mono Medium" panose="02000009000000000000" pitchFamily="49" charset="0"/>
+                <a:cs typeface="JetBrains Mono Medium" panose="02000009000000000000" pitchFamily="49" charset="0"/>
+              </a:rPr>
+              <a:t> </a:t>
+            </a:r>
+            <a:r>
+              <a:rPr lang="en-US" sz="2200" b="1" dirty="0" err="1">
                 <a:solidFill>
                   <a:schemeClr val="tx1"/>
                 </a:solidFill>
@@ -14391,7 +14252,7 @@
               </a:rPr>
               <a:t>continuă</a:t>
             </a:r>
-            <a:endParaRPr lang="en-US" b="1" dirty="0">
+            <a:endParaRPr lang="en-US" sz="2200" b="1" dirty="0">
               <a:solidFill>
                 <a:schemeClr val="tx1"/>
               </a:solidFill>
@@ -14401,7 +14262,7 @@
             </a:endParaRPr>
           </a:p>
           <a:p>
-            <a:pPr>
+            <a:pPr lvl="1">
               <a:buFont typeface="Arial" panose="020B0604020202020204" pitchFamily="34" charset="0"/>
               <a:buChar char="•"/>
             </a:pPr>
@@ -14528,7 +14389,7 @@
             </a:r>
           </a:p>
           <a:p>
-            <a:pPr>
+            <a:pPr lvl="1">
               <a:buFont typeface="Arial" panose="020B0604020202020204" pitchFamily="34" charset="0"/>
               <a:buChar char="•"/>
             </a:pPr>
@@ -14894,13 +14755,13 @@
   <p:clrMapOvr>
     <a:masterClrMapping/>
   </p:clrMapOvr>
-  <mc:AlternateContent xmlns:mc="http://schemas.openxmlformats.org/markup-compatibility/2006">
-    <mc:Choice xmlns:p159="http://schemas.microsoft.com/office/powerpoint/2015/09/main" Requires="p159">
+  <mc:AlternateContent xmlns:mc="http://schemas.openxmlformats.org/markup-compatibility/2006" xmlns:p159="http://schemas.microsoft.com/office/powerpoint/2015/09/main">
+    <mc:Choice Requires="p159">
       <p:transition xmlns:p14="http://schemas.microsoft.com/office/powerpoint/2010/main" spd="slow" p14:dur="2000">
         <p159:morph option="byChar"/>
       </p:transition>
     </mc:Choice>
-    <mc:Fallback>
+    <mc:Fallback xmlns="">
       <p:transition spd="slow">
         <p:fade/>
       </p:transition>
@@ -15223,7 +15084,7 @@
           <a:lstStyle/>
           <a:p>
             <a:r>
-              <a:rPr lang="en-US" b="1" dirty="0" err="1">
+              <a:rPr lang="en-US" sz="2200" b="1" dirty="0" err="1">
                 <a:solidFill>
                   <a:schemeClr val="tx1"/>
                 </a:solidFill>
@@ -15234,7 +15095,7 @@
               <a:t>Exemple</a:t>
             </a:r>
             <a:r>
-              <a:rPr lang="en-US" b="1" dirty="0">
+              <a:rPr lang="en-US" sz="2200" b="1" dirty="0">
                 <a:solidFill>
                   <a:schemeClr val="tx1"/>
                 </a:solidFill>
@@ -15245,7 +15106,7 @@
               <a:t> de </a:t>
             </a:r>
             <a:r>
-              <a:rPr lang="en-US" b="1" dirty="0" err="1">
+              <a:rPr lang="en-US" sz="2200" b="1" dirty="0" err="1">
                 <a:solidFill>
                   <a:schemeClr val="tx1"/>
                 </a:solidFill>
@@ -15256,18 +15117,18 @@
               <a:t>succes</a:t>
             </a:r>
             <a:r>
-              <a:rPr lang="en-US" b="1" dirty="0">
-                <a:solidFill>
-                  <a:schemeClr val="tx1"/>
-                </a:solidFill>
-                <a:latin typeface="JetBrains Mono Medium" panose="02000009000000000000" pitchFamily="49" charset="0"/>
-                <a:ea typeface="JetBrains Mono Medium" panose="02000009000000000000" pitchFamily="49" charset="0"/>
-                <a:cs typeface="JetBrains Mono Medium" panose="02000009000000000000" pitchFamily="49" charset="0"/>
-              </a:rPr>
-              <a:t> </a:t>
-            </a:r>
-            <a:r>
-              <a:rPr lang="en-US" b="1" dirty="0" err="1">
+              <a:rPr lang="en-US" sz="2200" b="1" dirty="0">
+                <a:solidFill>
+                  <a:schemeClr val="tx1"/>
+                </a:solidFill>
+                <a:latin typeface="JetBrains Mono Medium" panose="02000009000000000000" pitchFamily="49" charset="0"/>
+                <a:ea typeface="JetBrains Mono Medium" panose="02000009000000000000" pitchFamily="49" charset="0"/>
+                <a:cs typeface="JetBrains Mono Medium" panose="02000009000000000000" pitchFamily="49" charset="0"/>
+              </a:rPr>
+              <a:t> </a:t>
+            </a:r>
+            <a:r>
+              <a:rPr lang="en-US" sz="2200" b="1" dirty="0" err="1">
                 <a:solidFill>
                   <a:schemeClr val="tx1"/>
                 </a:solidFill>
@@ -15278,18 +15139,18 @@
               <a:t>și</a:t>
             </a:r>
             <a:r>
-              <a:rPr lang="en-US" b="1" dirty="0">
-                <a:solidFill>
-                  <a:schemeClr val="tx1"/>
-                </a:solidFill>
-                <a:latin typeface="JetBrains Mono Medium" panose="02000009000000000000" pitchFamily="49" charset="0"/>
-                <a:ea typeface="JetBrains Mono Medium" panose="02000009000000000000" pitchFamily="49" charset="0"/>
-                <a:cs typeface="JetBrains Mono Medium" panose="02000009000000000000" pitchFamily="49" charset="0"/>
-              </a:rPr>
-              <a:t> </a:t>
-            </a:r>
-            <a:r>
-              <a:rPr lang="en-US" b="1" dirty="0" err="1">
+              <a:rPr lang="en-US" sz="2200" b="1" dirty="0">
+                <a:solidFill>
+                  <a:schemeClr val="tx1"/>
+                </a:solidFill>
+                <a:latin typeface="JetBrains Mono Medium" panose="02000009000000000000" pitchFamily="49" charset="0"/>
+                <a:ea typeface="JetBrains Mono Medium" panose="02000009000000000000" pitchFamily="49" charset="0"/>
+                <a:cs typeface="JetBrains Mono Medium" panose="02000009000000000000" pitchFamily="49" charset="0"/>
+              </a:rPr>
+              <a:t> </a:t>
+            </a:r>
+            <a:r>
+              <a:rPr lang="en-US" sz="2200" b="1" dirty="0" err="1">
                 <a:solidFill>
                   <a:schemeClr val="tx1"/>
                 </a:solidFill>
@@ -15300,18 +15161,18 @@
               <a:t>inteligența</a:t>
             </a:r>
             <a:r>
-              <a:rPr lang="en-US" b="1" dirty="0">
-                <a:solidFill>
-                  <a:schemeClr val="tx1"/>
-                </a:solidFill>
-                <a:latin typeface="JetBrains Mono Medium" panose="02000009000000000000" pitchFamily="49" charset="0"/>
-                <a:ea typeface="JetBrains Mono Medium" panose="02000009000000000000" pitchFamily="49" charset="0"/>
-                <a:cs typeface="JetBrains Mono Medium" panose="02000009000000000000" pitchFamily="49" charset="0"/>
-              </a:rPr>
-              <a:t> </a:t>
-            </a:r>
-            <a:r>
-              <a:rPr lang="en-US" b="1" dirty="0" err="1">
+              <a:rPr lang="en-US" sz="2200" b="1" dirty="0">
+                <a:solidFill>
+                  <a:schemeClr val="tx1"/>
+                </a:solidFill>
+                <a:latin typeface="JetBrains Mono Medium" panose="02000009000000000000" pitchFamily="49" charset="0"/>
+                <a:ea typeface="JetBrains Mono Medium" panose="02000009000000000000" pitchFamily="49" charset="0"/>
+                <a:cs typeface="JetBrains Mono Medium" panose="02000009000000000000" pitchFamily="49" charset="0"/>
+              </a:rPr>
+              <a:t> </a:t>
+            </a:r>
+            <a:r>
+              <a:rPr lang="en-US" sz="2200" b="1" dirty="0" err="1">
                 <a:solidFill>
                   <a:schemeClr val="tx1"/>
                 </a:solidFill>
@@ -15322,7 +15183,7 @@
               <a:t>predominantă</a:t>
             </a:r>
             <a:r>
-              <a:rPr lang="en-US" b="1" dirty="0">
+              <a:rPr lang="en-US" sz="2200" b="1" dirty="0">
                 <a:solidFill>
                   <a:schemeClr val="tx1"/>
                 </a:solidFill>
@@ -15339,67 +15200,67 @@
               <a:buAutoNum type="arabicPeriod"/>
             </a:pPr>
             <a:r>
-              <a:rPr lang="en-US" b="1" dirty="0">
-                <a:solidFill>
-                  <a:schemeClr val="tx1"/>
-                </a:solidFill>
-                <a:latin typeface="JetBrains Mono Medium" panose="02000009000000000000" pitchFamily="49" charset="0"/>
-                <a:ea typeface="JetBrains Mono Medium" panose="02000009000000000000" pitchFamily="49" charset="0"/>
-                <a:cs typeface="JetBrains Mono Medium" panose="02000009000000000000" pitchFamily="49" charset="0"/>
+              <a:rPr lang="en-US" sz="2000" b="1" dirty="0">
+                <a:solidFill>
+                  <a:schemeClr val="tx1"/>
+                </a:solidFill>
+                <a:latin typeface="JetBrains Mono NL ExtraBold" panose="02000009000000000000" pitchFamily="49" charset="0"/>
+                <a:ea typeface="JetBrains Mono NL ExtraBold" panose="02000009000000000000" pitchFamily="49" charset="0"/>
+                <a:cs typeface="JetBrains Mono NL ExtraBold" panose="02000009000000000000" pitchFamily="49" charset="0"/>
               </a:rPr>
               <a:t>Elon Musk (</a:t>
             </a:r>
             <a:r>
-              <a:rPr lang="en-US" b="1" dirty="0" err="1">
-                <a:solidFill>
-                  <a:schemeClr val="tx1"/>
-                </a:solidFill>
-                <a:latin typeface="JetBrains Mono Medium" panose="02000009000000000000" pitchFamily="49" charset="0"/>
-                <a:ea typeface="JetBrains Mono Medium" panose="02000009000000000000" pitchFamily="49" charset="0"/>
-                <a:cs typeface="JetBrains Mono Medium" panose="02000009000000000000" pitchFamily="49" charset="0"/>
+              <a:rPr lang="en-US" sz="2000" b="1" dirty="0" err="1">
+                <a:solidFill>
+                  <a:schemeClr val="tx1"/>
+                </a:solidFill>
+                <a:latin typeface="JetBrains Mono NL ExtraBold" panose="02000009000000000000" pitchFamily="49" charset="0"/>
+                <a:ea typeface="JetBrains Mono NL ExtraBold" panose="02000009000000000000" pitchFamily="49" charset="0"/>
+                <a:cs typeface="JetBrains Mono NL ExtraBold" panose="02000009000000000000" pitchFamily="49" charset="0"/>
               </a:rPr>
               <a:t>Inteligență</a:t>
             </a:r>
             <a:r>
-              <a:rPr lang="en-US" b="1" dirty="0">
-                <a:solidFill>
-                  <a:schemeClr val="tx1"/>
-                </a:solidFill>
-                <a:latin typeface="JetBrains Mono Medium" panose="02000009000000000000" pitchFamily="49" charset="0"/>
-                <a:ea typeface="JetBrains Mono Medium" panose="02000009000000000000" pitchFamily="49" charset="0"/>
-                <a:cs typeface="JetBrains Mono Medium" panose="02000009000000000000" pitchFamily="49" charset="0"/>
+              <a:rPr lang="en-US" sz="2000" b="1" dirty="0">
+                <a:solidFill>
+                  <a:schemeClr val="tx1"/>
+                </a:solidFill>
+                <a:latin typeface="JetBrains Mono NL ExtraBold" panose="02000009000000000000" pitchFamily="49" charset="0"/>
+                <a:ea typeface="JetBrains Mono NL ExtraBold" panose="02000009000000000000" pitchFamily="49" charset="0"/>
+                <a:cs typeface="JetBrains Mono NL ExtraBold" panose="02000009000000000000" pitchFamily="49" charset="0"/>
               </a:rPr>
               <a:t> logico-</a:t>
             </a:r>
             <a:r>
-              <a:rPr lang="en-US" b="1" dirty="0" err="1">
-                <a:solidFill>
-                  <a:schemeClr val="tx1"/>
-                </a:solidFill>
-                <a:latin typeface="JetBrains Mono Medium" panose="02000009000000000000" pitchFamily="49" charset="0"/>
-                <a:ea typeface="JetBrains Mono Medium" panose="02000009000000000000" pitchFamily="49" charset="0"/>
-                <a:cs typeface="JetBrains Mono Medium" panose="02000009000000000000" pitchFamily="49" charset="0"/>
+              <a:rPr lang="en-US" sz="2000" b="1" dirty="0" err="1">
+                <a:solidFill>
+                  <a:schemeClr val="tx1"/>
+                </a:solidFill>
+                <a:latin typeface="JetBrains Mono NL ExtraBold" panose="02000009000000000000" pitchFamily="49" charset="0"/>
+                <a:ea typeface="JetBrains Mono NL ExtraBold" panose="02000009000000000000" pitchFamily="49" charset="0"/>
+                <a:cs typeface="JetBrains Mono NL ExtraBold" panose="02000009000000000000" pitchFamily="49" charset="0"/>
               </a:rPr>
               <a:t>matematică</a:t>
             </a:r>
             <a:r>
-              <a:rPr lang="en-US" b="1" dirty="0">
-                <a:solidFill>
-                  <a:schemeClr val="tx1"/>
-                </a:solidFill>
-                <a:latin typeface="JetBrains Mono Medium" panose="02000009000000000000" pitchFamily="49" charset="0"/>
-                <a:ea typeface="JetBrains Mono Medium" panose="02000009000000000000" pitchFamily="49" charset="0"/>
-                <a:cs typeface="JetBrains Mono Medium" panose="02000009000000000000" pitchFamily="49" charset="0"/>
+              <a:rPr lang="en-US" sz="2000" b="1" dirty="0">
+                <a:solidFill>
+                  <a:schemeClr val="tx1"/>
+                </a:solidFill>
+                <a:latin typeface="JetBrains Mono NL ExtraBold" panose="02000009000000000000" pitchFamily="49" charset="0"/>
+                <a:ea typeface="JetBrains Mono NL ExtraBold" panose="02000009000000000000" pitchFamily="49" charset="0"/>
+                <a:cs typeface="JetBrains Mono NL ExtraBold" panose="02000009000000000000" pitchFamily="49" charset="0"/>
               </a:rPr>
               <a:t>):</a:t>
             </a:r>
-            <a:endParaRPr lang="en-US" dirty="0">
+            <a:endParaRPr lang="en-US" sz="2000" dirty="0">
               <a:solidFill>
                 <a:schemeClr val="tx1"/>
               </a:solidFill>
-              <a:latin typeface="JetBrains Mono Medium" panose="02000009000000000000" pitchFamily="49" charset="0"/>
-              <a:ea typeface="JetBrains Mono Medium" panose="02000009000000000000" pitchFamily="49" charset="0"/>
-              <a:cs typeface="JetBrains Mono Medium" panose="02000009000000000000" pitchFamily="49" charset="0"/>
+              <a:latin typeface="JetBrains Mono NL ExtraBold" panose="02000009000000000000" pitchFamily="49" charset="0"/>
+              <a:ea typeface="JetBrains Mono NL ExtraBold" panose="02000009000000000000" pitchFamily="49" charset="0"/>
+              <a:cs typeface="JetBrains Mono NL ExtraBold" panose="02000009000000000000" pitchFamily="49" charset="0"/>
             </a:endParaRPr>
           </a:p>
           <a:p>
@@ -15612,67 +15473,67 @@
               <a:buAutoNum type="arabicPeriod"/>
             </a:pPr>
             <a:r>
-              <a:rPr lang="en-US" b="1" dirty="0">
-                <a:solidFill>
-                  <a:schemeClr val="tx1"/>
-                </a:solidFill>
-                <a:latin typeface="JetBrains Mono Medium" panose="02000009000000000000" pitchFamily="49" charset="0"/>
-                <a:ea typeface="JetBrains Mono Medium" panose="02000009000000000000" pitchFamily="49" charset="0"/>
-                <a:cs typeface="JetBrains Mono Medium" panose="02000009000000000000" pitchFamily="49" charset="0"/>
+              <a:rPr lang="en-US" sz="2000" b="1" dirty="0">
+                <a:solidFill>
+                  <a:schemeClr val="tx1"/>
+                </a:solidFill>
+                <a:latin typeface="JetBrains Mono NL ExtraBold" panose="02000009000000000000" pitchFamily="49" charset="0"/>
+                <a:ea typeface="JetBrains Mono NL ExtraBold" panose="02000009000000000000" pitchFamily="49" charset="0"/>
+                <a:cs typeface="JetBrains Mono NL ExtraBold" panose="02000009000000000000" pitchFamily="49" charset="0"/>
               </a:rPr>
               <a:t>Oprah Winfrey (</a:t>
             </a:r>
             <a:r>
-              <a:rPr lang="en-US" b="1" dirty="0" err="1">
-                <a:solidFill>
-                  <a:schemeClr val="tx1"/>
-                </a:solidFill>
-                <a:latin typeface="JetBrains Mono Medium" panose="02000009000000000000" pitchFamily="49" charset="0"/>
-                <a:ea typeface="JetBrains Mono Medium" panose="02000009000000000000" pitchFamily="49" charset="0"/>
-                <a:cs typeface="JetBrains Mono Medium" panose="02000009000000000000" pitchFamily="49" charset="0"/>
+              <a:rPr lang="en-US" sz="2000" b="1" dirty="0" err="1">
+                <a:solidFill>
+                  <a:schemeClr val="tx1"/>
+                </a:solidFill>
+                <a:latin typeface="JetBrains Mono NL ExtraBold" panose="02000009000000000000" pitchFamily="49" charset="0"/>
+                <a:ea typeface="JetBrains Mono NL ExtraBold" panose="02000009000000000000" pitchFamily="49" charset="0"/>
+                <a:cs typeface="JetBrains Mono NL ExtraBold" panose="02000009000000000000" pitchFamily="49" charset="0"/>
               </a:rPr>
               <a:t>Inteligență</a:t>
             </a:r>
             <a:r>
-              <a:rPr lang="en-US" b="1" dirty="0">
-                <a:solidFill>
-                  <a:schemeClr val="tx1"/>
-                </a:solidFill>
-                <a:latin typeface="JetBrains Mono Medium" panose="02000009000000000000" pitchFamily="49" charset="0"/>
-                <a:ea typeface="JetBrains Mono Medium" panose="02000009000000000000" pitchFamily="49" charset="0"/>
-                <a:cs typeface="JetBrains Mono Medium" panose="02000009000000000000" pitchFamily="49" charset="0"/>
-              </a:rPr>
-              <a:t> </a:t>
-            </a:r>
-            <a:r>
-              <a:rPr lang="en-US" b="1" dirty="0" err="1">
-                <a:solidFill>
-                  <a:schemeClr val="tx1"/>
-                </a:solidFill>
-                <a:latin typeface="JetBrains Mono Medium" panose="02000009000000000000" pitchFamily="49" charset="0"/>
-                <a:ea typeface="JetBrains Mono Medium" panose="02000009000000000000" pitchFamily="49" charset="0"/>
-                <a:cs typeface="JetBrains Mono Medium" panose="02000009000000000000" pitchFamily="49" charset="0"/>
+              <a:rPr lang="en-US" sz="2000" b="1" dirty="0">
+                <a:solidFill>
+                  <a:schemeClr val="tx1"/>
+                </a:solidFill>
+                <a:latin typeface="JetBrains Mono NL ExtraBold" panose="02000009000000000000" pitchFamily="49" charset="0"/>
+                <a:ea typeface="JetBrains Mono NL ExtraBold" panose="02000009000000000000" pitchFamily="49" charset="0"/>
+                <a:cs typeface="JetBrains Mono NL ExtraBold" panose="02000009000000000000" pitchFamily="49" charset="0"/>
+              </a:rPr>
+              <a:t> </a:t>
+            </a:r>
+            <a:r>
+              <a:rPr lang="en-US" sz="2000" b="1" dirty="0" err="1">
+                <a:solidFill>
+                  <a:schemeClr val="tx1"/>
+                </a:solidFill>
+                <a:latin typeface="JetBrains Mono NL ExtraBold" panose="02000009000000000000" pitchFamily="49" charset="0"/>
+                <a:ea typeface="JetBrains Mono NL ExtraBold" panose="02000009000000000000" pitchFamily="49" charset="0"/>
+                <a:cs typeface="JetBrains Mono NL ExtraBold" panose="02000009000000000000" pitchFamily="49" charset="0"/>
               </a:rPr>
               <a:t>interpersonală</a:t>
             </a:r>
             <a:r>
-              <a:rPr lang="en-US" b="1" dirty="0">
-                <a:solidFill>
-                  <a:schemeClr val="tx1"/>
-                </a:solidFill>
-                <a:latin typeface="JetBrains Mono Medium" panose="02000009000000000000" pitchFamily="49" charset="0"/>
-                <a:ea typeface="JetBrains Mono Medium" panose="02000009000000000000" pitchFamily="49" charset="0"/>
-                <a:cs typeface="JetBrains Mono Medium" panose="02000009000000000000" pitchFamily="49" charset="0"/>
+              <a:rPr lang="en-US" sz="2000" b="1" dirty="0">
+                <a:solidFill>
+                  <a:schemeClr val="tx1"/>
+                </a:solidFill>
+                <a:latin typeface="JetBrains Mono NL ExtraBold" panose="02000009000000000000" pitchFamily="49" charset="0"/>
+                <a:ea typeface="JetBrains Mono NL ExtraBold" panose="02000009000000000000" pitchFamily="49" charset="0"/>
+                <a:cs typeface="JetBrains Mono NL ExtraBold" panose="02000009000000000000" pitchFamily="49" charset="0"/>
               </a:rPr>
               <a:t>):</a:t>
             </a:r>
-            <a:endParaRPr lang="en-US" dirty="0">
+            <a:endParaRPr lang="en-US" sz="2000" dirty="0">
               <a:solidFill>
                 <a:schemeClr val="tx1"/>
               </a:solidFill>
-              <a:latin typeface="JetBrains Mono Medium" panose="02000009000000000000" pitchFamily="49" charset="0"/>
-              <a:ea typeface="JetBrains Mono Medium" panose="02000009000000000000" pitchFamily="49" charset="0"/>
-              <a:cs typeface="JetBrains Mono Medium" panose="02000009000000000000" pitchFamily="49" charset="0"/>
+              <a:latin typeface="JetBrains Mono NL ExtraBold" panose="02000009000000000000" pitchFamily="49" charset="0"/>
+              <a:ea typeface="JetBrains Mono NL ExtraBold" panose="02000009000000000000" pitchFamily="49" charset="0"/>
+              <a:cs typeface="JetBrains Mono NL ExtraBold" panose="02000009000000000000" pitchFamily="49" charset="0"/>
             </a:endParaRPr>
           </a:p>
           <a:p>
@@ -15951,67 +15812,67 @@
               <a:buAutoNum type="arabicPeriod"/>
             </a:pPr>
             <a:r>
-              <a:rPr lang="en-US" b="1" dirty="0">
-                <a:solidFill>
-                  <a:schemeClr val="tx1"/>
-                </a:solidFill>
-                <a:latin typeface="JetBrains Mono Medium" panose="02000009000000000000" pitchFamily="49" charset="0"/>
-                <a:ea typeface="JetBrains Mono Medium" panose="02000009000000000000" pitchFamily="49" charset="0"/>
-                <a:cs typeface="JetBrains Mono Medium" panose="02000009000000000000" pitchFamily="49" charset="0"/>
+              <a:rPr lang="en-US" sz="2000" b="1" dirty="0">
+                <a:solidFill>
+                  <a:schemeClr val="tx1"/>
+                </a:solidFill>
+                <a:latin typeface="JetBrains Mono NL ExtraBold" panose="02000009000000000000" pitchFamily="49" charset="0"/>
+                <a:ea typeface="JetBrains Mono NL ExtraBold" panose="02000009000000000000" pitchFamily="49" charset="0"/>
+                <a:cs typeface="JetBrains Mono NL ExtraBold" panose="02000009000000000000" pitchFamily="49" charset="0"/>
               </a:rPr>
               <a:t>Leonardo da Vinci (</a:t>
             </a:r>
             <a:r>
-              <a:rPr lang="en-US" b="1" dirty="0" err="1">
-                <a:solidFill>
-                  <a:schemeClr val="tx1"/>
-                </a:solidFill>
-                <a:latin typeface="JetBrains Mono Medium" panose="02000009000000000000" pitchFamily="49" charset="0"/>
-                <a:ea typeface="JetBrains Mono Medium" panose="02000009000000000000" pitchFamily="49" charset="0"/>
-                <a:cs typeface="JetBrains Mono Medium" panose="02000009000000000000" pitchFamily="49" charset="0"/>
+              <a:rPr lang="en-US" sz="2000" b="1" dirty="0" err="1">
+                <a:solidFill>
+                  <a:schemeClr val="tx1"/>
+                </a:solidFill>
+                <a:latin typeface="JetBrains Mono NL ExtraBold" panose="02000009000000000000" pitchFamily="49" charset="0"/>
+                <a:ea typeface="JetBrains Mono NL ExtraBold" panose="02000009000000000000" pitchFamily="49" charset="0"/>
+                <a:cs typeface="JetBrains Mono NL ExtraBold" panose="02000009000000000000" pitchFamily="49" charset="0"/>
               </a:rPr>
               <a:t>Inteligență</a:t>
             </a:r>
             <a:r>
-              <a:rPr lang="en-US" b="1" dirty="0">
-                <a:solidFill>
-                  <a:schemeClr val="tx1"/>
-                </a:solidFill>
-                <a:latin typeface="JetBrains Mono Medium" panose="02000009000000000000" pitchFamily="49" charset="0"/>
-                <a:ea typeface="JetBrains Mono Medium" panose="02000009000000000000" pitchFamily="49" charset="0"/>
-                <a:cs typeface="JetBrains Mono Medium" panose="02000009000000000000" pitchFamily="49" charset="0"/>
-              </a:rPr>
-              <a:t> </a:t>
-            </a:r>
-            <a:r>
-              <a:rPr lang="en-US" b="1" dirty="0" err="1">
-                <a:solidFill>
-                  <a:schemeClr val="tx1"/>
-                </a:solidFill>
-                <a:latin typeface="JetBrains Mono Medium" panose="02000009000000000000" pitchFamily="49" charset="0"/>
-                <a:ea typeface="JetBrains Mono Medium" panose="02000009000000000000" pitchFamily="49" charset="0"/>
-                <a:cs typeface="JetBrains Mono Medium" panose="02000009000000000000" pitchFamily="49" charset="0"/>
+              <a:rPr lang="en-US" sz="2000" b="1" dirty="0">
+                <a:solidFill>
+                  <a:schemeClr val="tx1"/>
+                </a:solidFill>
+                <a:latin typeface="JetBrains Mono NL ExtraBold" panose="02000009000000000000" pitchFamily="49" charset="0"/>
+                <a:ea typeface="JetBrains Mono NL ExtraBold" panose="02000009000000000000" pitchFamily="49" charset="0"/>
+                <a:cs typeface="JetBrains Mono NL ExtraBold" panose="02000009000000000000" pitchFamily="49" charset="0"/>
+              </a:rPr>
+              <a:t> </a:t>
+            </a:r>
+            <a:r>
+              <a:rPr lang="en-US" sz="2000" b="1" dirty="0" err="1">
+                <a:solidFill>
+                  <a:schemeClr val="tx1"/>
+                </a:solidFill>
+                <a:latin typeface="JetBrains Mono NL ExtraBold" panose="02000009000000000000" pitchFamily="49" charset="0"/>
+                <a:ea typeface="JetBrains Mono NL ExtraBold" panose="02000009000000000000" pitchFamily="49" charset="0"/>
+                <a:cs typeface="JetBrains Mono NL ExtraBold" panose="02000009000000000000" pitchFamily="49" charset="0"/>
               </a:rPr>
               <a:t>vizual-spațială</a:t>
             </a:r>
             <a:r>
-              <a:rPr lang="en-US" b="1" dirty="0">
-                <a:solidFill>
-                  <a:schemeClr val="tx1"/>
-                </a:solidFill>
-                <a:latin typeface="JetBrains Mono Medium" panose="02000009000000000000" pitchFamily="49" charset="0"/>
-                <a:ea typeface="JetBrains Mono Medium" panose="02000009000000000000" pitchFamily="49" charset="0"/>
-                <a:cs typeface="JetBrains Mono Medium" panose="02000009000000000000" pitchFamily="49" charset="0"/>
+              <a:rPr lang="en-US" sz="2000" b="1" dirty="0">
+                <a:solidFill>
+                  <a:schemeClr val="tx1"/>
+                </a:solidFill>
+                <a:latin typeface="JetBrains Mono NL ExtraBold" panose="02000009000000000000" pitchFamily="49" charset="0"/>
+                <a:ea typeface="JetBrains Mono NL ExtraBold" panose="02000009000000000000" pitchFamily="49" charset="0"/>
+                <a:cs typeface="JetBrains Mono NL ExtraBold" panose="02000009000000000000" pitchFamily="49" charset="0"/>
               </a:rPr>
               <a:t>):</a:t>
             </a:r>
-            <a:endParaRPr lang="en-US" dirty="0">
+            <a:endParaRPr lang="en-US" sz="2000" dirty="0">
               <a:solidFill>
                 <a:schemeClr val="tx1"/>
               </a:solidFill>
-              <a:latin typeface="JetBrains Mono Medium" panose="02000009000000000000" pitchFamily="49" charset="0"/>
-              <a:ea typeface="JetBrains Mono Medium" panose="02000009000000000000" pitchFamily="49" charset="0"/>
-              <a:cs typeface="JetBrains Mono Medium" panose="02000009000000000000" pitchFamily="49" charset="0"/>
+              <a:latin typeface="JetBrains Mono NL ExtraBold" panose="02000009000000000000" pitchFamily="49" charset="0"/>
+              <a:ea typeface="JetBrains Mono NL ExtraBold" panose="02000009000000000000" pitchFamily="49" charset="0"/>
+              <a:cs typeface="JetBrains Mono NL ExtraBold" panose="02000009000000000000" pitchFamily="49" charset="0"/>
             </a:endParaRPr>
           </a:p>
           <a:p>
@@ -16337,13 +16198,13 @@
   <p:clrMapOvr>
     <a:masterClrMapping/>
   </p:clrMapOvr>
-  <mc:AlternateContent xmlns:mc="http://schemas.openxmlformats.org/markup-compatibility/2006">
-    <mc:Choice xmlns:p159="http://schemas.microsoft.com/office/powerpoint/2015/09/main" Requires="p159">
+  <mc:AlternateContent xmlns:mc="http://schemas.openxmlformats.org/markup-compatibility/2006" xmlns:p159="http://schemas.microsoft.com/office/powerpoint/2015/09/main">
+    <mc:Choice Requires="p159">
       <p:transition xmlns:p14="http://schemas.microsoft.com/office/powerpoint/2010/main" spd="slow" p14:dur="2000">
         <p159:morph option="byChar"/>
       </p:transition>
     </mc:Choice>
-    <mc:Fallback>
+    <mc:Fallback xmlns="">
       <p:transition spd="slow">
         <p:fade/>
       </p:transition>
@@ -16670,111 +16531,111 @@
               <a:buAutoNum type="arabicPeriod" startAt="4"/>
             </a:pPr>
             <a:r>
-              <a:rPr lang="en-US" b="1" dirty="0">
-                <a:solidFill>
-                  <a:schemeClr val="tx1"/>
-                </a:solidFill>
-                <a:latin typeface="JetBrains Mono Medium" panose="02000009000000000000" pitchFamily="49" charset="0"/>
-                <a:ea typeface="JetBrains Mono Medium" panose="02000009000000000000" pitchFamily="49" charset="0"/>
-                <a:cs typeface="JetBrains Mono Medium" panose="02000009000000000000" pitchFamily="49" charset="0"/>
+              <a:rPr lang="en-US" sz="2000" b="1" dirty="0">
+                <a:solidFill>
+                  <a:schemeClr val="tx1"/>
+                </a:solidFill>
+                <a:latin typeface="JetBrains Mono NL ExtraBold" panose="02000009000000000000" pitchFamily="49" charset="0"/>
+                <a:ea typeface="JetBrains Mono NL ExtraBold" panose="02000009000000000000" pitchFamily="49" charset="0"/>
+                <a:cs typeface="JetBrains Mono NL ExtraBold" panose="02000009000000000000" pitchFamily="49" charset="0"/>
               </a:rPr>
               <a:t>Marie Curie (</a:t>
             </a:r>
             <a:r>
-              <a:rPr lang="en-US" b="1" dirty="0" err="1">
-                <a:solidFill>
-                  <a:schemeClr val="tx1"/>
-                </a:solidFill>
-                <a:latin typeface="JetBrains Mono Medium" panose="02000009000000000000" pitchFamily="49" charset="0"/>
-                <a:ea typeface="JetBrains Mono Medium" panose="02000009000000000000" pitchFamily="49" charset="0"/>
-                <a:cs typeface="JetBrains Mono Medium" panose="02000009000000000000" pitchFamily="49" charset="0"/>
+              <a:rPr lang="en-US" sz="2000" b="1" dirty="0" err="1">
+                <a:solidFill>
+                  <a:schemeClr val="tx1"/>
+                </a:solidFill>
+                <a:latin typeface="JetBrains Mono NL ExtraBold" panose="02000009000000000000" pitchFamily="49" charset="0"/>
+                <a:ea typeface="JetBrains Mono NL ExtraBold" panose="02000009000000000000" pitchFamily="49" charset="0"/>
+                <a:cs typeface="JetBrains Mono NL ExtraBold" panose="02000009000000000000" pitchFamily="49" charset="0"/>
               </a:rPr>
               <a:t>Inteligență</a:t>
             </a:r>
             <a:r>
-              <a:rPr lang="en-US" b="1" dirty="0">
-                <a:solidFill>
-                  <a:schemeClr val="tx1"/>
-                </a:solidFill>
-                <a:latin typeface="JetBrains Mono Medium" panose="02000009000000000000" pitchFamily="49" charset="0"/>
-                <a:ea typeface="JetBrains Mono Medium" panose="02000009000000000000" pitchFamily="49" charset="0"/>
-                <a:cs typeface="JetBrains Mono Medium" panose="02000009000000000000" pitchFamily="49" charset="0"/>
+              <a:rPr lang="en-US" sz="2000" b="1" dirty="0">
+                <a:solidFill>
+                  <a:schemeClr val="tx1"/>
+                </a:solidFill>
+                <a:latin typeface="JetBrains Mono NL ExtraBold" panose="02000009000000000000" pitchFamily="49" charset="0"/>
+                <a:ea typeface="JetBrains Mono NL ExtraBold" panose="02000009000000000000" pitchFamily="49" charset="0"/>
+                <a:cs typeface="JetBrains Mono NL ExtraBold" panose="02000009000000000000" pitchFamily="49" charset="0"/>
               </a:rPr>
               <a:t> logico-</a:t>
             </a:r>
             <a:r>
-              <a:rPr lang="en-US" b="1" dirty="0" err="1">
-                <a:solidFill>
-                  <a:schemeClr val="tx1"/>
-                </a:solidFill>
-                <a:latin typeface="JetBrains Mono Medium" panose="02000009000000000000" pitchFamily="49" charset="0"/>
-                <a:ea typeface="JetBrains Mono Medium" panose="02000009000000000000" pitchFamily="49" charset="0"/>
-                <a:cs typeface="JetBrains Mono Medium" panose="02000009000000000000" pitchFamily="49" charset="0"/>
+              <a:rPr lang="en-US" sz="2000" b="1" dirty="0" err="1">
+                <a:solidFill>
+                  <a:schemeClr val="tx1"/>
+                </a:solidFill>
+                <a:latin typeface="JetBrains Mono NL ExtraBold" panose="02000009000000000000" pitchFamily="49" charset="0"/>
+                <a:ea typeface="JetBrains Mono NL ExtraBold" panose="02000009000000000000" pitchFamily="49" charset="0"/>
+                <a:cs typeface="JetBrains Mono NL ExtraBold" panose="02000009000000000000" pitchFamily="49" charset="0"/>
               </a:rPr>
               <a:t>matematică</a:t>
             </a:r>
             <a:r>
-              <a:rPr lang="en-US" b="1" dirty="0">
-                <a:solidFill>
-                  <a:schemeClr val="tx1"/>
-                </a:solidFill>
-                <a:latin typeface="JetBrains Mono Medium" panose="02000009000000000000" pitchFamily="49" charset="0"/>
-                <a:ea typeface="JetBrains Mono Medium" panose="02000009000000000000" pitchFamily="49" charset="0"/>
-                <a:cs typeface="JetBrains Mono Medium" panose="02000009000000000000" pitchFamily="49" charset="0"/>
-              </a:rPr>
-              <a:t> </a:t>
-            </a:r>
-            <a:r>
-              <a:rPr lang="en-US" b="1" dirty="0" err="1">
-                <a:solidFill>
-                  <a:schemeClr val="tx1"/>
-                </a:solidFill>
-                <a:latin typeface="JetBrains Mono Medium" panose="02000009000000000000" pitchFamily="49" charset="0"/>
-                <a:ea typeface="JetBrains Mono Medium" panose="02000009000000000000" pitchFamily="49" charset="0"/>
-                <a:cs typeface="JetBrains Mono Medium" panose="02000009000000000000" pitchFamily="49" charset="0"/>
+              <a:rPr lang="en-US" sz="2000" b="1" dirty="0">
+                <a:solidFill>
+                  <a:schemeClr val="tx1"/>
+                </a:solidFill>
+                <a:latin typeface="JetBrains Mono NL ExtraBold" panose="02000009000000000000" pitchFamily="49" charset="0"/>
+                <a:ea typeface="JetBrains Mono NL ExtraBold" panose="02000009000000000000" pitchFamily="49" charset="0"/>
+                <a:cs typeface="JetBrains Mono NL ExtraBold" panose="02000009000000000000" pitchFamily="49" charset="0"/>
+              </a:rPr>
+              <a:t> </a:t>
+            </a:r>
+            <a:r>
+              <a:rPr lang="en-US" sz="2000" b="1" dirty="0" err="1">
+                <a:solidFill>
+                  <a:schemeClr val="tx1"/>
+                </a:solidFill>
+                <a:latin typeface="JetBrains Mono NL ExtraBold" panose="02000009000000000000" pitchFamily="49" charset="0"/>
+                <a:ea typeface="JetBrains Mono NL ExtraBold" panose="02000009000000000000" pitchFamily="49" charset="0"/>
+                <a:cs typeface="JetBrains Mono NL ExtraBold" panose="02000009000000000000" pitchFamily="49" charset="0"/>
               </a:rPr>
               <a:t>și</a:t>
             </a:r>
             <a:r>
-              <a:rPr lang="en-US" b="1" dirty="0">
-                <a:solidFill>
-                  <a:schemeClr val="tx1"/>
-                </a:solidFill>
-                <a:latin typeface="JetBrains Mono Medium" panose="02000009000000000000" pitchFamily="49" charset="0"/>
-                <a:ea typeface="JetBrains Mono Medium" panose="02000009000000000000" pitchFamily="49" charset="0"/>
-                <a:cs typeface="JetBrains Mono Medium" panose="02000009000000000000" pitchFamily="49" charset="0"/>
-              </a:rPr>
-              <a:t> </a:t>
-            </a:r>
-            <a:r>
-              <a:rPr lang="en-US" b="1" dirty="0" err="1">
-                <a:solidFill>
-                  <a:schemeClr val="tx1"/>
-                </a:solidFill>
-                <a:latin typeface="JetBrains Mono Medium" panose="02000009000000000000" pitchFamily="49" charset="0"/>
-                <a:ea typeface="JetBrains Mono Medium" panose="02000009000000000000" pitchFamily="49" charset="0"/>
-                <a:cs typeface="JetBrains Mono Medium" panose="02000009000000000000" pitchFamily="49" charset="0"/>
+              <a:rPr lang="en-US" sz="2000" b="1" dirty="0">
+                <a:solidFill>
+                  <a:schemeClr val="tx1"/>
+                </a:solidFill>
+                <a:latin typeface="JetBrains Mono NL ExtraBold" panose="02000009000000000000" pitchFamily="49" charset="0"/>
+                <a:ea typeface="JetBrains Mono NL ExtraBold" panose="02000009000000000000" pitchFamily="49" charset="0"/>
+                <a:cs typeface="JetBrains Mono NL ExtraBold" panose="02000009000000000000" pitchFamily="49" charset="0"/>
+              </a:rPr>
+              <a:t> </a:t>
+            </a:r>
+            <a:r>
+              <a:rPr lang="en-US" sz="2000" b="1" dirty="0" err="1">
+                <a:solidFill>
+                  <a:schemeClr val="tx1"/>
+                </a:solidFill>
+                <a:latin typeface="JetBrains Mono NL ExtraBold" panose="02000009000000000000" pitchFamily="49" charset="0"/>
+                <a:ea typeface="JetBrains Mono NL ExtraBold" panose="02000009000000000000" pitchFamily="49" charset="0"/>
+                <a:cs typeface="JetBrains Mono NL ExtraBold" panose="02000009000000000000" pitchFamily="49" charset="0"/>
               </a:rPr>
               <a:t>naturalistă</a:t>
             </a:r>
             <a:r>
-              <a:rPr lang="en-US" b="1" dirty="0">
-                <a:solidFill>
-                  <a:schemeClr val="tx1"/>
-                </a:solidFill>
-                <a:latin typeface="JetBrains Mono Medium" panose="02000009000000000000" pitchFamily="49" charset="0"/>
-                <a:ea typeface="JetBrains Mono Medium" panose="02000009000000000000" pitchFamily="49" charset="0"/>
-                <a:cs typeface="JetBrains Mono Medium" panose="02000009000000000000" pitchFamily="49" charset="0"/>
+              <a:rPr lang="en-US" sz="2000" b="1" dirty="0">
+                <a:solidFill>
+                  <a:schemeClr val="tx1"/>
+                </a:solidFill>
+                <a:latin typeface="JetBrains Mono NL ExtraBold" panose="02000009000000000000" pitchFamily="49" charset="0"/>
+                <a:ea typeface="JetBrains Mono NL ExtraBold" panose="02000009000000000000" pitchFamily="49" charset="0"/>
+                <a:cs typeface="JetBrains Mono NL ExtraBold" panose="02000009000000000000" pitchFamily="49" charset="0"/>
               </a:rPr>
               <a:t>):</a:t>
             </a:r>
-            <a:endParaRPr lang="en-US" dirty="0">
+            <a:endParaRPr lang="en-US" sz="2000" dirty="0">
               <a:solidFill>
                 <a:schemeClr val="tx1"/>
               </a:solidFill>
-              <a:latin typeface="JetBrains Mono Medium" panose="02000009000000000000" pitchFamily="49" charset="0"/>
-              <a:ea typeface="JetBrains Mono Medium" panose="02000009000000000000" pitchFamily="49" charset="0"/>
-              <a:cs typeface="JetBrains Mono Medium" panose="02000009000000000000" pitchFamily="49" charset="0"/>
+              <a:latin typeface="JetBrains Mono NL ExtraBold" panose="02000009000000000000" pitchFamily="49" charset="0"/>
+              <a:ea typeface="JetBrains Mono NL ExtraBold" panose="02000009000000000000" pitchFamily="49" charset="0"/>
+              <a:cs typeface="JetBrains Mono NL ExtraBold" panose="02000009000000000000" pitchFamily="49" charset="0"/>
             </a:endParaRPr>
           </a:p>
           <a:p>
@@ -17086,111 +16947,111 @@
               <a:buAutoNum type="arabicPeriod" startAt="4"/>
             </a:pPr>
             <a:r>
-              <a:rPr lang="en-US" b="1" dirty="0">
-                <a:solidFill>
-                  <a:schemeClr val="tx1"/>
-                </a:solidFill>
-                <a:latin typeface="JetBrains Mono Medium" panose="02000009000000000000" pitchFamily="49" charset="0"/>
-                <a:ea typeface="JetBrains Mono Medium" panose="02000009000000000000" pitchFamily="49" charset="0"/>
-                <a:cs typeface="JetBrains Mono Medium" panose="02000009000000000000" pitchFamily="49" charset="0"/>
+              <a:rPr lang="en-US" sz="2000" b="1" dirty="0">
+                <a:solidFill>
+                  <a:schemeClr val="tx1"/>
+                </a:solidFill>
+                <a:latin typeface="JetBrains Mono NL ExtraBold" panose="02000009000000000000" pitchFamily="49" charset="0"/>
+                <a:ea typeface="JetBrains Mono NL ExtraBold" panose="02000009000000000000" pitchFamily="49" charset="0"/>
+                <a:cs typeface="JetBrains Mono NL ExtraBold" panose="02000009000000000000" pitchFamily="49" charset="0"/>
               </a:rPr>
               <a:t>Malala Yousafzai (</a:t>
             </a:r>
             <a:r>
-              <a:rPr lang="en-US" b="1" dirty="0" err="1">
-                <a:solidFill>
-                  <a:schemeClr val="tx1"/>
-                </a:solidFill>
-                <a:latin typeface="JetBrains Mono Medium" panose="02000009000000000000" pitchFamily="49" charset="0"/>
-                <a:ea typeface="JetBrains Mono Medium" panose="02000009000000000000" pitchFamily="49" charset="0"/>
-                <a:cs typeface="JetBrains Mono Medium" panose="02000009000000000000" pitchFamily="49" charset="0"/>
+              <a:rPr lang="en-US" sz="2000" b="1" dirty="0" err="1">
+                <a:solidFill>
+                  <a:schemeClr val="tx1"/>
+                </a:solidFill>
+                <a:latin typeface="JetBrains Mono NL ExtraBold" panose="02000009000000000000" pitchFamily="49" charset="0"/>
+                <a:ea typeface="JetBrains Mono NL ExtraBold" panose="02000009000000000000" pitchFamily="49" charset="0"/>
+                <a:cs typeface="JetBrains Mono NL ExtraBold" panose="02000009000000000000" pitchFamily="49" charset="0"/>
               </a:rPr>
               <a:t>Inteligență</a:t>
             </a:r>
             <a:r>
-              <a:rPr lang="en-US" b="1" dirty="0">
-                <a:solidFill>
-                  <a:schemeClr val="tx1"/>
-                </a:solidFill>
-                <a:latin typeface="JetBrains Mono Medium" panose="02000009000000000000" pitchFamily="49" charset="0"/>
-                <a:ea typeface="JetBrains Mono Medium" panose="02000009000000000000" pitchFamily="49" charset="0"/>
-                <a:cs typeface="JetBrains Mono Medium" panose="02000009000000000000" pitchFamily="49" charset="0"/>
-              </a:rPr>
-              <a:t> </a:t>
-            </a:r>
-            <a:r>
-              <a:rPr lang="en-US" b="1" dirty="0" err="1">
-                <a:solidFill>
-                  <a:schemeClr val="tx1"/>
-                </a:solidFill>
-                <a:latin typeface="JetBrains Mono Medium" panose="02000009000000000000" pitchFamily="49" charset="0"/>
-                <a:ea typeface="JetBrains Mono Medium" panose="02000009000000000000" pitchFamily="49" charset="0"/>
-                <a:cs typeface="JetBrains Mono Medium" panose="02000009000000000000" pitchFamily="49" charset="0"/>
+              <a:rPr lang="en-US" sz="2000" b="1" dirty="0">
+                <a:solidFill>
+                  <a:schemeClr val="tx1"/>
+                </a:solidFill>
+                <a:latin typeface="JetBrains Mono NL ExtraBold" panose="02000009000000000000" pitchFamily="49" charset="0"/>
+                <a:ea typeface="JetBrains Mono NL ExtraBold" panose="02000009000000000000" pitchFamily="49" charset="0"/>
+                <a:cs typeface="JetBrains Mono NL ExtraBold" panose="02000009000000000000" pitchFamily="49" charset="0"/>
+              </a:rPr>
+              <a:t> </a:t>
+            </a:r>
+            <a:r>
+              <a:rPr lang="en-US" sz="2000" b="1" dirty="0" err="1">
+                <a:solidFill>
+                  <a:schemeClr val="tx1"/>
+                </a:solidFill>
+                <a:latin typeface="JetBrains Mono NL ExtraBold" panose="02000009000000000000" pitchFamily="49" charset="0"/>
+                <a:ea typeface="JetBrains Mono NL ExtraBold" panose="02000009000000000000" pitchFamily="49" charset="0"/>
+                <a:cs typeface="JetBrains Mono NL ExtraBold" panose="02000009000000000000" pitchFamily="49" charset="0"/>
               </a:rPr>
               <a:t>lingvistică</a:t>
             </a:r>
             <a:r>
-              <a:rPr lang="en-US" b="1" dirty="0">
-                <a:solidFill>
-                  <a:schemeClr val="tx1"/>
-                </a:solidFill>
-                <a:latin typeface="JetBrains Mono Medium" panose="02000009000000000000" pitchFamily="49" charset="0"/>
-                <a:ea typeface="JetBrains Mono Medium" panose="02000009000000000000" pitchFamily="49" charset="0"/>
-                <a:cs typeface="JetBrains Mono Medium" panose="02000009000000000000" pitchFamily="49" charset="0"/>
-              </a:rPr>
-              <a:t> </a:t>
-            </a:r>
-            <a:r>
-              <a:rPr lang="en-US" b="1" dirty="0" err="1">
-                <a:solidFill>
-                  <a:schemeClr val="tx1"/>
-                </a:solidFill>
-                <a:latin typeface="JetBrains Mono Medium" panose="02000009000000000000" pitchFamily="49" charset="0"/>
-                <a:ea typeface="JetBrains Mono Medium" panose="02000009000000000000" pitchFamily="49" charset="0"/>
-                <a:cs typeface="JetBrains Mono Medium" panose="02000009000000000000" pitchFamily="49" charset="0"/>
+              <a:rPr lang="en-US" sz="2000" b="1" dirty="0">
+                <a:solidFill>
+                  <a:schemeClr val="tx1"/>
+                </a:solidFill>
+                <a:latin typeface="JetBrains Mono NL ExtraBold" panose="02000009000000000000" pitchFamily="49" charset="0"/>
+                <a:ea typeface="JetBrains Mono NL ExtraBold" panose="02000009000000000000" pitchFamily="49" charset="0"/>
+                <a:cs typeface="JetBrains Mono NL ExtraBold" panose="02000009000000000000" pitchFamily="49" charset="0"/>
+              </a:rPr>
+              <a:t> </a:t>
+            </a:r>
+            <a:r>
+              <a:rPr lang="en-US" sz="2000" b="1" dirty="0" err="1">
+                <a:solidFill>
+                  <a:schemeClr val="tx1"/>
+                </a:solidFill>
+                <a:latin typeface="JetBrains Mono NL ExtraBold" panose="02000009000000000000" pitchFamily="49" charset="0"/>
+                <a:ea typeface="JetBrains Mono NL ExtraBold" panose="02000009000000000000" pitchFamily="49" charset="0"/>
+                <a:cs typeface="JetBrains Mono NL ExtraBold" panose="02000009000000000000" pitchFamily="49" charset="0"/>
               </a:rPr>
               <a:t>și</a:t>
             </a:r>
             <a:r>
-              <a:rPr lang="en-US" b="1" dirty="0">
-                <a:solidFill>
-                  <a:schemeClr val="tx1"/>
-                </a:solidFill>
-                <a:latin typeface="JetBrains Mono Medium" panose="02000009000000000000" pitchFamily="49" charset="0"/>
-                <a:ea typeface="JetBrains Mono Medium" panose="02000009000000000000" pitchFamily="49" charset="0"/>
-                <a:cs typeface="JetBrains Mono Medium" panose="02000009000000000000" pitchFamily="49" charset="0"/>
-              </a:rPr>
-              <a:t> </a:t>
-            </a:r>
-            <a:r>
-              <a:rPr lang="en-US" b="1" dirty="0" err="1">
-                <a:solidFill>
-                  <a:schemeClr val="tx1"/>
-                </a:solidFill>
-                <a:latin typeface="JetBrains Mono Medium" panose="02000009000000000000" pitchFamily="49" charset="0"/>
-                <a:ea typeface="JetBrains Mono Medium" panose="02000009000000000000" pitchFamily="49" charset="0"/>
-                <a:cs typeface="JetBrains Mono Medium" panose="02000009000000000000" pitchFamily="49" charset="0"/>
+              <a:rPr lang="en-US" sz="2000" b="1" dirty="0">
+                <a:solidFill>
+                  <a:schemeClr val="tx1"/>
+                </a:solidFill>
+                <a:latin typeface="JetBrains Mono NL ExtraBold" panose="02000009000000000000" pitchFamily="49" charset="0"/>
+                <a:ea typeface="JetBrains Mono NL ExtraBold" panose="02000009000000000000" pitchFamily="49" charset="0"/>
+                <a:cs typeface="JetBrains Mono NL ExtraBold" panose="02000009000000000000" pitchFamily="49" charset="0"/>
+              </a:rPr>
+              <a:t> </a:t>
+            </a:r>
+            <a:r>
+              <a:rPr lang="en-US" sz="2000" b="1" dirty="0" err="1">
+                <a:solidFill>
+                  <a:schemeClr val="tx1"/>
+                </a:solidFill>
+                <a:latin typeface="JetBrains Mono NL ExtraBold" panose="02000009000000000000" pitchFamily="49" charset="0"/>
+                <a:ea typeface="JetBrains Mono NL ExtraBold" panose="02000009000000000000" pitchFamily="49" charset="0"/>
+                <a:cs typeface="JetBrains Mono NL ExtraBold" panose="02000009000000000000" pitchFamily="49" charset="0"/>
               </a:rPr>
               <a:t>interpersonală</a:t>
             </a:r>
             <a:r>
-              <a:rPr lang="en-US" b="1" dirty="0">
-                <a:solidFill>
-                  <a:schemeClr val="tx1"/>
-                </a:solidFill>
-                <a:latin typeface="JetBrains Mono Medium" panose="02000009000000000000" pitchFamily="49" charset="0"/>
-                <a:ea typeface="JetBrains Mono Medium" panose="02000009000000000000" pitchFamily="49" charset="0"/>
-                <a:cs typeface="JetBrains Mono Medium" panose="02000009000000000000" pitchFamily="49" charset="0"/>
+              <a:rPr lang="en-US" sz="2000" b="1" dirty="0">
+                <a:solidFill>
+                  <a:schemeClr val="tx1"/>
+                </a:solidFill>
+                <a:latin typeface="JetBrains Mono NL ExtraBold" panose="02000009000000000000" pitchFamily="49" charset="0"/>
+                <a:ea typeface="JetBrains Mono NL ExtraBold" panose="02000009000000000000" pitchFamily="49" charset="0"/>
+                <a:cs typeface="JetBrains Mono NL ExtraBold" panose="02000009000000000000" pitchFamily="49" charset="0"/>
               </a:rPr>
               <a:t>):</a:t>
             </a:r>
-            <a:endParaRPr lang="en-US" dirty="0">
+            <a:endParaRPr lang="en-US" sz="2000" dirty="0">
               <a:solidFill>
                 <a:schemeClr val="tx1"/>
               </a:solidFill>
-              <a:latin typeface="JetBrains Mono Medium" panose="02000009000000000000" pitchFamily="49" charset="0"/>
-              <a:ea typeface="JetBrains Mono Medium" panose="02000009000000000000" pitchFamily="49" charset="0"/>
-              <a:cs typeface="JetBrains Mono Medium" panose="02000009000000000000" pitchFamily="49" charset="0"/>
+              <a:latin typeface="JetBrains Mono NL ExtraBold" panose="02000009000000000000" pitchFamily="49" charset="0"/>
+              <a:ea typeface="JetBrains Mono NL ExtraBold" panose="02000009000000000000" pitchFamily="49" charset="0"/>
+              <a:cs typeface="JetBrains Mono NL ExtraBold" panose="02000009000000000000" pitchFamily="49" charset="0"/>
             </a:endParaRPr>
           </a:p>
           <a:p>
@@ -17421,7 +17282,7 @@
           </a:p>
           <a:p>
             <a:r>
-              <a:rPr lang="en-US" b="1" dirty="0" err="1">
+              <a:rPr lang="en-US" sz="2200" b="1" dirty="0" err="1">
                 <a:solidFill>
                   <a:schemeClr val="tx1"/>
                 </a:solidFill>
@@ -17432,18 +17293,18 @@
               <a:t>Lecții</a:t>
             </a:r>
             <a:r>
-              <a:rPr lang="en-US" b="1" dirty="0">
-                <a:solidFill>
-                  <a:schemeClr val="tx1"/>
-                </a:solidFill>
-                <a:latin typeface="JetBrains Mono Medium" panose="02000009000000000000" pitchFamily="49" charset="0"/>
-                <a:ea typeface="JetBrains Mono Medium" panose="02000009000000000000" pitchFamily="49" charset="0"/>
-                <a:cs typeface="JetBrains Mono Medium" panose="02000009000000000000" pitchFamily="49" charset="0"/>
-              </a:rPr>
-              <a:t> </a:t>
-            </a:r>
-            <a:r>
-              <a:rPr lang="en-US" b="1" dirty="0" err="1">
+              <a:rPr lang="en-US" sz="2200" b="1" dirty="0">
+                <a:solidFill>
+                  <a:schemeClr val="tx1"/>
+                </a:solidFill>
+                <a:latin typeface="JetBrains Mono Medium" panose="02000009000000000000" pitchFamily="49" charset="0"/>
+                <a:ea typeface="JetBrains Mono Medium" panose="02000009000000000000" pitchFamily="49" charset="0"/>
+                <a:cs typeface="JetBrains Mono Medium" panose="02000009000000000000" pitchFamily="49" charset="0"/>
+              </a:rPr>
+              <a:t> </a:t>
+            </a:r>
+            <a:r>
+              <a:rPr lang="en-US" sz="2200" b="1" dirty="0" err="1">
                 <a:solidFill>
                   <a:schemeClr val="tx1"/>
                 </a:solidFill>
@@ -17454,7 +17315,7 @@
               <a:t>învățate</a:t>
             </a:r>
             <a:r>
-              <a:rPr lang="en-US" b="1" dirty="0">
+              <a:rPr lang="en-US" sz="2200" b="1" dirty="0">
                 <a:solidFill>
                   <a:schemeClr val="tx1"/>
                 </a:solidFill>
@@ -17465,7 +17326,7 @@
               <a:t> de la </a:t>
             </a:r>
             <a:r>
-              <a:rPr lang="en-US" b="1" dirty="0" err="1">
+              <a:rPr lang="en-US" sz="2200" b="1" dirty="0" err="1">
                 <a:solidFill>
                   <a:schemeClr val="tx1"/>
                 </a:solidFill>
@@ -17476,7 +17337,7 @@
               <a:t>oamenii</a:t>
             </a:r>
             <a:r>
-              <a:rPr lang="en-US" b="1" dirty="0">
+              <a:rPr lang="en-US" sz="2200" b="1" dirty="0">
                 <a:solidFill>
                   <a:schemeClr val="tx1"/>
                 </a:solidFill>
@@ -17487,7 +17348,7 @@
               <a:t> de </a:t>
             </a:r>
             <a:r>
-              <a:rPr lang="en-US" b="1" dirty="0" err="1">
+              <a:rPr lang="en-US" sz="2200" b="1" dirty="0" err="1">
                 <a:solidFill>
                   <a:schemeClr val="tx1"/>
                 </a:solidFill>
@@ -17498,7 +17359,7 @@
               <a:t>succes</a:t>
             </a:r>
             <a:r>
-              <a:rPr lang="en-US" b="1" dirty="0">
+              <a:rPr lang="en-US" sz="2200" b="1" dirty="0">
                 <a:solidFill>
                   <a:schemeClr val="tx1"/>
                 </a:solidFill>
@@ -18271,13 +18132,13 @@
   <p:clrMapOvr>
     <a:masterClrMapping/>
   </p:clrMapOvr>
-  <mc:AlternateContent xmlns:mc="http://schemas.openxmlformats.org/markup-compatibility/2006">
-    <mc:Choice xmlns:p159="http://schemas.microsoft.com/office/powerpoint/2015/09/main" Requires="p159">
+  <mc:AlternateContent xmlns:mc="http://schemas.openxmlformats.org/markup-compatibility/2006" xmlns:p159="http://schemas.microsoft.com/office/powerpoint/2015/09/main">
+    <mc:Choice Requires="p159">
       <p:transition xmlns:p14="http://schemas.microsoft.com/office/powerpoint/2010/main" spd="slow" p14:dur="2000">
         <p159:morph option="byChar"/>
       </p:transition>
     </mc:Choice>
-    <mc:Fallback>
+    <mc:Fallback xmlns="">
       <p:transition spd="slow">
         <p:fade/>
       </p:transition>
@@ -19017,7 +18878,7 @@
           </a:p>
           <a:p>
             <a:r>
-              <a:rPr lang="en-US" b="1" dirty="0" err="1">
+              <a:rPr lang="en-US" sz="2200" b="1" dirty="0" err="1">
                 <a:solidFill>
                   <a:schemeClr val="tx1"/>
                 </a:solidFill>
@@ -19028,18 +18889,18 @@
               <a:t>Tehnologia</a:t>
             </a:r>
             <a:r>
-              <a:rPr lang="en-US" b="1" dirty="0">
-                <a:solidFill>
-                  <a:schemeClr val="tx1"/>
-                </a:solidFill>
-                <a:latin typeface="JetBrains Mono Medium" panose="02000009000000000000" pitchFamily="49" charset="0"/>
-                <a:ea typeface="JetBrains Mono Medium" panose="02000009000000000000" pitchFamily="49" charset="0"/>
-                <a:cs typeface="JetBrains Mono Medium" panose="02000009000000000000" pitchFamily="49" charset="0"/>
-              </a:rPr>
-              <a:t> </a:t>
-            </a:r>
-            <a:r>
-              <a:rPr lang="en-US" b="1" dirty="0" err="1">
+              <a:rPr lang="en-US" sz="2200" b="1" dirty="0">
+                <a:solidFill>
+                  <a:schemeClr val="tx1"/>
+                </a:solidFill>
+                <a:latin typeface="JetBrains Mono Medium" panose="02000009000000000000" pitchFamily="49" charset="0"/>
+                <a:ea typeface="JetBrains Mono Medium" panose="02000009000000000000" pitchFamily="49" charset="0"/>
+                <a:cs typeface="JetBrains Mono Medium" panose="02000009000000000000" pitchFamily="49" charset="0"/>
+              </a:rPr>
+              <a:t> </a:t>
+            </a:r>
+            <a:r>
+              <a:rPr lang="en-US" sz="2200" b="1" dirty="0" err="1">
                 <a:solidFill>
                   <a:schemeClr val="tx1"/>
                 </a:solidFill>
@@ -19050,18 +18911,18 @@
               <a:t>și</a:t>
             </a:r>
             <a:r>
-              <a:rPr lang="en-US" b="1" dirty="0">
-                <a:solidFill>
-                  <a:schemeClr val="tx1"/>
-                </a:solidFill>
-                <a:latin typeface="JetBrains Mono Medium" panose="02000009000000000000" pitchFamily="49" charset="0"/>
-                <a:ea typeface="JetBrains Mono Medium" panose="02000009000000000000" pitchFamily="49" charset="0"/>
-                <a:cs typeface="JetBrains Mono Medium" panose="02000009000000000000" pitchFamily="49" charset="0"/>
-              </a:rPr>
-              <a:t> </a:t>
-            </a:r>
-            <a:r>
-              <a:rPr lang="en-US" b="1" dirty="0" err="1">
+              <a:rPr lang="en-US" sz="2200" b="1" dirty="0">
+                <a:solidFill>
+                  <a:schemeClr val="tx1"/>
+                </a:solidFill>
+                <a:latin typeface="JetBrains Mono Medium" panose="02000009000000000000" pitchFamily="49" charset="0"/>
+                <a:ea typeface="JetBrains Mono Medium" panose="02000009000000000000" pitchFamily="49" charset="0"/>
+                <a:cs typeface="JetBrains Mono Medium" panose="02000009000000000000" pitchFamily="49" charset="0"/>
+              </a:rPr>
+              <a:t> </a:t>
+            </a:r>
+            <a:r>
+              <a:rPr lang="en-US" sz="2200" b="1" dirty="0" err="1">
                 <a:solidFill>
                   <a:schemeClr val="tx1"/>
                 </a:solidFill>
@@ -19071,7 +18932,7 @@
               </a:rPr>
               <a:t>digitalizarea</a:t>
             </a:r>
-            <a:endParaRPr lang="en-US" b="1" dirty="0">
+            <a:endParaRPr lang="en-US" sz="2200" b="1" dirty="0">
               <a:solidFill>
                 <a:schemeClr val="tx1"/>
               </a:solidFill>
@@ -19086,96 +18947,93 @@
               <a:buAutoNum type="arabicPeriod"/>
             </a:pPr>
             <a:r>
-              <a:rPr lang="en-US" b="1" dirty="0">
-                <a:solidFill>
-                  <a:schemeClr val="tx1"/>
-                </a:solidFill>
-                <a:latin typeface="JetBrains Mono Medium" panose="02000009000000000000" pitchFamily="49" charset="0"/>
-                <a:ea typeface="JetBrains Mono Medium" panose="02000009000000000000" pitchFamily="49" charset="0"/>
-                <a:cs typeface="JetBrains Mono Medium" panose="02000009000000000000" pitchFamily="49" charset="0"/>
+              <a:rPr lang="en-US" sz="2000" b="1" dirty="0">
+                <a:solidFill>
+                  <a:schemeClr val="tx1"/>
+                </a:solidFill>
+                <a:latin typeface="JetBrains Mono NL ExtraBold" panose="02000009000000000000" pitchFamily="49" charset="0"/>
+                <a:ea typeface="JetBrains Mono NL ExtraBold" panose="02000009000000000000" pitchFamily="49" charset="0"/>
+                <a:cs typeface="JetBrains Mono NL ExtraBold" panose="02000009000000000000" pitchFamily="49" charset="0"/>
               </a:rPr>
               <a:t>Specialist </a:t>
             </a:r>
             <a:r>
-              <a:rPr lang="en-US" b="1" dirty="0" err="1">
-                <a:solidFill>
-                  <a:schemeClr val="tx1"/>
-                </a:solidFill>
-                <a:latin typeface="JetBrains Mono Medium" panose="02000009000000000000" pitchFamily="49" charset="0"/>
-                <a:ea typeface="JetBrains Mono Medium" panose="02000009000000000000" pitchFamily="49" charset="0"/>
-                <a:cs typeface="JetBrains Mono Medium" panose="02000009000000000000" pitchFamily="49" charset="0"/>
+              <a:rPr lang="en-US" sz="2000" b="1" dirty="0" err="1">
+                <a:solidFill>
+                  <a:schemeClr val="tx1"/>
+                </a:solidFill>
+                <a:latin typeface="JetBrains Mono NL ExtraBold" panose="02000009000000000000" pitchFamily="49" charset="0"/>
+                <a:ea typeface="JetBrains Mono NL ExtraBold" panose="02000009000000000000" pitchFamily="49" charset="0"/>
+                <a:cs typeface="JetBrains Mono NL ExtraBold" panose="02000009000000000000" pitchFamily="49" charset="0"/>
               </a:rPr>
               <a:t>în</a:t>
             </a:r>
             <a:r>
-              <a:rPr lang="en-US" b="1" dirty="0">
-                <a:solidFill>
-                  <a:schemeClr val="tx1"/>
-                </a:solidFill>
-                <a:latin typeface="JetBrains Mono Medium" panose="02000009000000000000" pitchFamily="49" charset="0"/>
-                <a:ea typeface="JetBrains Mono Medium" panose="02000009000000000000" pitchFamily="49" charset="0"/>
-                <a:cs typeface="JetBrains Mono Medium" panose="02000009000000000000" pitchFamily="49" charset="0"/>
-              </a:rPr>
-              <a:t> </a:t>
-            </a:r>
-            <a:r>
-              <a:rPr lang="en-US" b="1" dirty="0" err="1">
-                <a:solidFill>
-                  <a:schemeClr val="tx1"/>
-                </a:solidFill>
-                <a:latin typeface="JetBrains Mono Medium" panose="02000009000000000000" pitchFamily="49" charset="0"/>
-                <a:ea typeface="JetBrains Mono Medium" panose="02000009000000000000" pitchFamily="49" charset="0"/>
-                <a:cs typeface="JetBrains Mono Medium" panose="02000009000000000000" pitchFamily="49" charset="0"/>
+              <a:rPr lang="en-US" sz="2000" b="1" dirty="0">
+                <a:solidFill>
+                  <a:schemeClr val="tx1"/>
+                </a:solidFill>
+                <a:latin typeface="JetBrains Mono NL ExtraBold" panose="02000009000000000000" pitchFamily="49" charset="0"/>
+                <a:ea typeface="JetBrains Mono NL ExtraBold" panose="02000009000000000000" pitchFamily="49" charset="0"/>
+                <a:cs typeface="JetBrains Mono NL ExtraBold" panose="02000009000000000000" pitchFamily="49" charset="0"/>
+              </a:rPr>
+              <a:t> </a:t>
+            </a:r>
+            <a:r>
+              <a:rPr lang="en-US" sz="2000" b="1" dirty="0" err="1">
+                <a:solidFill>
+                  <a:schemeClr val="tx1"/>
+                </a:solidFill>
+                <a:latin typeface="JetBrains Mono NL ExtraBold" panose="02000009000000000000" pitchFamily="49" charset="0"/>
+                <a:ea typeface="JetBrains Mono NL ExtraBold" panose="02000009000000000000" pitchFamily="49" charset="0"/>
+                <a:cs typeface="JetBrains Mono NL ExtraBold" panose="02000009000000000000" pitchFamily="49" charset="0"/>
               </a:rPr>
               <a:t>inteligență</a:t>
             </a:r>
             <a:r>
-              <a:rPr lang="en-US" b="1" dirty="0">
-                <a:solidFill>
-                  <a:schemeClr val="tx1"/>
-                </a:solidFill>
-                <a:latin typeface="JetBrains Mono Medium" panose="02000009000000000000" pitchFamily="49" charset="0"/>
-                <a:ea typeface="JetBrains Mono Medium" panose="02000009000000000000" pitchFamily="49" charset="0"/>
-                <a:cs typeface="JetBrains Mono Medium" panose="02000009000000000000" pitchFamily="49" charset="0"/>
-              </a:rPr>
-              <a:t> </a:t>
-            </a:r>
-            <a:r>
-              <a:rPr lang="en-US" b="1" dirty="0" err="1">
-                <a:solidFill>
-                  <a:schemeClr val="tx1"/>
-                </a:solidFill>
-                <a:latin typeface="JetBrains Mono Medium" panose="02000009000000000000" pitchFamily="49" charset="0"/>
-                <a:ea typeface="JetBrains Mono Medium" panose="02000009000000000000" pitchFamily="49" charset="0"/>
-                <a:cs typeface="JetBrains Mono Medium" panose="02000009000000000000" pitchFamily="49" charset="0"/>
+              <a:rPr lang="en-US" sz="2000" b="1" dirty="0">
+                <a:solidFill>
+                  <a:schemeClr val="tx1"/>
+                </a:solidFill>
+                <a:latin typeface="JetBrains Mono NL ExtraBold" panose="02000009000000000000" pitchFamily="49" charset="0"/>
+                <a:ea typeface="JetBrains Mono NL ExtraBold" panose="02000009000000000000" pitchFamily="49" charset="0"/>
+                <a:cs typeface="JetBrains Mono NL ExtraBold" panose="02000009000000000000" pitchFamily="49" charset="0"/>
+              </a:rPr>
+              <a:t> </a:t>
+            </a:r>
+            <a:r>
+              <a:rPr lang="en-US" sz="2000" b="1" dirty="0" err="1">
+                <a:solidFill>
+                  <a:schemeClr val="tx1"/>
+                </a:solidFill>
+                <a:latin typeface="JetBrains Mono NL ExtraBold" panose="02000009000000000000" pitchFamily="49" charset="0"/>
+                <a:ea typeface="JetBrains Mono NL ExtraBold" panose="02000009000000000000" pitchFamily="49" charset="0"/>
+                <a:cs typeface="JetBrains Mono NL ExtraBold" panose="02000009000000000000" pitchFamily="49" charset="0"/>
               </a:rPr>
               <a:t>artificială</a:t>
             </a:r>
             <a:r>
-              <a:rPr lang="en-US" b="1" dirty="0">
-                <a:solidFill>
-                  <a:schemeClr val="tx1"/>
-                </a:solidFill>
-                <a:latin typeface="JetBrains Mono Medium" panose="02000009000000000000" pitchFamily="49" charset="0"/>
-                <a:ea typeface="JetBrains Mono Medium" panose="02000009000000000000" pitchFamily="49" charset="0"/>
-                <a:cs typeface="JetBrains Mono Medium" panose="02000009000000000000" pitchFamily="49" charset="0"/>
+              <a:rPr lang="en-US" sz="2000" b="1" dirty="0">
+                <a:solidFill>
+                  <a:schemeClr val="tx1"/>
+                </a:solidFill>
+                <a:latin typeface="JetBrains Mono NL ExtraBold" panose="02000009000000000000" pitchFamily="49" charset="0"/>
+                <a:ea typeface="JetBrains Mono NL ExtraBold" panose="02000009000000000000" pitchFamily="49" charset="0"/>
+                <a:cs typeface="JetBrains Mono NL ExtraBold" panose="02000009000000000000" pitchFamily="49" charset="0"/>
               </a:rPr>
               <a:t> (IA):</a:t>
             </a:r>
-            <a:endParaRPr lang="en-US" dirty="0">
+            <a:endParaRPr lang="en-US" sz="2000" dirty="0">
               <a:solidFill>
                 <a:schemeClr val="tx1"/>
               </a:solidFill>
-              <a:latin typeface="JetBrains Mono Medium" panose="02000009000000000000" pitchFamily="49" charset="0"/>
-              <a:ea typeface="JetBrains Mono Medium" panose="02000009000000000000" pitchFamily="49" charset="0"/>
-              <a:cs typeface="JetBrains Mono Medium" panose="02000009000000000000" pitchFamily="49" charset="0"/>
+              <a:latin typeface="JetBrains Mono NL ExtraBold" panose="02000009000000000000" pitchFamily="49" charset="0"/>
+              <a:ea typeface="JetBrains Mono NL ExtraBold" panose="02000009000000000000" pitchFamily="49" charset="0"/>
+              <a:cs typeface="JetBrains Mono NL ExtraBold" panose="02000009000000000000" pitchFamily="49" charset="0"/>
             </a:endParaRPr>
           </a:p>
           <a:p>
-            <a:pPr marL="742950" lvl="1" indent="-285750">
-              <a:buFont typeface="+mj-lt"/>
-              <a:buAutoNum type="arabicPeriod"/>
-            </a:pPr>
+            <a:pPr lvl="1"/>
             <a:r>
               <a:rPr lang="en-US" b="1" dirty="0" err="1">
                 <a:solidFill>
@@ -19343,10 +19201,7 @@
             </a:r>
           </a:p>
           <a:p>
-            <a:pPr marL="742950" lvl="1" indent="-285750">
-              <a:buFont typeface="+mj-lt"/>
-              <a:buAutoNum type="arabicPeriod"/>
-            </a:pPr>
+            <a:pPr lvl="1"/>
             <a:r>
               <a:rPr lang="en-US" b="1" dirty="0" err="1">
                 <a:solidFill>
@@ -19497,129 +19352,126 @@
               <a:buAutoNum type="arabicPeriod"/>
             </a:pPr>
             <a:r>
-              <a:rPr lang="en-US" b="1" dirty="0" err="1">
-                <a:solidFill>
-                  <a:schemeClr val="tx1"/>
-                </a:solidFill>
-                <a:latin typeface="JetBrains Mono Medium" panose="02000009000000000000" pitchFamily="49" charset="0"/>
-                <a:ea typeface="JetBrains Mono Medium" panose="02000009000000000000" pitchFamily="49" charset="0"/>
-                <a:cs typeface="JetBrains Mono Medium" panose="02000009000000000000" pitchFamily="49" charset="0"/>
+              <a:rPr lang="en-US" sz="2000" b="1" dirty="0" err="1">
+                <a:solidFill>
+                  <a:schemeClr val="tx1"/>
+                </a:solidFill>
+                <a:latin typeface="JetBrains Mono NL ExtraBold" panose="02000009000000000000" pitchFamily="49" charset="0"/>
+                <a:ea typeface="JetBrains Mono NL ExtraBold" panose="02000009000000000000" pitchFamily="49" charset="0"/>
+                <a:cs typeface="JetBrains Mono NL ExtraBold" panose="02000009000000000000" pitchFamily="49" charset="0"/>
               </a:rPr>
               <a:t>Dezvoltator</a:t>
             </a:r>
             <a:r>
-              <a:rPr lang="en-US" b="1" dirty="0">
-                <a:solidFill>
-                  <a:schemeClr val="tx1"/>
-                </a:solidFill>
-                <a:latin typeface="JetBrains Mono Medium" panose="02000009000000000000" pitchFamily="49" charset="0"/>
-                <a:ea typeface="JetBrains Mono Medium" panose="02000009000000000000" pitchFamily="49" charset="0"/>
-                <a:cs typeface="JetBrains Mono Medium" panose="02000009000000000000" pitchFamily="49" charset="0"/>
+              <a:rPr lang="en-US" sz="2000" b="1" dirty="0">
+                <a:solidFill>
+                  <a:schemeClr val="tx1"/>
+                </a:solidFill>
+                <a:latin typeface="JetBrains Mono NL ExtraBold" panose="02000009000000000000" pitchFamily="49" charset="0"/>
+                <a:ea typeface="JetBrains Mono NL ExtraBold" panose="02000009000000000000" pitchFamily="49" charset="0"/>
+                <a:cs typeface="JetBrains Mono NL ExtraBold" panose="02000009000000000000" pitchFamily="49" charset="0"/>
               </a:rPr>
               <a:t> de </a:t>
             </a:r>
             <a:r>
-              <a:rPr lang="en-US" b="1" dirty="0" err="1">
-                <a:solidFill>
-                  <a:schemeClr val="tx1"/>
-                </a:solidFill>
-                <a:latin typeface="JetBrains Mono Medium" panose="02000009000000000000" pitchFamily="49" charset="0"/>
-                <a:ea typeface="JetBrains Mono Medium" panose="02000009000000000000" pitchFamily="49" charset="0"/>
-                <a:cs typeface="JetBrains Mono Medium" panose="02000009000000000000" pitchFamily="49" charset="0"/>
+              <a:rPr lang="en-US" sz="2000" b="1" dirty="0" err="1">
+                <a:solidFill>
+                  <a:schemeClr val="tx1"/>
+                </a:solidFill>
+                <a:latin typeface="JetBrains Mono NL ExtraBold" panose="02000009000000000000" pitchFamily="49" charset="0"/>
+                <a:ea typeface="JetBrains Mono NL ExtraBold" panose="02000009000000000000" pitchFamily="49" charset="0"/>
+                <a:cs typeface="JetBrains Mono NL ExtraBold" panose="02000009000000000000" pitchFamily="49" charset="0"/>
               </a:rPr>
               <a:t>realitate</a:t>
             </a:r>
             <a:r>
-              <a:rPr lang="en-US" b="1" dirty="0">
-                <a:solidFill>
-                  <a:schemeClr val="tx1"/>
-                </a:solidFill>
-                <a:latin typeface="JetBrains Mono Medium" panose="02000009000000000000" pitchFamily="49" charset="0"/>
-                <a:ea typeface="JetBrains Mono Medium" panose="02000009000000000000" pitchFamily="49" charset="0"/>
-                <a:cs typeface="JetBrains Mono Medium" panose="02000009000000000000" pitchFamily="49" charset="0"/>
-              </a:rPr>
-              <a:t> </a:t>
-            </a:r>
-            <a:r>
-              <a:rPr lang="en-US" b="1" dirty="0" err="1">
-                <a:solidFill>
-                  <a:schemeClr val="tx1"/>
-                </a:solidFill>
-                <a:latin typeface="JetBrains Mono Medium" panose="02000009000000000000" pitchFamily="49" charset="0"/>
-                <a:ea typeface="JetBrains Mono Medium" panose="02000009000000000000" pitchFamily="49" charset="0"/>
-                <a:cs typeface="JetBrains Mono Medium" panose="02000009000000000000" pitchFamily="49" charset="0"/>
+              <a:rPr lang="en-US" sz="2000" b="1" dirty="0">
+                <a:solidFill>
+                  <a:schemeClr val="tx1"/>
+                </a:solidFill>
+                <a:latin typeface="JetBrains Mono NL ExtraBold" panose="02000009000000000000" pitchFamily="49" charset="0"/>
+                <a:ea typeface="JetBrains Mono NL ExtraBold" panose="02000009000000000000" pitchFamily="49" charset="0"/>
+                <a:cs typeface="JetBrains Mono NL ExtraBold" panose="02000009000000000000" pitchFamily="49" charset="0"/>
+              </a:rPr>
+              <a:t> </a:t>
+            </a:r>
+            <a:r>
+              <a:rPr lang="en-US" sz="2000" b="1" dirty="0" err="1">
+                <a:solidFill>
+                  <a:schemeClr val="tx1"/>
+                </a:solidFill>
+                <a:latin typeface="JetBrains Mono NL ExtraBold" panose="02000009000000000000" pitchFamily="49" charset="0"/>
+                <a:ea typeface="JetBrains Mono NL ExtraBold" panose="02000009000000000000" pitchFamily="49" charset="0"/>
+                <a:cs typeface="JetBrains Mono NL ExtraBold" panose="02000009000000000000" pitchFamily="49" charset="0"/>
               </a:rPr>
               <a:t>virtuală</a:t>
             </a:r>
             <a:r>
-              <a:rPr lang="en-US" b="1" dirty="0">
-                <a:solidFill>
-                  <a:schemeClr val="tx1"/>
-                </a:solidFill>
-                <a:latin typeface="JetBrains Mono Medium" panose="02000009000000000000" pitchFamily="49" charset="0"/>
-                <a:ea typeface="JetBrains Mono Medium" panose="02000009000000000000" pitchFamily="49" charset="0"/>
-                <a:cs typeface="JetBrains Mono Medium" panose="02000009000000000000" pitchFamily="49" charset="0"/>
-              </a:rPr>
-              <a:t> </a:t>
-            </a:r>
-            <a:r>
-              <a:rPr lang="en-US" b="1" dirty="0" err="1">
-                <a:solidFill>
-                  <a:schemeClr val="tx1"/>
-                </a:solidFill>
-                <a:latin typeface="JetBrains Mono Medium" panose="02000009000000000000" pitchFamily="49" charset="0"/>
-                <a:ea typeface="JetBrains Mono Medium" panose="02000009000000000000" pitchFamily="49" charset="0"/>
-                <a:cs typeface="JetBrains Mono Medium" panose="02000009000000000000" pitchFamily="49" charset="0"/>
+              <a:rPr lang="en-US" sz="2000" b="1" dirty="0">
+                <a:solidFill>
+                  <a:schemeClr val="tx1"/>
+                </a:solidFill>
+                <a:latin typeface="JetBrains Mono NL ExtraBold" panose="02000009000000000000" pitchFamily="49" charset="0"/>
+                <a:ea typeface="JetBrains Mono NL ExtraBold" panose="02000009000000000000" pitchFamily="49" charset="0"/>
+                <a:cs typeface="JetBrains Mono NL ExtraBold" panose="02000009000000000000" pitchFamily="49" charset="0"/>
+              </a:rPr>
+              <a:t> </a:t>
+            </a:r>
+            <a:r>
+              <a:rPr lang="en-US" sz="2000" b="1" dirty="0" err="1">
+                <a:solidFill>
+                  <a:schemeClr val="tx1"/>
+                </a:solidFill>
+                <a:latin typeface="JetBrains Mono NL ExtraBold" panose="02000009000000000000" pitchFamily="49" charset="0"/>
+                <a:ea typeface="JetBrains Mono NL ExtraBold" panose="02000009000000000000" pitchFamily="49" charset="0"/>
+                <a:cs typeface="JetBrains Mono NL ExtraBold" panose="02000009000000000000" pitchFamily="49" charset="0"/>
               </a:rPr>
               <a:t>și</a:t>
             </a:r>
             <a:r>
-              <a:rPr lang="en-US" b="1" dirty="0">
-                <a:solidFill>
-                  <a:schemeClr val="tx1"/>
-                </a:solidFill>
-                <a:latin typeface="JetBrains Mono Medium" panose="02000009000000000000" pitchFamily="49" charset="0"/>
-                <a:ea typeface="JetBrains Mono Medium" panose="02000009000000000000" pitchFamily="49" charset="0"/>
-                <a:cs typeface="JetBrains Mono Medium" panose="02000009000000000000" pitchFamily="49" charset="0"/>
-              </a:rPr>
-              <a:t> </a:t>
-            </a:r>
-            <a:r>
-              <a:rPr lang="en-US" b="1" dirty="0" err="1">
-                <a:solidFill>
-                  <a:schemeClr val="tx1"/>
-                </a:solidFill>
-                <a:latin typeface="JetBrains Mono Medium" panose="02000009000000000000" pitchFamily="49" charset="0"/>
-                <a:ea typeface="JetBrains Mono Medium" panose="02000009000000000000" pitchFamily="49" charset="0"/>
-                <a:cs typeface="JetBrains Mono Medium" panose="02000009000000000000" pitchFamily="49" charset="0"/>
+              <a:rPr lang="en-US" sz="2000" b="1" dirty="0">
+                <a:solidFill>
+                  <a:schemeClr val="tx1"/>
+                </a:solidFill>
+                <a:latin typeface="JetBrains Mono NL ExtraBold" panose="02000009000000000000" pitchFamily="49" charset="0"/>
+                <a:ea typeface="JetBrains Mono NL ExtraBold" panose="02000009000000000000" pitchFamily="49" charset="0"/>
+                <a:cs typeface="JetBrains Mono NL ExtraBold" panose="02000009000000000000" pitchFamily="49" charset="0"/>
+              </a:rPr>
+              <a:t> </a:t>
+            </a:r>
+            <a:r>
+              <a:rPr lang="en-US" sz="2000" b="1" dirty="0" err="1">
+                <a:solidFill>
+                  <a:schemeClr val="tx1"/>
+                </a:solidFill>
+                <a:latin typeface="JetBrains Mono NL ExtraBold" panose="02000009000000000000" pitchFamily="49" charset="0"/>
+                <a:ea typeface="JetBrains Mono NL ExtraBold" panose="02000009000000000000" pitchFamily="49" charset="0"/>
+                <a:cs typeface="JetBrains Mono NL ExtraBold" panose="02000009000000000000" pitchFamily="49" charset="0"/>
               </a:rPr>
               <a:t>augmentată</a:t>
             </a:r>
             <a:r>
-              <a:rPr lang="en-US" b="1" dirty="0">
-                <a:solidFill>
-                  <a:schemeClr val="tx1"/>
-                </a:solidFill>
-                <a:latin typeface="JetBrains Mono Medium" panose="02000009000000000000" pitchFamily="49" charset="0"/>
-                <a:ea typeface="JetBrains Mono Medium" panose="02000009000000000000" pitchFamily="49" charset="0"/>
-                <a:cs typeface="JetBrains Mono Medium" panose="02000009000000000000" pitchFamily="49" charset="0"/>
+              <a:rPr lang="en-US" sz="2000" b="1" dirty="0">
+                <a:solidFill>
+                  <a:schemeClr val="tx1"/>
+                </a:solidFill>
+                <a:latin typeface="JetBrains Mono NL ExtraBold" panose="02000009000000000000" pitchFamily="49" charset="0"/>
+                <a:ea typeface="JetBrains Mono NL ExtraBold" panose="02000009000000000000" pitchFamily="49" charset="0"/>
+                <a:cs typeface="JetBrains Mono NL ExtraBold" panose="02000009000000000000" pitchFamily="49" charset="0"/>
               </a:rPr>
               <a:t> (VR/AR):</a:t>
             </a:r>
-            <a:endParaRPr lang="en-US" dirty="0">
+            <a:endParaRPr lang="en-US" sz="2000" dirty="0">
               <a:solidFill>
                 <a:schemeClr val="tx1"/>
               </a:solidFill>
-              <a:latin typeface="JetBrains Mono Medium" panose="02000009000000000000" pitchFamily="49" charset="0"/>
-              <a:ea typeface="JetBrains Mono Medium" panose="02000009000000000000" pitchFamily="49" charset="0"/>
-              <a:cs typeface="JetBrains Mono Medium" panose="02000009000000000000" pitchFamily="49" charset="0"/>
+              <a:latin typeface="JetBrains Mono NL ExtraBold" panose="02000009000000000000" pitchFamily="49" charset="0"/>
+              <a:ea typeface="JetBrains Mono NL ExtraBold" panose="02000009000000000000" pitchFamily="49" charset="0"/>
+              <a:cs typeface="JetBrains Mono NL ExtraBold" panose="02000009000000000000" pitchFamily="49" charset="0"/>
             </a:endParaRPr>
           </a:p>
           <a:p>
-            <a:pPr marL="742950" lvl="1" indent="-285750">
-              <a:buFont typeface="+mj-lt"/>
-              <a:buAutoNum type="arabicPeriod"/>
-            </a:pPr>
+            <a:pPr lvl="1"/>
             <a:r>
               <a:rPr lang="en-US" b="1" dirty="0" err="1">
                 <a:solidFill>
@@ -19787,10 +19639,7 @@
             </a:r>
           </a:p>
           <a:p>
-            <a:pPr marL="742950" lvl="1" indent="-285750">
-              <a:buFont typeface="+mj-lt"/>
-              <a:buAutoNum type="arabicPeriod"/>
-            </a:pPr>
+            <a:pPr lvl="1"/>
             <a:r>
               <a:rPr lang="en-US" b="1" dirty="0" err="1">
                 <a:solidFill>
@@ -19897,96 +19746,93 @@
               <a:buAutoNum type="arabicPeriod"/>
             </a:pPr>
             <a:r>
-              <a:rPr lang="en-US" b="1" dirty="0">
-                <a:solidFill>
-                  <a:schemeClr val="tx1"/>
-                </a:solidFill>
-                <a:latin typeface="JetBrains Mono Medium" panose="02000009000000000000" pitchFamily="49" charset="0"/>
-                <a:ea typeface="JetBrains Mono Medium" panose="02000009000000000000" pitchFamily="49" charset="0"/>
-                <a:cs typeface="JetBrains Mono Medium" panose="02000009000000000000" pitchFamily="49" charset="0"/>
+              <a:rPr lang="en-US" sz="2000" b="1" dirty="0">
+                <a:solidFill>
+                  <a:schemeClr val="tx1"/>
+                </a:solidFill>
+                <a:latin typeface="JetBrains Mono NL ExtraBold" panose="02000009000000000000" pitchFamily="49" charset="0"/>
+                <a:ea typeface="JetBrains Mono NL ExtraBold" panose="02000009000000000000" pitchFamily="49" charset="0"/>
+                <a:cs typeface="JetBrains Mono NL ExtraBold" panose="02000009000000000000" pitchFamily="49" charset="0"/>
               </a:rPr>
               <a:t>Expert </a:t>
             </a:r>
             <a:r>
-              <a:rPr lang="en-US" b="1" dirty="0" err="1">
-                <a:solidFill>
-                  <a:schemeClr val="tx1"/>
-                </a:solidFill>
-                <a:latin typeface="JetBrains Mono Medium" panose="02000009000000000000" pitchFamily="49" charset="0"/>
-                <a:ea typeface="JetBrains Mono Medium" panose="02000009000000000000" pitchFamily="49" charset="0"/>
-                <a:cs typeface="JetBrains Mono Medium" panose="02000009000000000000" pitchFamily="49" charset="0"/>
+              <a:rPr lang="en-US" sz="2000" b="1" dirty="0" err="1">
+                <a:solidFill>
+                  <a:schemeClr val="tx1"/>
+                </a:solidFill>
+                <a:latin typeface="JetBrains Mono NL ExtraBold" panose="02000009000000000000" pitchFamily="49" charset="0"/>
+                <a:ea typeface="JetBrains Mono NL ExtraBold" panose="02000009000000000000" pitchFamily="49" charset="0"/>
+                <a:cs typeface="JetBrains Mono NL ExtraBold" panose="02000009000000000000" pitchFamily="49" charset="0"/>
               </a:rPr>
               <a:t>în</a:t>
             </a:r>
             <a:r>
-              <a:rPr lang="en-US" b="1" dirty="0">
-                <a:solidFill>
-                  <a:schemeClr val="tx1"/>
-                </a:solidFill>
-                <a:latin typeface="JetBrains Mono Medium" panose="02000009000000000000" pitchFamily="49" charset="0"/>
-                <a:ea typeface="JetBrains Mono Medium" panose="02000009000000000000" pitchFamily="49" charset="0"/>
-                <a:cs typeface="JetBrains Mono Medium" panose="02000009000000000000" pitchFamily="49" charset="0"/>
-              </a:rPr>
-              <a:t> </a:t>
-            </a:r>
-            <a:r>
-              <a:rPr lang="en-US" b="1" dirty="0" err="1">
-                <a:solidFill>
-                  <a:schemeClr val="tx1"/>
-                </a:solidFill>
-                <a:latin typeface="JetBrains Mono Medium" panose="02000009000000000000" pitchFamily="49" charset="0"/>
-                <a:ea typeface="JetBrains Mono Medium" panose="02000009000000000000" pitchFamily="49" charset="0"/>
-                <a:cs typeface="JetBrains Mono Medium" panose="02000009000000000000" pitchFamily="49" charset="0"/>
+              <a:rPr lang="en-US" sz="2000" b="1" dirty="0">
+                <a:solidFill>
+                  <a:schemeClr val="tx1"/>
+                </a:solidFill>
+                <a:latin typeface="JetBrains Mono NL ExtraBold" panose="02000009000000000000" pitchFamily="49" charset="0"/>
+                <a:ea typeface="JetBrains Mono NL ExtraBold" panose="02000009000000000000" pitchFamily="49" charset="0"/>
+                <a:cs typeface="JetBrains Mono NL ExtraBold" panose="02000009000000000000" pitchFamily="49" charset="0"/>
+              </a:rPr>
+              <a:t> </a:t>
+            </a:r>
+            <a:r>
+              <a:rPr lang="en-US" sz="2000" b="1" dirty="0" err="1">
+                <a:solidFill>
+                  <a:schemeClr val="tx1"/>
+                </a:solidFill>
+                <a:latin typeface="JetBrains Mono NL ExtraBold" panose="02000009000000000000" pitchFamily="49" charset="0"/>
+                <a:ea typeface="JetBrains Mono NL ExtraBold" panose="02000009000000000000" pitchFamily="49" charset="0"/>
+                <a:cs typeface="JetBrains Mono NL ExtraBold" panose="02000009000000000000" pitchFamily="49" charset="0"/>
               </a:rPr>
               <a:t>securitate</a:t>
             </a:r>
             <a:r>
-              <a:rPr lang="en-US" b="1" dirty="0">
-                <a:solidFill>
-                  <a:schemeClr val="tx1"/>
-                </a:solidFill>
-                <a:latin typeface="JetBrains Mono Medium" panose="02000009000000000000" pitchFamily="49" charset="0"/>
-                <a:ea typeface="JetBrains Mono Medium" panose="02000009000000000000" pitchFamily="49" charset="0"/>
-                <a:cs typeface="JetBrains Mono Medium" panose="02000009000000000000" pitchFamily="49" charset="0"/>
-              </a:rPr>
-              <a:t> </a:t>
-            </a:r>
-            <a:r>
-              <a:rPr lang="en-US" b="1" dirty="0" err="1">
-                <a:solidFill>
-                  <a:schemeClr val="tx1"/>
-                </a:solidFill>
-                <a:latin typeface="JetBrains Mono Medium" panose="02000009000000000000" pitchFamily="49" charset="0"/>
-                <a:ea typeface="JetBrains Mono Medium" panose="02000009000000000000" pitchFamily="49" charset="0"/>
-                <a:cs typeface="JetBrains Mono Medium" panose="02000009000000000000" pitchFamily="49" charset="0"/>
+              <a:rPr lang="en-US" sz="2000" b="1" dirty="0">
+                <a:solidFill>
+                  <a:schemeClr val="tx1"/>
+                </a:solidFill>
+                <a:latin typeface="JetBrains Mono NL ExtraBold" panose="02000009000000000000" pitchFamily="49" charset="0"/>
+                <a:ea typeface="JetBrains Mono NL ExtraBold" panose="02000009000000000000" pitchFamily="49" charset="0"/>
+                <a:cs typeface="JetBrains Mono NL ExtraBold" panose="02000009000000000000" pitchFamily="49" charset="0"/>
+              </a:rPr>
+              <a:t> </a:t>
+            </a:r>
+            <a:r>
+              <a:rPr lang="en-US" sz="2000" b="1" dirty="0" err="1">
+                <a:solidFill>
+                  <a:schemeClr val="tx1"/>
+                </a:solidFill>
+                <a:latin typeface="JetBrains Mono NL ExtraBold" panose="02000009000000000000" pitchFamily="49" charset="0"/>
+                <a:ea typeface="JetBrains Mono NL ExtraBold" panose="02000009000000000000" pitchFamily="49" charset="0"/>
+                <a:cs typeface="JetBrains Mono NL ExtraBold" panose="02000009000000000000" pitchFamily="49" charset="0"/>
               </a:rPr>
               <a:t>cibernetică</a:t>
             </a:r>
             <a:r>
-              <a:rPr lang="en-US" b="1" dirty="0">
-                <a:solidFill>
-                  <a:schemeClr val="tx1"/>
-                </a:solidFill>
-                <a:latin typeface="JetBrains Mono Medium" panose="02000009000000000000" pitchFamily="49" charset="0"/>
-                <a:ea typeface="JetBrains Mono Medium" panose="02000009000000000000" pitchFamily="49" charset="0"/>
-                <a:cs typeface="JetBrains Mono Medium" panose="02000009000000000000" pitchFamily="49" charset="0"/>
+              <a:rPr lang="en-US" sz="2000" b="1" dirty="0">
+                <a:solidFill>
+                  <a:schemeClr val="tx1"/>
+                </a:solidFill>
+                <a:latin typeface="JetBrains Mono NL ExtraBold" panose="02000009000000000000" pitchFamily="49" charset="0"/>
+                <a:ea typeface="JetBrains Mono NL ExtraBold" panose="02000009000000000000" pitchFamily="49" charset="0"/>
+                <a:cs typeface="JetBrains Mono NL ExtraBold" panose="02000009000000000000" pitchFamily="49" charset="0"/>
               </a:rPr>
               <a:t>:</a:t>
             </a:r>
-            <a:endParaRPr lang="en-US" dirty="0">
+            <a:endParaRPr lang="en-US" sz="2000" dirty="0">
               <a:solidFill>
                 <a:schemeClr val="tx1"/>
               </a:solidFill>
-              <a:latin typeface="JetBrains Mono Medium" panose="02000009000000000000" pitchFamily="49" charset="0"/>
-              <a:ea typeface="JetBrains Mono Medium" panose="02000009000000000000" pitchFamily="49" charset="0"/>
-              <a:cs typeface="JetBrains Mono Medium" panose="02000009000000000000" pitchFamily="49" charset="0"/>
+              <a:latin typeface="JetBrains Mono NL ExtraBold" panose="02000009000000000000" pitchFamily="49" charset="0"/>
+              <a:ea typeface="JetBrains Mono NL ExtraBold" panose="02000009000000000000" pitchFamily="49" charset="0"/>
+              <a:cs typeface="JetBrains Mono NL ExtraBold" panose="02000009000000000000" pitchFamily="49" charset="0"/>
             </a:endParaRPr>
           </a:p>
           <a:p>
-            <a:pPr marL="742950" lvl="1" indent="-285750">
-              <a:buFont typeface="+mj-lt"/>
-              <a:buAutoNum type="arabicPeriod"/>
-            </a:pPr>
+            <a:pPr lvl="1"/>
             <a:r>
               <a:rPr lang="en-US" b="1" dirty="0" err="1">
                 <a:solidFill>
@@ -20154,10 +20000,7 @@
             </a:r>
           </a:p>
           <a:p>
-            <a:pPr marL="742950" lvl="1" indent="-285750">
-              <a:buFont typeface="+mj-lt"/>
-              <a:buAutoNum type="arabicPeriod"/>
-            </a:pPr>
+            <a:pPr lvl="1"/>
             <a:r>
               <a:rPr lang="en-US" b="1" dirty="0" err="1">
                 <a:solidFill>
@@ -20529,13 +20372,13 @@
   <p:clrMapOvr>
     <a:masterClrMapping/>
   </p:clrMapOvr>
-  <mc:AlternateContent xmlns:mc="http://schemas.openxmlformats.org/markup-compatibility/2006">
-    <mc:Choice xmlns:p159="http://schemas.microsoft.com/office/powerpoint/2015/09/main" Requires="p159">
+  <mc:AlternateContent xmlns:mc="http://schemas.openxmlformats.org/markup-compatibility/2006" xmlns:p159="http://schemas.microsoft.com/office/powerpoint/2015/09/main">
+    <mc:Choice Requires="p159">
       <p:transition xmlns:p14="http://schemas.microsoft.com/office/powerpoint/2010/main" spd="slow" p14:dur="2000">
         <p159:morph option="byChar"/>
       </p:transition>
     </mc:Choice>
-    <mc:Fallback>
+    <mc:Fallback xmlns="">
       <p:transition spd="slow">
         <p:fade/>
       </p:transition>
@@ -20858,7 +20701,7 @@
           <a:lstStyle/>
           <a:p>
             <a:r>
-              <a:rPr lang="en-US" b="1" dirty="0" err="1">
+              <a:rPr lang="en-US" sz="2200" b="1" dirty="0" err="1">
                 <a:solidFill>
                   <a:schemeClr val="tx1"/>
                 </a:solidFill>
@@ -20869,7 +20712,7 @@
               <a:t>Domeniul</a:t>
             </a:r>
             <a:r>
-              <a:rPr lang="en-US" b="1" dirty="0">
+              <a:rPr lang="en-US" sz="2200" b="1" dirty="0">
                 <a:solidFill>
                   <a:schemeClr val="tx1"/>
                 </a:solidFill>
@@ -20880,7 +20723,7 @@
               <a:t> ecologic </a:t>
             </a:r>
             <a:r>
-              <a:rPr lang="en-US" b="1" dirty="0" err="1">
+              <a:rPr lang="en-US" sz="2200" b="1" dirty="0" err="1">
                 <a:solidFill>
                   <a:schemeClr val="tx1"/>
                 </a:solidFill>
@@ -20891,18 +20734,18 @@
               <a:t>și</a:t>
             </a:r>
             <a:r>
-              <a:rPr lang="en-US" b="1" dirty="0">
-                <a:solidFill>
-                  <a:schemeClr val="tx1"/>
-                </a:solidFill>
-                <a:latin typeface="JetBrains Mono Medium" panose="02000009000000000000" pitchFamily="49" charset="0"/>
-                <a:ea typeface="JetBrains Mono Medium" panose="02000009000000000000" pitchFamily="49" charset="0"/>
-                <a:cs typeface="JetBrains Mono Medium" panose="02000009000000000000" pitchFamily="49" charset="0"/>
-              </a:rPr>
-              <a:t> </a:t>
-            </a:r>
-            <a:r>
-              <a:rPr lang="en-US" b="1" dirty="0" err="1">
+              <a:rPr lang="en-US" sz="2200" b="1" dirty="0">
+                <a:solidFill>
+                  <a:schemeClr val="tx1"/>
+                </a:solidFill>
+                <a:latin typeface="JetBrains Mono Medium" panose="02000009000000000000" pitchFamily="49" charset="0"/>
+                <a:ea typeface="JetBrains Mono Medium" panose="02000009000000000000" pitchFamily="49" charset="0"/>
+                <a:cs typeface="JetBrains Mono Medium" panose="02000009000000000000" pitchFamily="49" charset="0"/>
+              </a:rPr>
+              <a:t> </a:t>
+            </a:r>
+            <a:r>
+              <a:rPr lang="en-US" sz="2200" b="1" dirty="0" err="1">
                 <a:solidFill>
                   <a:schemeClr val="tx1"/>
                 </a:solidFill>
@@ -20912,7 +20755,7 @@
               </a:rPr>
               <a:t>sustenabilitatea</a:t>
             </a:r>
-            <a:endParaRPr lang="en-US" b="1" dirty="0">
+            <a:endParaRPr lang="en-US" sz="2200" b="1" dirty="0">
               <a:solidFill>
                 <a:schemeClr val="tx1"/>
               </a:solidFill>
@@ -20991,10 +20834,7 @@
             </a:endParaRPr>
           </a:p>
           <a:p>
-            <a:pPr marL="742950" lvl="1" indent="-285750">
-              <a:buFont typeface="+mj-lt"/>
-              <a:buAutoNum type="arabicPeriod"/>
-            </a:pPr>
+            <a:pPr lvl="1"/>
             <a:r>
               <a:rPr lang="en-US" b="1" dirty="0" err="1">
                 <a:solidFill>
@@ -21162,10 +21002,7 @@
             </a:r>
           </a:p>
           <a:p>
-            <a:pPr marL="742950" lvl="1" indent="-285750">
-              <a:buFont typeface="+mj-lt"/>
-              <a:buAutoNum type="arabicPeriod"/>
-            </a:pPr>
+            <a:pPr lvl="1"/>
             <a:r>
               <a:rPr lang="en-US" b="1" dirty="0" err="1">
                 <a:solidFill>
@@ -21424,10 +21261,7 @@
             </a:endParaRPr>
           </a:p>
           <a:p>
-            <a:pPr marL="742950" lvl="1" indent="-285750">
-              <a:buFont typeface="+mj-lt"/>
-              <a:buAutoNum type="arabicPeriod"/>
-            </a:pPr>
+            <a:pPr lvl="1"/>
             <a:r>
               <a:rPr lang="en-US" b="1" dirty="0" err="1">
                 <a:solidFill>
@@ -21661,10 +21495,7 @@
             </a:r>
           </a:p>
           <a:p>
-            <a:pPr marL="742950" lvl="1" indent="-285750">
-              <a:buFont typeface="+mj-lt"/>
-              <a:buAutoNum type="arabicPeriod"/>
-            </a:pPr>
+            <a:pPr lvl="1"/>
             <a:r>
               <a:rPr lang="en-US" b="1" dirty="0" err="1">
                 <a:solidFill>
@@ -21992,13 +21823,13 @@
   <p:clrMapOvr>
     <a:masterClrMapping/>
   </p:clrMapOvr>
-  <mc:AlternateContent xmlns:mc="http://schemas.openxmlformats.org/markup-compatibility/2006">
-    <mc:Choice xmlns:p159="http://schemas.microsoft.com/office/powerpoint/2015/09/main" Requires="p159">
+  <mc:AlternateContent xmlns:mc="http://schemas.openxmlformats.org/markup-compatibility/2006" xmlns:p159="http://schemas.microsoft.com/office/powerpoint/2015/09/main">
+    <mc:Choice Requires="p159">
       <p:transition xmlns:p14="http://schemas.microsoft.com/office/powerpoint/2010/main" spd="slow" p14:dur="2000">
         <p159:morph option="byChar"/>
       </p:transition>
     </mc:Choice>
-    <mc:Fallback>
+    <mc:Fallback xmlns="">
       <p:transition spd="slow">
         <p:fade/>
       </p:transition>
